--- a/sphinx-book/source/supervised/supervised/figures/figures.pptx
+++ b/sphinx-book/source/supervised/supervised/figures/figures.pptx
@@ -8,6 +8,7 @@
     <p:sldId id="256" r:id="rId2"/>
     <p:sldId id="257" r:id="rId3"/>
     <p:sldId id="258" r:id="rId4"/>
+    <p:sldId id="259" r:id="rId5"/>
   </p:sldIdLst>
   <p:sldSz cx="12192000" cy="6858000"/>
   <p:notesSz cx="6858000" cy="9144000"/>
@@ -106,6 +107,11 @@
       </a:defRPr>
     </a:lvl9pPr>
   </p:defaultTextStyle>
+  <p:extLst>
+    <p:ext uri="{EFAFB233-063F-42B5-8137-9DF3F51BA10A}">
+      <p15:sldGuideLst xmlns:p15="http://schemas.microsoft.com/office/powerpoint/2012/main"/>
+    </p:ext>
+  </p:extLst>
 </p:presentation>
 </file>
 
@@ -375,11 +381,11 @@
           <c:showPercent val="0"/>
           <c:showBubbleSize val="0"/>
         </c:dLbls>
-        <c:axId val="86055888"/>
-        <c:axId val="86048048"/>
+        <c:axId val="88137952"/>
+        <c:axId val="88138512"/>
       </c:scatterChart>
       <c:valAx>
-        <c:axId val="86055888"/>
+        <c:axId val="88137952"/>
         <c:scaling>
           <c:orientation val="minMax"/>
           <c:max val="10"/>
@@ -435,12 +441,12 @@
             <a:endParaRPr lang="en-US"/>
           </a:p>
         </c:txPr>
-        <c:crossAx val="86048048"/>
+        <c:crossAx val="88138512"/>
         <c:crosses val="autoZero"/>
         <c:crossBetween val="midCat"/>
       </c:valAx>
       <c:valAx>
-        <c:axId val="86048048"/>
+        <c:axId val="88138512"/>
         <c:scaling>
           <c:orientation val="minMax"/>
         </c:scaling>
@@ -494,7 +500,7 @@
             <a:endParaRPr lang="en-US"/>
           </a:p>
         </c:txPr>
-        <c:crossAx val="86055888"/>
+        <c:crossAx val="88137952"/>
         <c:crosses val="autoZero"/>
         <c:crossBetween val="midCat"/>
         <c:majorUnit val="20"/>
@@ -813,11 +819,11 @@
           <c:showPercent val="0"/>
           <c:showBubbleSize val="0"/>
         </c:dLbls>
-        <c:axId val="281538592"/>
-        <c:axId val="281539712"/>
+        <c:axId val="88147472"/>
+        <c:axId val="88148032"/>
       </c:scatterChart>
       <c:valAx>
-        <c:axId val="281538592"/>
+        <c:axId val="88147472"/>
         <c:scaling>
           <c:orientation val="minMax"/>
           <c:max val="10"/>
@@ -873,12 +879,12 @@
             <a:endParaRPr lang="en-US"/>
           </a:p>
         </c:txPr>
-        <c:crossAx val="281539712"/>
+        <c:crossAx val="88148032"/>
         <c:crosses val="autoZero"/>
         <c:crossBetween val="midCat"/>
       </c:valAx>
       <c:valAx>
-        <c:axId val="281539712"/>
+        <c:axId val="88148032"/>
         <c:scaling>
           <c:orientation val="minMax"/>
         </c:scaling>
@@ -932,7 +938,7 @@
             <a:endParaRPr lang="en-US"/>
           </a:p>
         </c:txPr>
-        <c:crossAx val="281538592"/>
+        <c:crossAx val="88147472"/>
         <c:crosses val="autoZero"/>
         <c:crossBetween val="midCat"/>
         <c:majorUnit val="20"/>
@@ -1471,11 +1477,11 @@
           <c:showPercent val="0"/>
           <c:showBubbleSize val="0"/>
         </c:dLbls>
-        <c:axId val="281543632"/>
-        <c:axId val="281545312"/>
+        <c:axId val="88150832"/>
+        <c:axId val="236842672"/>
       </c:scatterChart>
       <c:valAx>
-        <c:axId val="281543632"/>
+        <c:axId val="88150832"/>
         <c:scaling>
           <c:orientation val="minMax"/>
           <c:max val="10"/>
@@ -1531,12 +1537,12 @@
             <a:endParaRPr lang="en-US"/>
           </a:p>
         </c:txPr>
-        <c:crossAx val="281545312"/>
+        <c:crossAx val="236842672"/>
         <c:crosses val="autoZero"/>
         <c:crossBetween val="midCat"/>
       </c:valAx>
       <c:valAx>
-        <c:axId val="281545312"/>
+        <c:axId val="236842672"/>
         <c:scaling>
           <c:orientation val="minMax"/>
         </c:scaling>
@@ -1590,7 +1596,7 @@
             <a:endParaRPr lang="en-US"/>
           </a:p>
         </c:txPr>
-        <c:crossAx val="281543632"/>
+        <c:crossAx val="88150832"/>
         <c:crosses val="autoZero"/>
         <c:crossBetween val="midCat"/>
         <c:majorUnit val="20"/>
@@ -1641,6 +1647,302 @@
       <a:schemeClr val="bg1"/>
     </a:solidFill>
     <a:ln w="0" cap="flat" cmpd="sng" algn="ctr">
+      <a:noFill/>
+      <a:round/>
+    </a:ln>
+    <a:effectLst/>
+  </c:spPr>
+  <c:txPr>
+    <a:bodyPr/>
+    <a:lstStyle/>
+    <a:p>
+      <a:pPr>
+        <a:defRPr/>
+      </a:pPr>
+      <a:endParaRPr lang="en-US"/>
+    </a:p>
+  </c:txPr>
+  <c:externalData r:id="rId3">
+    <c:autoUpdate val="0"/>
+  </c:externalData>
+</c:chartSpace>
+</file>
+
+<file path=ppt/charts/chart4.xml><?xml version="1.0" encoding="utf-8"?>
+<c:chartSpace xmlns:c="http://schemas.openxmlformats.org/drawingml/2006/chart" xmlns:a="http://schemas.openxmlformats.org/drawingml/2006/main" xmlns:r="http://schemas.openxmlformats.org/officeDocument/2006/relationships">
+  <c:date1904 val="0"/>
+  <c:lang val="en-US"/>
+  <c:roundedCorners val="0"/>
+  <mc:AlternateContent xmlns:mc="http://schemas.openxmlformats.org/markup-compatibility/2006">
+    <mc:Choice xmlns:c14="http://schemas.microsoft.com/office/drawing/2007/8/2/chart" Requires="c14">
+      <c14:style val="102"/>
+    </mc:Choice>
+    <mc:Fallback>
+      <c:style val="2"/>
+    </mc:Fallback>
+  </mc:AlternateContent>
+  <c:chart>
+    <c:autoTitleDeleted val="1"/>
+    <c:plotArea>
+      <c:layout/>
+      <c:scatterChart>
+        <c:scatterStyle val="lineMarker"/>
+        <c:varyColors val="0"/>
+        <c:ser>
+          <c:idx val="0"/>
+          <c:order val="0"/>
+          <c:spPr>
+            <a:ln w="28575" cap="rnd">
+              <a:noFill/>
+              <a:round/>
+            </a:ln>
+            <a:effectLst/>
+          </c:spPr>
+          <c:marker>
+            <c:symbol val="diamond"/>
+            <c:size val="6"/>
+            <c:spPr>
+              <a:noFill/>
+              <a:ln w="12700">
+                <a:solidFill>
+                  <a:schemeClr val="tx1"/>
+                </a:solidFill>
+              </a:ln>
+              <a:effectLst/>
+            </c:spPr>
+          </c:marker>
+          <c:xVal>
+            <c:numRef>
+              <c:f>Sheet1!$C$43:$C$53</c:f>
+              <c:numCache>
+                <c:formatCode>General</c:formatCode>
+                <c:ptCount val="11"/>
+                <c:pt idx="0">
+                  <c:v>13.252876555727781</c:v>
+                </c:pt>
+                <c:pt idx="1">
+                  <c:v>-14.86016997602003</c:v>
+                </c:pt>
+                <c:pt idx="2">
+                  <c:v>-5.6859424435578276</c:v>
+                </c:pt>
+                <c:pt idx="3">
+                  <c:v>18.028149899589124</c:v>
+                </c:pt>
+                <c:pt idx="4">
+                  <c:v>-10.929366096983664</c:v>
+                </c:pt>
+                <c:pt idx="5">
+                  <c:v>-19.585719069075758</c:v>
+                </c:pt>
+                <c:pt idx="6">
+                  <c:v>-6.9369714147063899</c:v>
+                </c:pt>
+                <c:pt idx="7">
+                  <c:v>-1.0707211680082125</c:v>
+                </c:pt>
+                <c:pt idx="8">
+                  <c:v>7.7961189091998193</c:v>
+                </c:pt>
+                <c:pt idx="9">
+                  <c:v>-11.928550088625371</c:v>
+                </c:pt>
+                <c:pt idx="10">
+                  <c:v>13.365180519622598</c:v>
+                </c:pt>
+              </c:numCache>
+            </c:numRef>
+          </c:xVal>
+          <c:yVal>
+            <c:numRef>
+              <c:f>Sheet1!$D$43:$D$53</c:f>
+              <c:numCache>
+                <c:formatCode>General</c:formatCode>
+                <c:ptCount val="11"/>
+                <c:pt idx="0">
+                  <c:v>40.892772941453991</c:v>
+                </c:pt>
+                <c:pt idx="1">
+                  <c:v>-45.390614008409372</c:v>
+                </c:pt>
+                <c:pt idx="2">
+                  <c:v>-22.805992953798295</c:v>
+                </c:pt>
+                <c:pt idx="3">
+                  <c:v>50.832118452475449</c:v>
+                </c:pt>
+                <c:pt idx="4">
+                  <c:v>-30.879551173313487</c:v>
+                </c:pt>
+                <c:pt idx="5">
+                  <c:v>-60.713038290978012</c:v>
+                </c:pt>
+                <c:pt idx="6">
+                  <c:v>-32.676894035786589</c:v>
+                </c:pt>
+                <c:pt idx="7">
+                  <c:v>-3.1867703107329337</c:v>
+                </c:pt>
+                <c:pt idx="8">
+                  <c:v>16.732948495556933</c:v>
+                </c:pt>
+                <c:pt idx="9">
+                  <c:v>-43.922563512114813</c:v>
+                </c:pt>
+                <c:pt idx="10">
+                  <c:v>28.794742995300382</c:v>
+                </c:pt>
+              </c:numCache>
+            </c:numRef>
+          </c:yVal>
+          <c:smooth val="0"/>
+        </c:ser>
+        <c:dLbls>
+          <c:showLegendKey val="0"/>
+          <c:showVal val="0"/>
+          <c:showCatName val="0"/>
+          <c:showSerName val="0"/>
+          <c:showPercent val="0"/>
+          <c:showBubbleSize val="0"/>
+        </c:dLbls>
+        <c:axId val="281855952"/>
+        <c:axId val="281858192"/>
+      </c:scatterChart>
+      <c:valAx>
+        <c:axId val="281855952"/>
+        <c:scaling>
+          <c:orientation val="minMax"/>
+        </c:scaling>
+        <c:delete val="0"/>
+        <c:axPos val="b"/>
+        <c:majorGridlines>
+          <c:spPr>
+            <a:ln w="9525" cap="flat" cmpd="sng" algn="ctr">
+              <a:solidFill>
+                <a:schemeClr val="tx1">
+                  <a:lumMod val="15000"/>
+                  <a:lumOff val="85000"/>
+                </a:schemeClr>
+              </a:solidFill>
+              <a:round/>
+            </a:ln>
+            <a:effectLst/>
+          </c:spPr>
+        </c:majorGridlines>
+        <c:numFmt formatCode="General" sourceLinked="1"/>
+        <c:majorTickMark val="none"/>
+        <c:minorTickMark val="none"/>
+        <c:tickLblPos val="low"/>
+        <c:spPr>
+          <a:noFill/>
+          <a:ln w="9525" cap="flat" cmpd="sng" algn="ctr">
+            <a:solidFill>
+              <a:schemeClr val="tx1">
+                <a:lumMod val="25000"/>
+                <a:lumOff val="75000"/>
+              </a:schemeClr>
+            </a:solidFill>
+            <a:round/>
+          </a:ln>
+          <a:effectLst/>
+        </c:spPr>
+        <c:txPr>
+          <a:bodyPr rot="-60000000" spcFirstLastPara="1" vertOverflow="ellipsis" vert="horz" wrap="square" anchor="ctr" anchorCtr="1"/>
+          <a:lstStyle/>
+          <a:p>
+            <a:pPr>
+              <a:defRPr sz="1400" b="0" i="0" u="none" strike="noStrike" kern="1200" baseline="0">
+                <a:solidFill>
+                  <a:sysClr val="windowText" lastClr="000000"/>
+                </a:solidFill>
+                <a:latin typeface="+mn-lt"/>
+                <a:ea typeface="+mn-ea"/>
+                <a:cs typeface="+mn-cs"/>
+              </a:defRPr>
+            </a:pPr>
+            <a:endParaRPr lang="en-US"/>
+          </a:p>
+        </c:txPr>
+        <c:crossAx val="281858192"/>
+        <c:crosses val="autoZero"/>
+        <c:crossBetween val="midCat"/>
+      </c:valAx>
+      <c:valAx>
+        <c:axId val="281858192"/>
+        <c:scaling>
+          <c:orientation val="minMax"/>
+        </c:scaling>
+        <c:delete val="0"/>
+        <c:axPos val="l"/>
+        <c:majorGridlines>
+          <c:spPr>
+            <a:ln w="9525" cap="flat" cmpd="sng" algn="ctr">
+              <a:solidFill>
+                <a:schemeClr val="tx1">
+                  <a:lumMod val="15000"/>
+                  <a:lumOff val="85000"/>
+                </a:schemeClr>
+              </a:solidFill>
+              <a:round/>
+            </a:ln>
+            <a:effectLst/>
+          </c:spPr>
+        </c:majorGridlines>
+        <c:numFmt formatCode="General" sourceLinked="1"/>
+        <c:majorTickMark val="none"/>
+        <c:minorTickMark val="none"/>
+        <c:tickLblPos val="low"/>
+        <c:spPr>
+          <a:noFill/>
+          <a:ln w="9525" cap="flat" cmpd="sng" algn="ctr">
+            <a:solidFill>
+              <a:schemeClr val="tx1">
+                <a:lumMod val="25000"/>
+                <a:lumOff val="75000"/>
+              </a:schemeClr>
+            </a:solidFill>
+            <a:round/>
+          </a:ln>
+          <a:effectLst/>
+        </c:spPr>
+        <c:txPr>
+          <a:bodyPr rot="-60000000" spcFirstLastPara="1" vertOverflow="ellipsis" vert="horz" wrap="square" anchor="ctr" anchorCtr="1"/>
+          <a:lstStyle/>
+          <a:p>
+            <a:pPr>
+              <a:defRPr sz="1400" b="0" i="0" u="none" strike="noStrike" kern="1200" baseline="0">
+                <a:solidFill>
+                  <a:sysClr val="windowText" lastClr="000000"/>
+                </a:solidFill>
+                <a:latin typeface="+mn-lt"/>
+                <a:ea typeface="+mn-ea"/>
+                <a:cs typeface="+mn-cs"/>
+              </a:defRPr>
+            </a:pPr>
+            <a:endParaRPr lang="en-US"/>
+          </a:p>
+        </c:txPr>
+        <c:crossAx val="281855952"/>
+        <c:crosses val="autoZero"/>
+        <c:crossBetween val="midCat"/>
+      </c:valAx>
+      <c:spPr>
+        <a:noFill/>
+        <a:ln>
+          <a:noFill/>
+        </a:ln>
+        <a:effectLst/>
+      </c:spPr>
+    </c:plotArea>
+    <c:plotVisOnly val="1"/>
+    <c:dispBlanksAs val="gap"/>
+    <c:showDLblsOverMax val="0"/>
+  </c:chart>
+  <c:spPr>
+    <a:solidFill>
+      <a:schemeClr val="bg1"/>
+    </a:solidFill>
+    <a:ln w="9525" cap="flat" cmpd="sng" algn="ctr">
       <a:noFill/>
       <a:round/>
     </a:ln>
@@ -1782,6 +2084,46 @@
 </cs:colorStyle>
 </file>
 
+<file path=ppt/charts/colors4.xml><?xml version="1.0" encoding="utf-8"?>
+<cs:colorStyle xmlns:cs="http://schemas.microsoft.com/office/drawing/2012/chartStyle" xmlns:a="http://schemas.openxmlformats.org/drawingml/2006/main" meth="cycle" id="10">
+  <a:schemeClr val="accent1"/>
+  <a:schemeClr val="accent2"/>
+  <a:schemeClr val="accent3"/>
+  <a:schemeClr val="accent4"/>
+  <a:schemeClr val="accent5"/>
+  <a:schemeClr val="accent6"/>
+  <cs:variation/>
+  <cs:variation>
+    <a:lumMod val="60000"/>
+  </cs:variation>
+  <cs:variation>
+    <a:lumMod val="80000"/>
+    <a:lumOff val="20000"/>
+  </cs:variation>
+  <cs:variation>
+    <a:lumMod val="80000"/>
+  </cs:variation>
+  <cs:variation>
+    <a:lumMod val="60000"/>
+    <a:lumOff val="40000"/>
+  </cs:variation>
+  <cs:variation>
+    <a:lumMod val="50000"/>
+  </cs:variation>
+  <cs:variation>
+    <a:lumMod val="70000"/>
+    <a:lumOff val="30000"/>
+  </cs:variation>
+  <cs:variation>
+    <a:lumMod val="70000"/>
+  </cs:variation>
+  <cs:variation>
+    <a:lumMod val="50000"/>
+    <a:lumOff val="50000"/>
+  </cs:variation>
+</cs:colorStyle>
+</file>
+
 <file path=ppt/charts/style1.xml><?xml version="1.0" encoding="utf-8"?>
 <cs:chartStyle xmlns:cs="http://schemas.microsoft.com/office/drawing/2012/chartStyle" xmlns:a="http://schemas.openxmlformats.org/drawingml/2006/main" id="240">
   <cs:axisTitle>
@@ -2815,6 +3157,522 @@
 </file>
 
 <file path=ppt/charts/style3.xml><?xml version="1.0" encoding="utf-8"?>
+<cs:chartStyle xmlns:cs="http://schemas.microsoft.com/office/drawing/2012/chartStyle" xmlns:a="http://schemas.openxmlformats.org/drawingml/2006/main" id="240">
+  <cs:axisTitle>
+    <cs:lnRef idx="0"/>
+    <cs:fillRef idx="0"/>
+    <cs:effectRef idx="0"/>
+    <cs:fontRef idx="minor">
+      <a:schemeClr val="tx1">
+        <a:lumMod val="65000"/>
+        <a:lumOff val="35000"/>
+      </a:schemeClr>
+    </cs:fontRef>
+    <cs:defRPr sz="1000" kern="1200"/>
+  </cs:axisTitle>
+  <cs:categoryAxis>
+    <cs:lnRef idx="0"/>
+    <cs:fillRef idx="0"/>
+    <cs:effectRef idx="0"/>
+    <cs:fontRef idx="minor">
+      <a:schemeClr val="tx1">
+        <a:lumMod val="65000"/>
+        <a:lumOff val="35000"/>
+      </a:schemeClr>
+    </cs:fontRef>
+    <cs:spPr>
+      <a:ln w="9525" cap="flat" cmpd="sng" algn="ctr">
+        <a:solidFill>
+          <a:schemeClr val="tx1">
+            <a:lumMod val="25000"/>
+            <a:lumOff val="75000"/>
+          </a:schemeClr>
+        </a:solidFill>
+        <a:round/>
+      </a:ln>
+    </cs:spPr>
+    <cs:defRPr sz="900" kern="1200"/>
+  </cs:categoryAxis>
+  <cs:chartArea mods="allowNoFillOverride allowNoLineOverride">
+    <cs:lnRef idx="0"/>
+    <cs:fillRef idx="0"/>
+    <cs:effectRef idx="0"/>
+    <cs:fontRef idx="minor">
+      <a:schemeClr val="tx1"/>
+    </cs:fontRef>
+    <cs:spPr>
+      <a:solidFill>
+        <a:schemeClr val="bg1"/>
+      </a:solidFill>
+      <a:ln w="9525" cap="flat" cmpd="sng" algn="ctr">
+        <a:solidFill>
+          <a:schemeClr val="tx1">
+            <a:lumMod val="15000"/>
+            <a:lumOff val="85000"/>
+          </a:schemeClr>
+        </a:solidFill>
+        <a:round/>
+      </a:ln>
+    </cs:spPr>
+    <cs:defRPr sz="1000" kern="1200"/>
+  </cs:chartArea>
+  <cs:dataLabel>
+    <cs:lnRef idx="0"/>
+    <cs:fillRef idx="0"/>
+    <cs:effectRef idx="0"/>
+    <cs:fontRef idx="minor">
+      <a:schemeClr val="tx1">
+        <a:lumMod val="75000"/>
+        <a:lumOff val="25000"/>
+      </a:schemeClr>
+    </cs:fontRef>
+    <cs:defRPr sz="900" kern="1200"/>
+  </cs:dataLabel>
+  <cs:dataLabelCallout>
+    <cs:lnRef idx="0"/>
+    <cs:fillRef idx="0"/>
+    <cs:effectRef idx="0"/>
+    <cs:fontRef idx="minor">
+      <a:schemeClr val="dk1">
+        <a:lumMod val="65000"/>
+        <a:lumOff val="35000"/>
+      </a:schemeClr>
+    </cs:fontRef>
+    <cs:spPr>
+      <a:solidFill>
+        <a:schemeClr val="lt1"/>
+      </a:solidFill>
+      <a:ln>
+        <a:solidFill>
+          <a:schemeClr val="dk1">
+            <a:lumMod val="25000"/>
+            <a:lumOff val="75000"/>
+          </a:schemeClr>
+        </a:solidFill>
+      </a:ln>
+    </cs:spPr>
+    <cs:defRPr sz="900" kern="1200"/>
+    <cs:bodyPr rot="0" spcFirstLastPara="1" vertOverflow="clip" horzOverflow="clip" vert="horz" wrap="square" lIns="36576" tIns="18288" rIns="36576" bIns="18288" anchor="ctr" anchorCtr="1">
+      <a:spAutoFit/>
+    </cs:bodyPr>
+  </cs:dataLabelCallout>
+  <cs:dataPoint>
+    <cs:lnRef idx="0"/>
+    <cs:fillRef idx="1">
+      <cs:styleClr val="auto"/>
+    </cs:fillRef>
+    <cs:effectRef idx="0"/>
+    <cs:fontRef idx="minor">
+      <a:schemeClr val="tx1"/>
+    </cs:fontRef>
+  </cs:dataPoint>
+  <cs:dataPoint3D>
+    <cs:lnRef idx="0"/>
+    <cs:fillRef idx="1">
+      <cs:styleClr val="auto"/>
+    </cs:fillRef>
+    <cs:effectRef idx="0"/>
+    <cs:fontRef idx="minor">
+      <a:schemeClr val="tx1"/>
+    </cs:fontRef>
+  </cs:dataPoint3D>
+  <cs:dataPointLine>
+    <cs:lnRef idx="0">
+      <cs:styleClr val="auto"/>
+    </cs:lnRef>
+    <cs:fillRef idx="1"/>
+    <cs:effectRef idx="0"/>
+    <cs:fontRef idx="minor">
+      <a:schemeClr val="tx1"/>
+    </cs:fontRef>
+    <cs:spPr>
+      <a:ln w="19050" cap="rnd">
+        <a:solidFill>
+          <a:schemeClr val="phClr"/>
+        </a:solidFill>
+        <a:round/>
+      </a:ln>
+    </cs:spPr>
+  </cs:dataPointLine>
+  <cs:dataPointMarker>
+    <cs:lnRef idx="0">
+      <cs:styleClr val="auto"/>
+    </cs:lnRef>
+    <cs:fillRef idx="1">
+      <cs:styleClr val="auto"/>
+    </cs:fillRef>
+    <cs:effectRef idx="0"/>
+    <cs:fontRef idx="minor">
+      <a:schemeClr val="tx1"/>
+    </cs:fontRef>
+    <cs:spPr>
+      <a:ln w="9525">
+        <a:solidFill>
+          <a:schemeClr val="phClr"/>
+        </a:solidFill>
+      </a:ln>
+    </cs:spPr>
+  </cs:dataPointMarker>
+  <cs:dataPointMarkerLayout symbol="circle" size="5"/>
+  <cs:dataPointWireframe>
+    <cs:lnRef idx="0">
+      <cs:styleClr val="auto"/>
+    </cs:lnRef>
+    <cs:fillRef idx="0"/>
+    <cs:effectRef idx="0"/>
+    <cs:fontRef idx="minor">
+      <a:schemeClr val="dk1"/>
+    </cs:fontRef>
+    <cs:spPr>
+      <a:ln w="9525" cap="rnd">
+        <a:solidFill>
+          <a:schemeClr val="phClr"/>
+        </a:solidFill>
+        <a:round/>
+      </a:ln>
+    </cs:spPr>
+  </cs:dataPointWireframe>
+  <cs:dataTable>
+    <cs:lnRef idx="0"/>
+    <cs:fillRef idx="0"/>
+    <cs:effectRef idx="0"/>
+    <cs:fontRef idx="minor">
+      <a:schemeClr val="tx1">
+        <a:lumMod val="65000"/>
+        <a:lumOff val="35000"/>
+      </a:schemeClr>
+    </cs:fontRef>
+    <cs:spPr>
+      <a:noFill/>
+      <a:ln w="9525" cap="flat" cmpd="sng" algn="ctr">
+        <a:solidFill>
+          <a:schemeClr val="tx1">
+            <a:lumMod val="15000"/>
+            <a:lumOff val="85000"/>
+          </a:schemeClr>
+        </a:solidFill>
+        <a:round/>
+      </a:ln>
+    </cs:spPr>
+    <cs:defRPr sz="900" kern="1200"/>
+  </cs:dataTable>
+  <cs:downBar>
+    <cs:lnRef idx="0"/>
+    <cs:fillRef idx="0"/>
+    <cs:effectRef idx="0"/>
+    <cs:fontRef idx="minor">
+      <a:schemeClr val="tx1"/>
+    </cs:fontRef>
+    <cs:spPr>
+      <a:solidFill>
+        <a:schemeClr val="dk1">
+          <a:lumMod val="75000"/>
+          <a:lumOff val="25000"/>
+        </a:schemeClr>
+      </a:solidFill>
+      <a:ln w="9525" cap="flat" cmpd="sng" algn="ctr">
+        <a:solidFill>
+          <a:schemeClr val="tx1">
+            <a:lumMod val="65000"/>
+            <a:lumOff val="35000"/>
+          </a:schemeClr>
+        </a:solidFill>
+        <a:round/>
+      </a:ln>
+    </cs:spPr>
+  </cs:downBar>
+  <cs:dropLine>
+    <cs:lnRef idx="0"/>
+    <cs:fillRef idx="0"/>
+    <cs:effectRef idx="0"/>
+    <cs:fontRef idx="minor">
+      <a:schemeClr val="tx1"/>
+    </cs:fontRef>
+    <cs:spPr>
+      <a:ln w="9525" cap="flat" cmpd="sng" algn="ctr">
+        <a:solidFill>
+          <a:schemeClr val="tx1">
+            <a:lumMod val="35000"/>
+            <a:lumOff val="65000"/>
+          </a:schemeClr>
+        </a:solidFill>
+        <a:round/>
+      </a:ln>
+    </cs:spPr>
+  </cs:dropLine>
+  <cs:errorBar>
+    <cs:lnRef idx="0"/>
+    <cs:fillRef idx="0"/>
+    <cs:effectRef idx="0"/>
+    <cs:fontRef idx="minor">
+      <a:schemeClr val="tx1"/>
+    </cs:fontRef>
+    <cs:spPr>
+      <a:ln w="9525" cap="flat" cmpd="sng" algn="ctr">
+        <a:solidFill>
+          <a:schemeClr val="tx1">
+            <a:lumMod val="65000"/>
+            <a:lumOff val="35000"/>
+          </a:schemeClr>
+        </a:solidFill>
+        <a:round/>
+      </a:ln>
+    </cs:spPr>
+  </cs:errorBar>
+  <cs:floor>
+    <cs:lnRef idx="0"/>
+    <cs:fillRef idx="0"/>
+    <cs:effectRef idx="0"/>
+    <cs:fontRef idx="minor">
+      <a:schemeClr val="tx1"/>
+    </cs:fontRef>
+    <cs:spPr>
+      <a:noFill/>
+      <a:ln>
+        <a:noFill/>
+      </a:ln>
+    </cs:spPr>
+  </cs:floor>
+  <cs:gridlineMajor>
+    <cs:lnRef idx="0"/>
+    <cs:fillRef idx="0"/>
+    <cs:effectRef idx="0"/>
+    <cs:fontRef idx="minor">
+      <a:schemeClr val="tx1"/>
+    </cs:fontRef>
+    <cs:spPr>
+      <a:ln w="9525" cap="flat" cmpd="sng" algn="ctr">
+        <a:solidFill>
+          <a:schemeClr val="tx1">
+            <a:lumMod val="15000"/>
+            <a:lumOff val="85000"/>
+          </a:schemeClr>
+        </a:solidFill>
+        <a:round/>
+      </a:ln>
+    </cs:spPr>
+  </cs:gridlineMajor>
+  <cs:gridlineMinor>
+    <cs:lnRef idx="0"/>
+    <cs:fillRef idx="0"/>
+    <cs:effectRef idx="0"/>
+    <cs:fontRef idx="minor">
+      <a:schemeClr val="tx1"/>
+    </cs:fontRef>
+    <cs:spPr>
+      <a:ln w="9525" cap="flat" cmpd="sng" algn="ctr">
+        <a:solidFill>
+          <a:schemeClr val="tx1">
+            <a:lumMod val="5000"/>
+            <a:lumOff val="95000"/>
+          </a:schemeClr>
+        </a:solidFill>
+        <a:round/>
+      </a:ln>
+    </cs:spPr>
+  </cs:gridlineMinor>
+  <cs:hiLoLine>
+    <cs:lnRef idx="0"/>
+    <cs:fillRef idx="0"/>
+    <cs:effectRef idx="0"/>
+    <cs:fontRef idx="minor">
+      <a:schemeClr val="tx1"/>
+    </cs:fontRef>
+    <cs:spPr>
+      <a:ln w="9525" cap="flat" cmpd="sng" algn="ctr">
+        <a:solidFill>
+          <a:schemeClr val="tx1">
+            <a:lumMod val="50000"/>
+            <a:lumOff val="50000"/>
+          </a:schemeClr>
+        </a:solidFill>
+        <a:round/>
+      </a:ln>
+    </cs:spPr>
+  </cs:hiLoLine>
+  <cs:leaderLine>
+    <cs:lnRef idx="0"/>
+    <cs:fillRef idx="0"/>
+    <cs:effectRef idx="0"/>
+    <cs:fontRef idx="minor">
+      <a:schemeClr val="tx1"/>
+    </cs:fontRef>
+    <cs:spPr>
+      <a:ln w="9525" cap="flat" cmpd="sng" algn="ctr">
+        <a:solidFill>
+          <a:schemeClr val="tx1">
+            <a:lumMod val="35000"/>
+            <a:lumOff val="65000"/>
+          </a:schemeClr>
+        </a:solidFill>
+        <a:round/>
+      </a:ln>
+    </cs:spPr>
+  </cs:leaderLine>
+  <cs:legend>
+    <cs:lnRef idx="0"/>
+    <cs:fillRef idx="0"/>
+    <cs:effectRef idx="0"/>
+    <cs:fontRef idx="minor">
+      <a:schemeClr val="tx1">
+        <a:lumMod val="65000"/>
+        <a:lumOff val="35000"/>
+      </a:schemeClr>
+    </cs:fontRef>
+    <cs:defRPr sz="900" kern="1200"/>
+  </cs:legend>
+  <cs:plotArea mods="allowNoFillOverride allowNoLineOverride">
+    <cs:lnRef idx="0"/>
+    <cs:fillRef idx="0"/>
+    <cs:effectRef idx="0"/>
+    <cs:fontRef idx="minor">
+      <a:schemeClr val="tx1"/>
+    </cs:fontRef>
+  </cs:plotArea>
+  <cs:plotArea3D mods="allowNoFillOverride allowNoLineOverride">
+    <cs:lnRef idx="0"/>
+    <cs:fillRef idx="0"/>
+    <cs:effectRef idx="0"/>
+    <cs:fontRef idx="minor">
+      <a:schemeClr val="tx1"/>
+    </cs:fontRef>
+  </cs:plotArea3D>
+  <cs:seriesAxis>
+    <cs:lnRef idx="0"/>
+    <cs:fillRef idx="0"/>
+    <cs:effectRef idx="0"/>
+    <cs:fontRef idx="minor">
+      <a:schemeClr val="tx1">
+        <a:lumMod val="65000"/>
+        <a:lumOff val="35000"/>
+      </a:schemeClr>
+    </cs:fontRef>
+    <cs:defRPr sz="900" kern="1200"/>
+  </cs:seriesAxis>
+  <cs:seriesLine>
+    <cs:lnRef idx="0"/>
+    <cs:fillRef idx="0"/>
+    <cs:effectRef idx="0"/>
+    <cs:fontRef idx="minor">
+      <a:schemeClr val="tx1"/>
+    </cs:fontRef>
+    <cs:spPr>
+      <a:ln w="9525" cap="flat" cmpd="sng" algn="ctr">
+        <a:solidFill>
+          <a:schemeClr val="tx1">
+            <a:lumMod val="35000"/>
+            <a:lumOff val="65000"/>
+          </a:schemeClr>
+        </a:solidFill>
+        <a:round/>
+      </a:ln>
+    </cs:spPr>
+  </cs:seriesLine>
+  <cs:title>
+    <cs:lnRef idx="0"/>
+    <cs:fillRef idx="0"/>
+    <cs:effectRef idx="0"/>
+    <cs:fontRef idx="minor">
+      <a:schemeClr val="tx1">
+        <a:lumMod val="65000"/>
+        <a:lumOff val="35000"/>
+      </a:schemeClr>
+    </cs:fontRef>
+    <cs:defRPr sz="1400" b="0" kern="1200" spc="0" baseline="0"/>
+  </cs:title>
+  <cs:trendline>
+    <cs:lnRef idx="0">
+      <cs:styleClr val="auto"/>
+    </cs:lnRef>
+    <cs:fillRef idx="0"/>
+    <cs:effectRef idx="0"/>
+    <cs:fontRef idx="minor">
+      <a:schemeClr val="tx1"/>
+    </cs:fontRef>
+    <cs:spPr>
+      <a:ln w="19050" cap="rnd">
+        <a:solidFill>
+          <a:schemeClr val="phClr"/>
+        </a:solidFill>
+        <a:prstDash val="sysDot"/>
+      </a:ln>
+    </cs:spPr>
+  </cs:trendline>
+  <cs:trendlineLabel>
+    <cs:lnRef idx="0"/>
+    <cs:fillRef idx="0"/>
+    <cs:effectRef idx="0"/>
+    <cs:fontRef idx="minor">
+      <a:schemeClr val="tx1">
+        <a:lumMod val="65000"/>
+        <a:lumOff val="35000"/>
+      </a:schemeClr>
+    </cs:fontRef>
+    <cs:defRPr sz="900" kern="1200"/>
+  </cs:trendlineLabel>
+  <cs:upBar>
+    <cs:lnRef idx="0"/>
+    <cs:fillRef idx="0"/>
+    <cs:effectRef idx="0"/>
+    <cs:fontRef idx="minor">
+      <a:schemeClr val="tx1"/>
+    </cs:fontRef>
+    <cs:spPr>
+      <a:solidFill>
+        <a:schemeClr val="lt1"/>
+      </a:solidFill>
+      <a:ln w="9525" cap="flat" cmpd="sng" algn="ctr">
+        <a:solidFill>
+          <a:schemeClr val="tx1">
+            <a:lumMod val="65000"/>
+            <a:lumOff val="35000"/>
+          </a:schemeClr>
+        </a:solidFill>
+        <a:round/>
+      </a:ln>
+    </cs:spPr>
+  </cs:upBar>
+  <cs:valueAxis>
+    <cs:lnRef idx="0"/>
+    <cs:fillRef idx="0"/>
+    <cs:effectRef idx="0"/>
+    <cs:fontRef idx="minor">
+      <a:schemeClr val="tx1">
+        <a:lumMod val="65000"/>
+        <a:lumOff val="35000"/>
+      </a:schemeClr>
+    </cs:fontRef>
+    <cs:spPr>
+      <a:ln w="9525" cap="flat" cmpd="sng" algn="ctr">
+        <a:solidFill>
+          <a:schemeClr val="tx1">
+            <a:lumMod val="25000"/>
+            <a:lumOff val="75000"/>
+          </a:schemeClr>
+        </a:solidFill>
+        <a:round/>
+      </a:ln>
+    </cs:spPr>
+    <cs:defRPr sz="900" kern="1200"/>
+  </cs:valueAxis>
+  <cs:wall>
+    <cs:lnRef idx="0"/>
+    <cs:fillRef idx="0"/>
+    <cs:effectRef idx="0"/>
+    <cs:fontRef idx="minor">
+      <a:schemeClr val="tx1"/>
+    </cs:fontRef>
+    <cs:spPr>
+      <a:noFill/>
+      <a:ln>
+        <a:noFill/>
+      </a:ln>
+    </cs:spPr>
+  </cs:wall>
+</cs:chartStyle>
+</file>
+
+<file path=ppt/charts/style4.xml><?xml version="1.0" encoding="utf-8"?>
 <cs:chartStyle xmlns:cs="http://schemas.microsoft.com/office/drawing/2012/chartStyle" xmlns:a="http://schemas.openxmlformats.org/drawingml/2006/main" id="240">
   <cs:axisTitle>
     <cs:lnRef idx="0"/>
@@ -3461,7 +4319,7 @@
           <a:p>
             <a:fld id="{406F7462-953E-4569-B2EF-E37252B72C7A}" type="datetimeFigureOut">
               <a:rPr lang="en-US" smtClean="0"/>
-              <a:t>4/28/2019</a:t>
+              <a:t>4/30/2019</a:t>
             </a:fld>
             <a:endParaRPr lang="en-US"/>
           </a:p>
@@ -3631,7 +4489,7 @@
           <a:p>
             <a:fld id="{406F7462-953E-4569-B2EF-E37252B72C7A}" type="datetimeFigureOut">
               <a:rPr lang="en-US" smtClean="0"/>
-              <a:t>4/28/2019</a:t>
+              <a:t>4/30/2019</a:t>
             </a:fld>
             <a:endParaRPr lang="en-US"/>
           </a:p>
@@ -3811,7 +4669,7 @@
           <a:p>
             <a:fld id="{406F7462-953E-4569-B2EF-E37252B72C7A}" type="datetimeFigureOut">
               <a:rPr lang="en-US" smtClean="0"/>
-              <a:t>4/28/2019</a:t>
+              <a:t>4/30/2019</a:t>
             </a:fld>
             <a:endParaRPr lang="en-US"/>
           </a:p>
@@ -3981,7 +4839,7 @@
           <a:p>
             <a:fld id="{406F7462-953E-4569-B2EF-E37252B72C7A}" type="datetimeFigureOut">
               <a:rPr lang="en-US" smtClean="0"/>
-              <a:t>4/28/2019</a:t>
+              <a:t>4/30/2019</a:t>
             </a:fld>
             <a:endParaRPr lang="en-US"/>
           </a:p>
@@ -4227,7 +5085,7 @@
           <a:p>
             <a:fld id="{406F7462-953E-4569-B2EF-E37252B72C7A}" type="datetimeFigureOut">
               <a:rPr lang="en-US" smtClean="0"/>
-              <a:t>4/28/2019</a:t>
+              <a:t>4/30/2019</a:t>
             </a:fld>
             <a:endParaRPr lang="en-US"/>
           </a:p>
@@ -4459,7 +5317,7 @@
           <a:p>
             <a:fld id="{406F7462-953E-4569-B2EF-E37252B72C7A}" type="datetimeFigureOut">
               <a:rPr lang="en-US" smtClean="0"/>
-              <a:t>4/28/2019</a:t>
+              <a:t>4/30/2019</a:t>
             </a:fld>
             <a:endParaRPr lang="en-US"/>
           </a:p>
@@ -4826,7 +5684,7 @@
           <a:p>
             <a:fld id="{406F7462-953E-4569-B2EF-E37252B72C7A}" type="datetimeFigureOut">
               <a:rPr lang="en-US" smtClean="0"/>
-              <a:t>4/28/2019</a:t>
+              <a:t>4/30/2019</a:t>
             </a:fld>
             <a:endParaRPr lang="en-US"/>
           </a:p>
@@ -4944,7 +5802,7 @@
           <a:p>
             <a:fld id="{406F7462-953E-4569-B2EF-E37252B72C7A}" type="datetimeFigureOut">
               <a:rPr lang="en-US" smtClean="0"/>
-              <a:t>4/28/2019</a:t>
+              <a:t>4/30/2019</a:t>
             </a:fld>
             <a:endParaRPr lang="en-US"/>
           </a:p>
@@ -5039,7 +5897,7 @@
           <a:p>
             <a:fld id="{406F7462-953E-4569-B2EF-E37252B72C7A}" type="datetimeFigureOut">
               <a:rPr lang="en-US" smtClean="0"/>
-              <a:t>4/28/2019</a:t>
+              <a:t>4/30/2019</a:t>
             </a:fld>
             <a:endParaRPr lang="en-US"/>
           </a:p>
@@ -5316,7 +6174,7 @@
           <a:p>
             <a:fld id="{406F7462-953E-4569-B2EF-E37252B72C7A}" type="datetimeFigureOut">
               <a:rPr lang="en-US" smtClean="0"/>
-              <a:t>4/28/2019</a:t>
+              <a:t>4/30/2019</a:t>
             </a:fld>
             <a:endParaRPr lang="en-US"/>
           </a:p>
@@ -5569,7 +6427,7 @@
           <a:p>
             <a:fld id="{406F7462-953E-4569-B2EF-E37252B72C7A}" type="datetimeFigureOut">
               <a:rPr lang="en-US" smtClean="0"/>
-              <a:t>4/28/2019</a:t>
+              <a:t>4/30/2019</a:t>
             </a:fld>
             <a:endParaRPr lang="en-US"/>
           </a:p>
@@ -5782,7 +6640,7 @@
           <a:p>
             <a:fld id="{406F7462-953E-4569-B2EF-E37252B72C7A}" type="datetimeFigureOut">
               <a:rPr lang="en-US" smtClean="0"/>
-              <a:t>4/28/2019</a:t>
+              <a:t>4/30/2019</a:t>
             </a:fld>
             <a:endParaRPr lang="en-US"/>
           </a:p>
@@ -6408,6 +7266,1809 @@
 </p:sld>
 </file>
 
+<file path=ppt/slides/slide4.xml><?xml version="1.0" encoding="utf-8"?>
+<p:sld xmlns:a="http://schemas.openxmlformats.org/drawingml/2006/main" xmlns:r="http://schemas.openxmlformats.org/officeDocument/2006/relationships" xmlns:p="http://schemas.openxmlformats.org/presentationml/2006/main">
+  <p:cSld>
+    <p:spTree>
+      <p:nvGrpSpPr>
+        <p:cNvPr id="1" name=""/>
+        <p:cNvGrpSpPr/>
+        <p:nvPr/>
+      </p:nvGrpSpPr>
+      <p:grpSpPr>
+        <a:xfrm>
+          <a:off x="0" y="0"/>
+          <a:ext cx="0" cy="0"/>
+          <a:chOff x="0" y="0"/>
+          <a:chExt cx="0" cy="0"/>
+        </a:xfrm>
+      </p:grpSpPr>
+      <p:graphicFrame>
+        <p:nvGraphicFramePr>
+          <p:cNvPr id="4" name="Content Placeholder 3"/>
+          <p:cNvGraphicFramePr>
+            <a:graphicFrameLocks noGrp="1"/>
+          </p:cNvGraphicFramePr>
+          <p:nvPr>
+            <p:ph idx="1"/>
+            <p:extLst>
+              <p:ext uri="{D42A27DB-BD31-4B8C-83A1-F6EECF244321}">
+                <p14:modId xmlns:p14="http://schemas.microsoft.com/office/powerpoint/2010/main" val="1001134335"/>
+              </p:ext>
+            </p:extLst>
+          </p:nvPr>
+        </p:nvGraphicFramePr>
+        <p:xfrm>
+          <a:off x="1473798" y="1361412"/>
+          <a:ext cx="1219200" cy="2116455"/>
+        </p:xfrm>
+        <a:graphic>
+          <a:graphicData uri="http://schemas.openxmlformats.org/drawingml/2006/table">
+            <a:tbl>
+              <a:tblPr>
+                <a:tableStyleId>{5C22544A-7EE6-4342-B048-85BDC9FD1C3A}</a:tableStyleId>
+              </a:tblPr>
+              <a:tblGrid>
+                <a:gridCol w="609600"/>
+                <a:gridCol w="609600"/>
+              </a:tblGrid>
+              <a:tr h="190500">
+                <a:tc>
+                  <a:txBody>
+                    <a:bodyPr/>
+                    <a:lstStyle/>
+                    <a:p>
+                      <a:pPr algn="r" fontAlgn="b"/>
+                      <a:r>
+                        <a:rPr lang="en-US" sz="1200" u="none" strike="noStrike" dirty="0">
+                          <a:effectLst/>
+                        </a:rPr>
+                        <a:t>13.25288</a:t>
+                      </a:r>
+                      <a:endParaRPr lang="en-US" sz="1200" b="0" i="0" u="none" strike="noStrike" dirty="0">
+                        <a:solidFill>
+                          <a:srgbClr val="000000"/>
+                        </a:solidFill>
+                        <a:effectLst/>
+                        <a:latin typeface="Calibri" panose="020F0502020204030204" pitchFamily="34" charset="0"/>
+                      </a:endParaRPr>
+                    </a:p>
+                  </a:txBody>
+                  <a:tcPr marL="9525" marR="9525" marT="9525" marB="0" anchor="b">
+                    <a:lnL w="3175" cap="flat" cmpd="sng" algn="ctr">
+                      <a:solidFill>
+                        <a:schemeClr val="bg1">
+                          <a:lumMod val="50000"/>
+                        </a:schemeClr>
+                      </a:solidFill>
+                      <a:prstDash val="solid"/>
+                      <a:round/>
+                      <a:headEnd type="none" w="med" len="med"/>
+                      <a:tailEnd type="none" w="med" len="med"/>
+                    </a:lnL>
+                    <a:lnR w="3175" cap="flat" cmpd="sng" algn="ctr">
+                      <a:solidFill>
+                        <a:schemeClr val="bg1">
+                          <a:lumMod val="50000"/>
+                        </a:schemeClr>
+                      </a:solidFill>
+                      <a:prstDash val="solid"/>
+                      <a:round/>
+                      <a:headEnd type="none" w="med" len="med"/>
+                      <a:tailEnd type="none" w="med" len="med"/>
+                    </a:lnR>
+                    <a:lnT w="3175" cap="flat" cmpd="sng" algn="ctr">
+                      <a:solidFill>
+                        <a:schemeClr val="bg1">
+                          <a:lumMod val="50000"/>
+                        </a:schemeClr>
+                      </a:solidFill>
+                      <a:prstDash val="solid"/>
+                      <a:round/>
+                      <a:headEnd type="none" w="med" len="med"/>
+                      <a:tailEnd type="none" w="med" len="med"/>
+                    </a:lnT>
+                    <a:lnB w="3175" cap="flat" cmpd="sng" algn="ctr">
+                      <a:solidFill>
+                        <a:schemeClr val="bg1">
+                          <a:lumMod val="50000"/>
+                        </a:schemeClr>
+                      </a:solidFill>
+                      <a:prstDash val="solid"/>
+                      <a:round/>
+                      <a:headEnd type="none" w="med" len="med"/>
+                      <a:tailEnd type="none" w="med" len="med"/>
+                    </a:lnB>
+                    <a:lnTlToBr w="12700" cmpd="sng">
+                      <a:noFill/>
+                      <a:prstDash val="solid"/>
+                    </a:lnTlToBr>
+                    <a:lnBlToTr w="12700" cmpd="sng">
+                      <a:noFill/>
+                      <a:prstDash val="solid"/>
+                    </a:lnBlToTr>
+                    <a:noFill/>
+                  </a:tcPr>
+                </a:tc>
+                <a:tc>
+                  <a:txBody>
+                    <a:bodyPr/>
+                    <a:lstStyle/>
+                    <a:p>
+                      <a:pPr algn="r" fontAlgn="b"/>
+                      <a:r>
+                        <a:rPr lang="en-US" sz="1200" u="none" strike="noStrike">
+                          <a:effectLst/>
+                        </a:rPr>
+                        <a:t>40.89277</a:t>
+                      </a:r>
+                      <a:endParaRPr lang="en-US" sz="1200" b="0" i="0" u="none" strike="noStrike">
+                        <a:solidFill>
+                          <a:srgbClr val="000000"/>
+                        </a:solidFill>
+                        <a:effectLst/>
+                        <a:latin typeface="Calibri" panose="020F0502020204030204" pitchFamily="34" charset="0"/>
+                      </a:endParaRPr>
+                    </a:p>
+                  </a:txBody>
+                  <a:tcPr marL="9525" marR="9525" marT="9525" marB="0" anchor="b">
+                    <a:lnL w="3175" cap="flat" cmpd="sng" algn="ctr">
+                      <a:solidFill>
+                        <a:schemeClr val="bg1">
+                          <a:lumMod val="50000"/>
+                        </a:schemeClr>
+                      </a:solidFill>
+                      <a:prstDash val="solid"/>
+                      <a:round/>
+                      <a:headEnd type="none" w="med" len="med"/>
+                      <a:tailEnd type="none" w="med" len="med"/>
+                    </a:lnL>
+                    <a:lnR w="3175" cap="flat" cmpd="sng" algn="ctr">
+                      <a:solidFill>
+                        <a:schemeClr val="bg1">
+                          <a:lumMod val="50000"/>
+                        </a:schemeClr>
+                      </a:solidFill>
+                      <a:prstDash val="solid"/>
+                      <a:round/>
+                      <a:headEnd type="none" w="med" len="med"/>
+                      <a:tailEnd type="none" w="med" len="med"/>
+                    </a:lnR>
+                    <a:lnT w="3175" cap="flat" cmpd="sng" algn="ctr">
+                      <a:solidFill>
+                        <a:schemeClr val="bg1">
+                          <a:lumMod val="50000"/>
+                        </a:schemeClr>
+                      </a:solidFill>
+                      <a:prstDash val="solid"/>
+                      <a:round/>
+                      <a:headEnd type="none" w="med" len="med"/>
+                      <a:tailEnd type="none" w="med" len="med"/>
+                    </a:lnT>
+                    <a:lnB w="3175" cap="flat" cmpd="sng" algn="ctr">
+                      <a:solidFill>
+                        <a:schemeClr val="bg1">
+                          <a:lumMod val="50000"/>
+                        </a:schemeClr>
+                      </a:solidFill>
+                      <a:prstDash val="solid"/>
+                      <a:round/>
+                      <a:headEnd type="none" w="med" len="med"/>
+                      <a:tailEnd type="none" w="med" len="med"/>
+                    </a:lnB>
+                    <a:lnTlToBr w="12700" cmpd="sng">
+                      <a:noFill/>
+                      <a:prstDash val="solid"/>
+                    </a:lnTlToBr>
+                    <a:lnBlToTr w="12700" cmpd="sng">
+                      <a:noFill/>
+                      <a:prstDash val="solid"/>
+                    </a:lnBlToTr>
+                    <a:noFill/>
+                  </a:tcPr>
+                </a:tc>
+              </a:tr>
+              <a:tr h="190500">
+                <a:tc>
+                  <a:txBody>
+                    <a:bodyPr/>
+                    <a:lstStyle/>
+                    <a:p>
+                      <a:pPr algn="r" fontAlgn="b"/>
+                      <a:r>
+                        <a:rPr lang="en-US" sz="1200" u="none" strike="noStrike" dirty="0">
+                          <a:effectLst/>
+                        </a:rPr>
+                        <a:t>-14.8602</a:t>
+                      </a:r>
+                      <a:endParaRPr lang="en-US" sz="1200" b="0" i="0" u="none" strike="noStrike" dirty="0">
+                        <a:solidFill>
+                          <a:srgbClr val="000000"/>
+                        </a:solidFill>
+                        <a:effectLst/>
+                        <a:latin typeface="Calibri" panose="020F0502020204030204" pitchFamily="34" charset="0"/>
+                      </a:endParaRPr>
+                    </a:p>
+                  </a:txBody>
+                  <a:tcPr marL="9525" marR="9525" marT="9525" marB="0" anchor="b">
+                    <a:lnL w="3175" cap="flat" cmpd="sng" algn="ctr">
+                      <a:solidFill>
+                        <a:schemeClr val="bg1">
+                          <a:lumMod val="50000"/>
+                        </a:schemeClr>
+                      </a:solidFill>
+                      <a:prstDash val="solid"/>
+                      <a:round/>
+                      <a:headEnd type="none" w="med" len="med"/>
+                      <a:tailEnd type="none" w="med" len="med"/>
+                    </a:lnL>
+                    <a:lnR w="3175" cap="flat" cmpd="sng" algn="ctr">
+                      <a:solidFill>
+                        <a:schemeClr val="bg1">
+                          <a:lumMod val="50000"/>
+                        </a:schemeClr>
+                      </a:solidFill>
+                      <a:prstDash val="solid"/>
+                      <a:round/>
+                      <a:headEnd type="none" w="med" len="med"/>
+                      <a:tailEnd type="none" w="med" len="med"/>
+                    </a:lnR>
+                    <a:lnT w="3175" cap="flat" cmpd="sng" algn="ctr">
+                      <a:solidFill>
+                        <a:schemeClr val="bg1">
+                          <a:lumMod val="50000"/>
+                        </a:schemeClr>
+                      </a:solidFill>
+                      <a:prstDash val="solid"/>
+                      <a:round/>
+                      <a:headEnd type="none" w="med" len="med"/>
+                      <a:tailEnd type="none" w="med" len="med"/>
+                    </a:lnT>
+                    <a:lnB w="3175" cap="flat" cmpd="sng" algn="ctr">
+                      <a:solidFill>
+                        <a:schemeClr val="bg1">
+                          <a:lumMod val="50000"/>
+                        </a:schemeClr>
+                      </a:solidFill>
+                      <a:prstDash val="solid"/>
+                      <a:round/>
+                      <a:headEnd type="none" w="med" len="med"/>
+                      <a:tailEnd type="none" w="med" len="med"/>
+                    </a:lnB>
+                    <a:lnTlToBr w="12700" cmpd="sng">
+                      <a:noFill/>
+                      <a:prstDash val="solid"/>
+                    </a:lnTlToBr>
+                    <a:lnBlToTr w="12700" cmpd="sng">
+                      <a:noFill/>
+                      <a:prstDash val="solid"/>
+                    </a:lnBlToTr>
+                    <a:noFill/>
+                  </a:tcPr>
+                </a:tc>
+                <a:tc>
+                  <a:txBody>
+                    <a:bodyPr/>
+                    <a:lstStyle/>
+                    <a:p>
+                      <a:pPr algn="r" fontAlgn="b"/>
+                      <a:r>
+                        <a:rPr lang="en-US" sz="1200" u="none" strike="noStrike">
+                          <a:effectLst/>
+                        </a:rPr>
+                        <a:t>-45.3906</a:t>
+                      </a:r>
+                      <a:endParaRPr lang="en-US" sz="1200" b="0" i="0" u="none" strike="noStrike">
+                        <a:solidFill>
+                          <a:srgbClr val="000000"/>
+                        </a:solidFill>
+                        <a:effectLst/>
+                        <a:latin typeface="Calibri" panose="020F0502020204030204" pitchFamily="34" charset="0"/>
+                      </a:endParaRPr>
+                    </a:p>
+                  </a:txBody>
+                  <a:tcPr marL="9525" marR="9525" marT="9525" marB="0" anchor="b">
+                    <a:lnL w="3175" cap="flat" cmpd="sng" algn="ctr">
+                      <a:solidFill>
+                        <a:schemeClr val="bg1">
+                          <a:lumMod val="50000"/>
+                        </a:schemeClr>
+                      </a:solidFill>
+                      <a:prstDash val="solid"/>
+                      <a:round/>
+                      <a:headEnd type="none" w="med" len="med"/>
+                      <a:tailEnd type="none" w="med" len="med"/>
+                    </a:lnL>
+                    <a:lnR w="3175" cap="flat" cmpd="sng" algn="ctr">
+                      <a:solidFill>
+                        <a:schemeClr val="bg1">
+                          <a:lumMod val="50000"/>
+                        </a:schemeClr>
+                      </a:solidFill>
+                      <a:prstDash val="solid"/>
+                      <a:round/>
+                      <a:headEnd type="none" w="med" len="med"/>
+                      <a:tailEnd type="none" w="med" len="med"/>
+                    </a:lnR>
+                    <a:lnT w="3175" cap="flat" cmpd="sng" algn="ctr">
+                      <a:solidFill>
+                        <a:schemeClr val="bg1">
+                          <a:lumMod val="50000"/>
+                        </a:schemeClr>
+                      </a:solidFill>
+                      <a:prstDash val="solid"/>
+                      <a:round/>
+                      <a:headEnd type="none" w="med" len="med"/>
+                      <a:tailEnd type="none" w="med" len="med"/>
+                    </a:lnT>
+                    <a:lnB w="3175" cap="flat" cmpd="sng" algn="ctr">
+                      <a:solidFill>
+                        <a:schemeClr val="bg1">
+                          <a:lumMod val="50000"/>
+                        </a:schemeClr>
+                      </a:solidFill>
+                      <a:prstDash val="solid"/>
+                      <a:round/>
+                      <a:headEnd type="none" w="med" len="med"/>
+                      <a:tailEnd type="none" w="med" len="med"/>
+                    </a:lnB>
+                    <a:lnTlToBr w="12700" cmpd="sng">
+                      <a:noFill/>
+                      <a:prstDash val="solid"/>
+                    </a:lnTlToBr>
+                    <a:lnBlToTr w="12700" cmpd="sng">
+                      <a:noFill/>
+                      <a:prstDash val="solid"/>
+                    </a:lnBlToTr>
+                    <a:noFill/>
+                  </a:tcPr>
+                </a:tc>
+              </a:tr>
+              <a:tr h="190500">
+                <a:tc>
+                  <a:txBody>
+                    <a:bodyPr/>
+                    <a:lstStyle/>
+                    <a:p>
+                      <a:pPr algn="r" fontAlgn="b"/>
+                      <a:r>
+                        <a:rPr lang="en-US" sz="1200" u="none" strike="noStrike">
+                          <a:effectLst/>
+                        </a:rPr>
+                        <a:t>-5.68594</a:t>
+                      </a:r>
+                      <a:endParaRPr lang="en-US" sz="1200" b="0" i="0" u="none" strike="noStrike">
+                        <a:solidFill>
+                          <a:srgbClr val="000000"/>
+                        </a:solidFill>
+                        <a:effectLst/>
+                        <a:latin typeface="Calibri" panose="020F0502020204030204" pitchFamily="34" charset="0"/>
+                      </a:endParaRPr>
+                    </a:p>
+                  </a:txBody>
+                  <a:tcPr marL="9525" marR="9525" marT="9525" marB="0" anchor="b">
+                    <a:lnL w="3175" cap="flat" cmpd="sng" algn="ctr">
+                      <a:solidFill>
+                        <a:schemeClr val="bg1">
+                          <a:lumMod val="50000"/>
+                        </a:schemeClr>
+                      </a:solidFill>
+                      <a:prstDash val="solid"/>
+                      <a:round/>
+                      <a:headEnd type="none" w="med" len="med"/>
+                      <a:tailEnd type="none" w="med" len="med"/>
+                    </a:lnL>
+                    <a:lnR w="3175" cap="flat" cmpd="sng" algn="ctr">
+                      <a:solidFill>
+                        <a:schemeClr val="bg1">
+                          <a:lumMod val="50000"/>
+                        </a:schemeClr>
+                      </a:solidFill>
+                      <a:prstDash val="solid"/>
+                      <a:round/>
+                      <a:headEnd type="none" w="med" len="med"/>
+                      <a:tailEnd type="none" w="med" len="med"/>
+                    </a:lnR>
+                    <a:lnT w="3175" cap="flat" cmpd="sng" algn="ctr">
+                      <a:solidFill>
+                        <a:schemeClr val="bg1">
+                          <a:lumMod val="50000"/>
+                        </a:schemeClr>
+                      </a:solidFill>
+                      <a:prstDash val="solid"/>
+                      <a:round/>
+                      <a:headEnd type="none" w="med" len="med"/>
+                      <a:tailEnd type="none" w="med" len="med"/>
+                    </a:lnT>
+                    <a:lnB w="3175" cap="flat" cmpd="sng" algn="ctr">
+                      <a:solidFill>
+                        <a:schemeClr val="bg1">
+                          <a:lumMod val="50000"/>
+                        </a:schemeClr>
+                      </a:solidFill>
+                      <a:prstDash val="solid"/>
+                      <a:round/>
+                      <a:headEnd type="none" w="med" len="med"/>
+                      <a:tailEnd type="none" w="med" len="med"/>
+                    </a:lnB>
+                    <a:lnTlToBr w="12700" cmpd="sng">
+                      <a:noFill/>
+                      <a:prstDash val="solid"/>
+                    </a:lnTlToBr>
+                    <a:lnBlToTr w="12700" cmpd="sng">
+                      <a:noFill/>
+                      <a:prstDash val="solid"/>
+                    </a:lnBlToTr>
+                    <a:noFill/>
+                  </a:tcPr>
+                </a:tc>
+                <a:tc>
+                  <a:txBody>
+                    <a:bodyPr/>
+                    <a:lstStyle/>
+                    <a:p>
+                      <a:pPr algn="r" fontAlgn="b"/>
+                      <a:r>
+                        <a:rPr lang="en-US" sz="1200" u="none" strike="noStrike">
+                          <a:effectLst/>
+                        </a:rPr>
+                        <a:t>-22.806</a:t>
+                      </a:r>
+                      <a:endParaRPr lang="en-US" sz="1200" b="0" i="0" u="none" strike="noStrike">
+                        <a:solidFill>
+                          <a:srgbClr val="000000"/>
+                        </a:solidFill>
+                        <a:effectLst/>
+                        <a:latin typeface="Calibri" panose="020F0502020204030204" pitchFamily="34" charset="0"/>
+                      </a:endParaRPr>
+                    </a:p>
+                  </a:txBody>
+                  <a:tcPr marL="9525" marR="9525" marT="9525" marB="0" anchor="b">
+                    <a:lnL w="3175" cap="flat" cmpd="sng" algn="ctr">
+                      <a:solidFill>
+                        <a:schemeClr val="bg1">
+                          <a:lumMod val="50000"/>
+                        </a:schemeClr>
+                      </a:solidFill>
+                      <a:prstDash val="solid"/>
+                      <a:round/>
+                      <a:headEnd type="none" w="med" len="med"/>
+                      <a:tailEnd type="none" w="med" len="med"/>
+                    </a:lnL>
+                    <a:lnR w="3175" cap="flat" cmpd="sng" algn="ctr">
+                      <a:solidFill>
+                        <a:schemeClr val="bg1">
+                          <a:lumMod val="50000"/>
+                        </a:schemeClr>
+                      </a:solidFill>
+                      <a:prstDash val="solid"/>
+                      <a:round/>
+                      <a:headEnd type="none" w="med" len="med"/>
+                      <a:tailEnd type="none" w="med" len="med"/>
+                    </a:lnR>
+                    <a:lnT w="3175" cap="flat" cmpd="sng" algn="ctr">
+                      <a:solidFill>
+                        <a:schemeClr val="bg1">
+                          <a:lumMod val="50000"/>
+                        </a:schemeClr>
+                      </a:solidFill>
+                      <a:prstDash val="solid"/>
+                      <a:round/>
+                      <a:headEnd type="none" w="med" len="med"/>
+                      <a:tailEnd type="none" w="med" len="med"/>
+                    </a:lnT>
+                    <a:lnB w="3175" cap="flat" cmpd="sng" algn="ctr">
+                      <a:solidFill>
+                        <a:schemeClr val="bg1">
+                          <a:lumMod val="50000"/>
+                        </a:schemeClr>
+                      </a:solidFill>
+                      <a:prstDash val="solid"/>
+                      <a:round/>
+                      <a:headEnd type="none" w="med" len="med"/>
+                      <a:tailEnd type="none" w="med" len="med"/>
+                    </a:lnB>
+                    <a:lnTlToBr w="12700" cmpd="sng">
+                      <a:noFill/>
+                      <a:prstDash val="solid"/>
+                    </a:lnTlToBr>
+                    <a:lnBlToTr w="12700" cmpd="sng">
+                      <a:noFill/>
+                      <a:prstDash val="solid"/>
+                    </a:lnBlToTr>
+                    <a:noFill/>
+                  </a:tcPr>
+                </a:tc>
+              </a:tr>
+              <a:tr h="190500">
+                <a:tc>
+                  <a:txBody>
+                    <a:bodyPr/>
+                    <a:lstStyle/>
+                    <a:p>
+                      <a:pPr algn="r" fontAlgn="b"/>
+                      <a:r>
+                        <a:rPr lang="en-US" sz="1200" u="none" strike="noStrike">
+                          <a:effectLst/>
+                        </a:rPr>
+                        <a:t>18.02815</a:t>
+                      </a:r>
+                      <a:endParaRPr lang="en-US" sz="1200" b="0" i="0" u="none" strike="noStrike">
+                        <a:solidFill>
+                          <a:srgbClr val="000000"/>
+                        </a:solidFill>
+                        <a:effectLst/>
+                        <a:latin typeface="Calibri" panose="020F0502020204030204" pitchFamily="34" charset="0"/>
+                      </a:endParaRPr>
+                    </a:p>
+                  </a:txBody>
+                  <a:tcPr marL="9525" marR="9525" marT="9525" marB="0" anchor="b">
+                    <a:lnL w="3175" cap="flat" cmpd="sng" algn="ctr">
+                      <a:solidFill>
+                        <a:schemeClr val="bg1">
+                          <a:lumMod val="50000"/>
+                        </a:schemeClr>
+                      </a:solidFill>
+                      <a:prstDash val="solid"/>
+                      <a:round/>
+                      <a:headEnd type="none" w="med" len="med"/>
+                      <a:tailEnd type="none" w="med" len="med"/>
+                    </a:lnL>
+                    <a:lnR w="3175" cap="flat" cmpd="sng" algn="ctr">
+                      <a:solidFill>
+                        <a:schemeClr val="bg1">
+                          <a:lumMod val="50000"/>
+                        </a:schemeClr>
+                      </a:solidFill>
+                      <a:prstDash val="solid"/>
+                      <a:round/>
+                      <a:headEnd type="none" w="med" len="med"/>
+                      <a:tailEnd type="none" w="med" len="med"/>
+                    </a:lnR>
+                    <a:lnT w="3175" cap="flat" cmpd="sng" algn="ctr">
+                      <a:solidFill>
+                        <a:schemeClr val="bg1">
+                          <a:lumMod val="50000"/>
+                        </a:schemeClr>
+                      </a:solidFill>
+                      <a:prstDash val="solid"/>
+                      <a:round/>
+                      <a:headEnd type="none" w="med" len="med"/>
+                      <a:tailEnd type="none" w="med" len="med"/>
+                    </a:lnT>
+                    <a:lnB w="3175" cap="flat" cmpd="sng" algn="ctr">
+                      <a:solidFill>
+                        <a:schemeClr val="bg1">
+                          <a:lumMod val="50000"/>
+                        </a:schemeClr>
+                      </a:solidFill>
+                      <a:prstDash val="solid"/>
+                      <a:round/>
+                      <a:headEnd type="none" w="med" len="med"/>
+                      <a:tailEnd type="none" w="med" len="med"/>
+                    </a:lnB>
+                    <a:lnTlToBr w="12700" cmpd="sng">
+                      <a:noFill/>
+                      <a:prstDash val="solid"/>
+                    </a:lnTlToBr>
+                    <a:lnBlToTr w="12700" cmpd="sng">
+                      <a:noFill/>
+                      <a:prstDash val="solid"/>
+                    </a:lnBlToTr>
+                    <a:noFill/>
+                  </a:tcPr>
+                </a:tc>
+                <a:tc>
+                  <a:txBody>
+                    <a:bodyPr/>
+                    <a:lstStyle/>
+                    <a:p>
+                      <a:pPr algn="r" fontAlgn="b"/>
+                      <a:r>
+                        <a:rPr lang="en-US" sz="1200" u="none" strike="noStrike">
+                          <a:effectLst/>
+                        </a:rPr>
+                        <a:t>50.83212</a:t>
+                      </a:r>
+                      <a:endParaRPr lang="en-US" sz="1200" b="0" i="0" u="none" strike="noStrike">
+                        <a:solidFill>
+                          <a:srgbClr val="000000"/>
+                        </a:solidFill>
+                        <a:effectLst/>
+                        <a:latin typeface="Calibri" panose="020F0502020204030204" pitchFamily="34" charset="0"/>
+                      </a:endParaRPr>
+                    </a:p>
+                  </a:txBody>
+                  <a:tcPr marL="9525" marR="9525" marT="9525" marB="0" anchor="b">
+                    <a:lnL w="3175" cap="flat" cmpd="sng" algn="ctr">
+                      <a:solidFill>
+                        <a:schemeClr val="bg1">
+                          <a:lumMod val="50000"/>
+                        </a:schemeClr>
+                      </a:solidFill>
+                      <a:prstDash val="solid"/>
+                      <a:round/>
+                      <a:headEnd type="none" w="med" len="med"/>
+                      <a:tailEnd type="none" w="med" len="med"/>
+                    </a:lnL>
+                    <a:lnR w="3175" cap="flat" cmpd="sng" algn="ctr">
+                      <a:solidFill>
+                        <a:schemeClr val="bg1">
+                          <a:lumMod val="50000"/>
+                        </a:schemeClr>
+                      </a:solidFill>
+                      <a:prstDash val="solid"/>
+                      <a:round/>
+                      <a:headEnd type="none" w="med" len="med"/>
+                      <a:tailEnd type="none" w="med" len="med"/>
+                    </a:lnR>
+                    <a:lnT w="3175" cap="flat" cmpd="sng" algn="ctr">
+                      <a:solidFill>
+                        <a:schemeClr val="bg1">
+                          <a:lumMod val="50000"/>
+                        </a:schemeClr>
+                      </a:solidFill>
+                      <a:prstDash val="solid"/>
+                      <a:round/>
+                      <a:headEnd type="none" w="med" len="med"/>
+                      <a:tailEnd type="none" w="med" len="med"/>
+                    </a:lnT>
+                    <a:lnB w="3175" cap="flat" cmpd="sng" algn="ctr">
+                      <a:solidFill>
+                        <a:schemeClr val="bg1">
+                          <a:lumMod val="50000"/>
+                        </a:schemeClr>
+                      </a:solidFill>
+                      <a:prstDash val="solid"/>
+                      <a:round/>
+                      <a:headEnd type="none" w="med" len="med"/>
+                      <a:tailEnd type="none" w="med" len="med"/>
+                    </a:lnB>
+                    <a:lnTlToBr w="12700" cmpd="sng">
+                      <a:noFill/>
+                      <a:prstDash val="solid"/>
+                    </a:lnTlToBr>
+                    <a:lnBlToTr w="12700" cmpd="sng">
+                      <a:noFill/>
+                      <a:prstDash val="solid"/>
+                    </a:lnBlToTr>
+                    <a:noFill/>
+                  </a:tcPr>
+                </a:tc>
+              </a:tr>
+              <a:tr h="190500">
+                <a:tc>
+                  <a:txBody>
+                    <a:bodyPr/>
+                    <a:lstStyle/>
+                    <a:p>
+                      <a:pPr algn="r" fontAlgn="b"/>
+                      <a:r>
+                        <a:rPr lang="en-US" sz="1200" u="none" strike="noStrike">
+                          <a:effectLst/>
+                        </a:rPr>
+                        <a:t>-10.9294</a:t>
+                      </a:r>
+                      <a:endParaRPr lang="en-US" sz="1200" b="0" i="0" u="none" strike="noStrike">
+                        <a:solidFill>
+                          <a:srgbClr val="000000"/>
+                        </a:solidFill>
+                        <a:effectLst/>
+                        <a:latin typeface="Calibri" panose="020F0502020204030204" pitchFamily="34" charset="0"/>
+                      </a:endParaRPr>
+                    </a:p>
+                  </a:txBody>
+                  <a:tcPr marL="9525" marR="9525" marT="9525" marB="0" anchor="b">
+                    <a:lnL w="3175" cap="flat" cmpd="sng" algn="ctr">
+                      <a:solidFill>
+                        <a:schemeClr val="bg1">
+                          <a:lumMod val="50000"/>
+                        </a:schemeClr>
+                      </a:solidFill>
+                      <a:prstDash val="solid"/>
+                      <a:round/>
+                      <a:headEnd type="none" w="med" len="med"/>
+                      <a:tailEnd type="none" w="med" len="med"/>
+                    </a:lnL>
+                    <a:lnR w="3175" cap="flat" cmpd="sng" algn="ctr">
+                      <a:solidFill>
+                        <a:schemeClr val="bg1">
+                          <a:lumMod val="50000"/>
+                        </a:schemeClr>
+                      </a:solidFill>
+                      <a:prstDash val="solid"/>
+                      <a:round/>
+                      <a:headEnd type="none" w="med" len="med"/>
+                      <a:tailEnd type="none" w="med" len="med"/>
+                    </a:lnR>
+                    <a:lnT w="3175" cap="flat" cmpd="sng" algn="ctr">
+                      <a:solidFill>
+                        <a:schemeClr val="bg1">
+                          <a:lumMod val="50000"/>
+                        </a:schemeClr>
+                      </a:solidFill>
+                      <a:prstDash val="solid"/>
+                      <a:round/>
+                      <a:headEnd type="none" w="med" len="med"/>
+                      <a:tailEnd type="none" w="med" len="med"/>
+                    </a:lnT>
+                    <a:lnB w="3175" cap="flat" cmpd="sng" algn="ctr">
+                      <a:solidFill>
+                        <a:schemeClr val="bg1">
+                          <a:lumMod val="50000"/>
+                        </a:schemeClr>
+                      </a:solidFill>
+                      <a:prstDash val="solid"/>
+                      <a:round/>
+                      <a:headEnd type="none" w="med" len="med"/>
+                      <a:tailEnd type="none" w="med" len="med"/>
+                    </a:lnB>
+                    <a:lnTlToBr w="12700" cmpd="sng">
+                      <a:noFill/>
+                      <a:prstDash val="solid"/>
+                    </a:lnTlToBr>
+                    <a:lnBlToTr w="12700" cmpd="sng">
+                      <a:noFill/>
+                      <a:prstDash val="solid"/>
+                    </a:lnBlToTr>
+                    <a:noFill/>
+                  </a:tcPr>
+                </a:tc>
+                <a:tc>
+                  <a:txBody>
+                    <a:bodyPr/>
+                    <a:lstStyle/>
+                    <a:p>
+                      <a:pPr algn="r" fontAlgn="b"/>
+                      <a:r>
+                        <a:rPr lang="en-US" sz="1200" u="none" strike="noStrike">
+                          <a:effectLst/>
+                        </a:rPr>
+                        <a:t>-30.8796</a:t>
+                      </a:r>
+                      <a:endParaRPr lang="en-US" sz="1200" b="0" i="0" u="none" strike="noStrike">
+                        <a:solidFill>
+                          <a:srgbClr val="000000"/>
+                        </a:solidFill>
+                        <a:effectLst/>
+                        <a:latin typeface="Calibri" panose="020F0502020204030204" pitchFamily="34" charset="0"/>
+                      </a:endParaRPr>
+                    </a:p>
+                  </a:txBody>
+                  <a:tcPr marL="9525" marR="9525" marT="9525" marB="0" anchor="b">
+                    <a:lnL w="3175" cap="flat" cmpd="sng" algn="ctr">
+                      <a:solidFill>
+                        <a:schemeClr val="bg1">
+                          <a:lumMod val="50000"/>
+                        </a:schemeClr>
+                      </a:solidFill>
+                      <a:prstDash val="solid"/>
+                      <a:round/>
+                      <a:headEnd type="none" w="med" len="med"/>
+                      <a:tailEnd type="none" w="med" len="med"/>
+                    </a:lnL>
+                    <a:lnR w="3175" cap="flat" cmpd="sng" algn="ctr">
+                      <a:solidFill>
+                        <a:schemeClr val="bg1">
+                          <a:lumMod val="50000"/>
+                        </a:schemeClr>
+                      </a:solidFill>
+                      <a:prstDash val="solid"/>
+                      <a:round/>
+                      <a:headEnd type="none" w="med" len="med"/>
+                      <a:tailEnd type="none" w="med" len="med"/>
+                    </a:lnR>
+                    <a:lnT w="3175" cap="flat" cmpd="sng" algn="ctr">
+                      <a:solidFill>
+                        <a:schemeClr val="bg1">
+                          <a:lumMod val="50000"/>
+                        </a:schemeClr>
+                      </a:solidFill>
+                      <a:prstDash val="solid"/>
+                      <a:round/>
+                      <a:headEnd type="none" w="med" len="med"/>
+                      <a:tailEnd type="none" w="med" len="med"/>
+                    </a:lnT>
+                    <a:lnB w="3175" cap="flat" cmpd="sng" algn="ctr">
+                      <a:solidFill>
+                        <a:schemeClr val="bg1">
+                          <a:lumMod val="50000"/>
+                        </a:schemeClr>
+                      </a:solidFill>
+                      <a:prstDash val="solid"/>
+                      <a:round/>
+                      <a:headEnd type="none" w="med" len="med"/>
+                      <a:tailEnd type="none" w="med" len="med"/>
+                    </a:lnB>
+                    <a:lnTlToBr w="12700" cmpd="sng">
+                      <a:noFill/>
+                      <a:prstDash val="solid"/>
+                    </a:lnTlToBr>
+                    <a:lnBlToTr w="12700" cmpd="sng">
+                      <a:noFill/>
+                      <a:prstDash val="solid"/>
+                    </a:lnBlToTr>
+                    <a:noFill/>
+                  </a:tcPr>
+                </a:tc>
+              </a:tr>
+              <a:tr h="190500">
+                <a:tc>
+                  <a:txBody>
+                    <a:bodyPr/>
+                    <a:lstStyle/>
+                    <a:p>
+                      <a:pPr algn="r" fontAlgn="b"/>
+                      <a:r>
+                        <a:rPr lang="en-US" sz="1200" u="none" strike="noStrike">
+                          <a:effectLst/>
+                        </a:rPr>
+                        <a:t>-19.5857</a:t>
+                      </a:r>
+                      <a:endParaRPr lang="en-US" sz="1200" b="0" i="0" u="none" strike="noStrike">
+                        <a:solidFill>
+                          <a:srgbClr val="000000"/>
+                        </a:solidFill>
+                        <a:effectLst/>
+                        <a:latin typeface="Calibri" panose="020F0502020204030204" pitchFamily="34" charset="0"/>
+                      </a:endParaRPr>
+                    </a:p>
+                  </a:txBody>
+                  <a:tcPr marL="9525" marR="9525" marT="9525" marB="0" anchor="b">
+                    <a:lnL w="3175" cap="flat" cmpd="sng" algn="ctr">
+                      <a:solidFill>
+                        <a:schemeClr val="bg1">
+                          <a:lumMod val="50000"/>
+                        </a:schemeClr>
+                      </a:solidFill>
+                      <a:prstDash val="solid"/>
+                      <a:round/>
+                      <a:headEnd type="none" w="med" len="med"/>
+                      <a:tailEnd type="none" w="med" len="med"/>
+                    </a:lnL>
+                    <a:lnR w="3175" cap="flat" cmpd="sng" algn="ctr">
+                      <a:solidFill>
+                        <a:schemeClr val="bg1">
+                          <a:lumMod val="50000"/>
+                        </a:schemeClr>
+                      </a:solidFill>
+                      <a:prstDash val="solid"/>
+                      <a:round/>
+                      <a:headEnd type="none" w="med" len="med"/>
+                      <a:tailEnd type="none" w="med" len="med"/>
+                    </a:lnR>
+                    <a:lnT w="3175" cap="flat" cmpd="sng" algn="ctr">
+                      <a:solidFill>
+                        <a:schemeClr val="bg1">
+                          <a:lumMod val="50000"/>
+                        </a:schemeClr>
+                      </a:solidFill>
+                      <a:prstDash val="solid"/>
+                      <a:round/>
+                      <a:headEnd type="none" w="med" len="med"/>
+                      <a:tailEnd type="none" w="med" len="med"/>
+                    </a:lnT>
+                    <a:lnB w="3175" cap="flat" cmpd="sng" algn="ctr">
+                      <a:solidFill>
+                        <a:schemeClr val="bg1">
+                          <a:lumMod val="50000"/>
+                        </a:schemeClr>
+                      </a:solidFill>
+                      <a:prstDash val="solid"/>
+                      <a:round/>
+                      <a:headEnd type="none" w="med" len="med"/>
+                      <a:tailEnd type="none" w="med" len="med"/>
+                    </a:lnB>
+                    <a:lnTlToBr w="12700" cmpd="sng">
+                      <a:noFill/>
+                      <a:prstDash val="solid"/>
+                    </a:lnTlToBr>
+                    <a:lnBlToTr w="12700" cmpd="sng">
+                      <a:noFill/>
+                      <a:prstDash val="solid"/>
+                    </a:lnBlToTr>
+                    <a:noFill/>
+                  </a:tcPr>
+                </a:tc>
+                <a:tc>
+                  <a:txBody>
+                    <a:bodyPr/>
+                    <a:lstStyle/>
+                    <a:p>
+                      <a:pPr algn="r" fontAlgn="b"/>
+                      <a:r>
+                        <a:rPr lang="en-US" sz="1200" u="none" strike="noStrike">
+                          <a:effectLst/>
+                        </a:rPr>
+                        <a:t>-60.713</a:t>
+                      </a:r>
+                      <a:endParaRPr lang="en-US" sz="1200" b="0" i="0" u="none" strike="noStrike">
+                        <a:solidFill>
+                          <a:srgbClr val="000000"/>
+                        </a:solidFill>
+                        <a:effectLst/>
+                        <a:latin typeface="Calibri" panose="020F0502020204030204" pitchFamily="34" charset="0"/>
+                      </a:endParaRPr>
+                    </a:p>
+                  </a:txBody>
+                  <a:tcPr marL="9525" marR="9525" marT="9525" marB="0" anchor="b">
+                    <a:lnL w="3175" cap="flat" cmpd="sng" algn="ctr">
+                      <a:solidFill>
+                        <a:schemeClr val="bg1">
+                          <a:lumMod val="50000"/>
+                        </a:schemeClr>
+                      </a:solidFill>
+                      <a:prstDash val="solid"/>
+                      <a:round/>
+                      <a:headEnd type="none" w="med" len="med"/>
+                      <a:tailEnd type="none" w="med" len="med"/>
+                    </a:lnL>
+                    <a:lnR w="3175" cap="flat" cmpd="sng" algn="ctr">
+                      <a:solidFill>
+                        <a:schemeClr val="bg1">
+                          <a:lumMod val="50000"/>
+                        </a:schemeClr>
+                      </a:solidFill>
+                      <a:prstDash val="solid"/>
+                      <a:round/>
+                      <a:headEnd type="none" w="med" len="med"/>
+                      <a:tailEnd type="none" w="med" len="med"/>
+                    </a:lnR>
+                    <a:lnT w="3175" cap="flat" cmpd="sng" algn="ctr">
+                      <a:solidFill>
+                        <a:schemeClr val="bg1">
+                          <a:lumMod val="50000"/>
+                        </a:schemeClr>
+                      </a:solidFill>
+                      <a:prstDash val="solid"/>
+                      <a:round/>
+                      <a:headEnd type="none" w="med" len="med"/>
+                      <a:tailEnd type="none" w="med" len="med"/>
+                    </a:lnT>
+                    <a:lnB w="3175" cap="flat" cmpd="sng" algn="ctr">
+                      <a:solidFill>
+                        <a:schemeClr val="bg1">
+                          <a:lumMod val="50000"/>
+                        </a:schemeClr>
+                      </a:solidFill>
+                      <a:prstDash val="solid"/>
+                      <a:round/>
+                      <a:headEnd type="none" w="med" len="med"/>
+                      <a:tailEnd type="none" w="med" len="med"/>
+                    </a:lnB>
+                    <a:lnTlToBr w="12700" cmpd="sng">
+                      <a:noFill/>
+                      <a:prstDash val="solid"/>
+                    </a:lnTlToBr>
+                    <a:lnBlToTr w="12700" cmpd="sng">
+                      <a:noFill/>
+                      <a:prstDash val="solid"/>
+                    </a:lnBlToTr>
+                    <a:noFill/>
+                  </a:tcPr>
+                </a:tc>
+              </a:tr>
+              <a:tr h="190500">
+                <a:tc>
+                  <a:txBody>
+                    <a:bodyPr/>
+                    <a:lstStyle/>
+                    <a:p>
+                      <a:pPr algn="r" fontAlgn="b"/>
+                      <a:r>
+                        <a:rPr lang="en-US" sz="1200" u="none" strike="noStrike">
+                          <a:effectLst/>
+                        </a:rPr>
+                        <a:t>-6.93697</a:t>
+                      </a:r>
+                      <a:endParaRPr lang="en-US" sz="1200" b="0" i="0" u="none" strike="noStrike">
+                        <a:solidFill>
+                          <a:srgbClr val="000000"/>
+                        </a:solidFill>
+                        <a:effectLst/>
+                        <a:latin typeface="Calibri" panose="020F0502020204030204" pitchFamily="34" charset="0"/>
+                      </a:endParaRPr>
+                    </a:p>
+                  </a:txBody>
+                  <a:tcPr marL="9525" marR="9525" marT="9525" marB="0" anchor="b">
+                    <a:lnL w="3175" cap="flat" cmpd="sng" algn="ctr">
+                      <a:solidFill>
+                        <a:schemeClr val="bg1">
+                          <a:lumMod val="50000"/>
+                        </a:schemeClr>
+                      </a:solidFill>
+                      <a:prstDash val="solid"/>
+                      <a:round/>
+                      <a:headEnd type="none" w="med" len="med"/>
+                      <a:tailEnd type="none" w="med" len="med"/>
+                    </a:lnL>
+                    <a:lnR w="3175" cap="flat" cmpd="sng" algn="ctr">
+                      <a:solidFill>
+                        <a:schemeClr val="bg1">
+                          <a:lumMod val="50000"/>
+                        </a:schemeClr>
+                      </a:solidFill>
+                      <a:prstDash val="solid"/>
+                      <a:round/>
+                      <a:headEnd type="none" w="med" len="med"/>
+                      <a:tailEnd type="none" w="med" len="med"/>
+                    </a:lnR>
+                    <a:lnT w="3175" cap="flat" cmpd="sng" algn="ctr">
+                      <a:solidFill>
+                        <a:schemeClr val="bg1">
+                          <a:lumMod val="50000"/>
+                        </a:schemeClr>
+                      </a:solidFill>
+                      <a:prstDash val="solid"/>
+                      <a:round/>
+                      <a:headEnd type="none" w="med" len="med"/>
+                      <a:tailEnd type="none" w="med" len="med"/>
+                    </a:lnT>
+                    <a:lnB w="3175" cap="flat" cmpd="sng" algn="ctr">
+                      <a:solidFill>
+                        <a:schemeClr val="bg1">
+                          <a:lumMod val="50000"/>
+                        </a:schemeClr>
+                      </a:solidFill>
+                      <a:prstDash val="solid"/>
+                      <a:round/>
+                      <a:headEnd type="none" w="med" len="med"/>
+                      <a:tailEnd type="none" w="med" len="med"/>
+                    </a:lnB>
+                    <a:lnTlToBr w="12700" cmpd="sng">
+                      <a:noFill/>
+                      <a:prstDash val="solid"/>
+                    </a:lnTlToBr>
+                    <a:lnBlToTr w="12700" cmpd="sng">
+                      <a:noFill/>
+                      <a:prstDash val="solid"/>
+                    </a:lnBlToTr>
+                    <a:noFill/>
+                  </a:tcPr>
+                </a:tc>
+                <a:tc>
+                  <a:txBody>
+                    <a:bodyPr/>
+                    <a:lstStyle/>
+                    <a:p>
+                      <a:pPr algn="r" fontAlgn="b"/>
+                      <a:r>
+                        <a:rPr lang="en-US" sz="1200" u="none" strike="noStrike">
+                          <a:effectLst/>
+                        </a:rPr>
+                        <a:t>-32.6769</a:t>
+                      </a:r>
+                      <a:endParaRPr lang="en-US" sz="1200" b="0" i="0" u="none" strike="noStrike">
+                        <a:solidFill>
+                          <a:srgbClr val="000000"/>
+                        </a:solidFill>
+                        <a:effectLst/>
+                        <a:latin typeface="Calibri" panose="020F0502020204030204" pitchFamily="34" charset="0"/>
+                      </a:endParaRPr>
+                    </a:p>
+                  </a:txBody>
+                  <a:tcPr marL="9525" marR="9525" marT="9525" marB="0" anchor="b">
+                    <a:lnL w="3175" cap="flat" cmpd="sng" algn="ctr">
+                      <a:solidFill>
+                        <a:schemeClr val="bg1">
+                          <a:lumMod val="50000"/>
+                        </a:schemeClr>
+                      </a:solidFill>
+                      <a:prstDash val="solid"/>
+                      <a:round/>
+                      <a:headEnd type="none" w="med" len="med"/>
+                      <a:tailEnd type="none" w="med" len="med"/>
+                    </a:lnL>
+                    <a:lnR w="3175" cap="flat" cmpd="sng" algn="ctr">
+                      <a:solidFill>
+                        <a:schemeClr val="bg1">
+                          <a:lumMod val="50000"/>
+                        </a:schemeClr>
+                      </a:solidFill>
+                      <a:prstDash val="solid"/>
+                      <a:round/>
+                      <a:headEnd type="none" w="med" len="med"/>
+                      <a:tailEnd type="none" w="med" len="med"/>
+                    </a:lnR>
+                    <a:lnT w="3175" cap="flat" cmpd="sng" algn="ctr">
+                      <a:solidFill>
+                        <a:schemeClr val="bg1">
+                          <a:lumMod val="50000"/>
+                        </a:schemeClr>
+                      </a:solidFill>
+                      <a:prstDash val="solid"/>
+                      <a:round/>
+                      <a:headEnd type="none" w="med" len="med"/>
+                      <a:tailEnd type="none" w="med" len="med"/>
+                    </a:lnT>
+                    <a:lnB w="3175" cap="flat" cmpd="sng" algn="ctr">
+                      <a:solidFill>
+                        <a:schemeClr val="bg1">
+                          <a:lumMod val="50000"/>
+                        </a:schemeClr>
+                      </a:solidFill>
+                      <a:prstDash val="solid"/>
+                      <a:round/>
+                      <a:headEnd type="none" w="med" len="med"/>
+                      <a:tailEnd type="none" w="med" len="med"/>
+                    </a:lnB>
+                    <a:lnTlToBr w="12700" cmpd="sng">
+                      <a:noFill/>
+                      <a:prstDash val="solid"/>
+                    </a:lnTlToBr>
+                    <a:lnBlToTr w="12700" cmpd="sng">
+                      <a:noFill/>
+                      <a:prstDash val="solid"/>
+                    </a:lnBlToTr>
+                    <a:noFill/>
+                  </a:tcPr>
+                </a:tc>
+              </a:tr>
+              <a:tr h="190500">
+                <a:tc>
+                  <a:txBody>
+                    <a:bodyPr/>
+                    <a:lstStyle/>
+                    <a:p>
+                      <a:pPr algn="r" fontAlgn="b"/>
+                      <a:r>
+                        <a:rPr lang="en-US" sz="1200" u="none" strike="noStrike">
+                          <a:effectLst/>
+                        </a:rPr>
+                        <a:t>-1.07072</a:t>
+                      </a:r>
+                      <a:endParaRPr lang="en-US" sz="1200" b="0" i="0" u="none" strike="noStrike">
+                        <a:solidFill>
+                          <a:srgbClr val="000000"/>
+                        </a:solidFill>
+                        <a:effectLst/>
+                        <a:latin typeface="Calibri" panose="020F0502020204030204" pitchFamily="34" charset="0"/>
+                      </a:endParaRPr>
+                    </a:p>
+                  </a:txBody>
+                  <a:tcPr marL="9525" marR="9525" marT="9525" marB="0" anchor="b">
+                    <a:lnL w="3175" cap="flat" cmpd="sng" algn="ctr">
+                      <a:solidFill>
+                        <a:schemeClr val="bg1">
+                          <a:lumMod val="50000"/>
+                        </a:schemeClr>
+                      </a:solidFill>
+                      <a:prstDash val="solid"/>
+                      <a:round/>
+                      <a:headEnd type="none" w="med" len="med"/>
+                      <a:tailEnd type="none" w="med" len="med"/>
+                    </a:lnL>
+                    <a:lnR w="3175" cap="flat" cmpd="sng" algn="ctr">
+                      <a:solidFill>
+                        <a:schemeClr val="bg1">
+                          <a:lumMod val="50000"/>
+                        </a:schemeClr>
+                      </a:solidFill>
+                      <a:prstDash val="solid"/>
+                      <a:round/>
+                      <a:headEnd type="none" w="med" len="med"/>
+                      <a:tailEnd type="none" w="med" len="med"/>
+                    </a:lnR>
+                    <a:lnT w="3175" cap="flat" cmpd="sng" algn="ctr">
+                      <a:solidFill>
+                        <a:schemeClr val="bg1">
+                          <a:lumMod val="50000"/>
+                        </a:schemeClr>
+                      </a:solidFill>
+                      <a:prstDash val="solid"/>
+                      <a:round/>
+                      <a:headEnd type="none" w="med" len="med"/>
+                      <a:tailEnd type="none" w="med" len="med"/>
+                    </a:lnT>
+                    <a:lnB w="3175" cap="flat" cmpd="sng" algn="ctr">
+                      <a:solidFill>
+                        <a:schemeClr val="bg1">
+                          <a:lumMod val="50000"/>
+                        </a:schemeClr>
+                      </a:solidFill>
+                      <a:prstDash val="solid"/>
+                      <a:round/>
+                      <a:headEnd type="none" w="med" len="med"/>
+                      <a:tailEnd type="none" w="med" len="med"/>
+                    </a:lnB>
+                    <a:lnTlToBr w="12700" cmpd="sng">
+                      <a:noFill/>
+                      <a:prstDash val="solid"/>
+                    </a:lnTlToBr>
+                    <a:lnBlToTr w="12700" cmpd="sng">
+                      <a:noFill/>
+                      <a:prstDash val="solid"/>
+                    </a:lnBlToTr>
+                    <a:noFill/>
+                  </a:tcPr>
+                </a:tc>
+                <a:tc>
+                  <a:txBody>
+                    <a:bodyPr/>
+                    <a:lstStyle/>
+                    <a:p>
+                      <a:pPr algn="r" fontAlgn="b"/>
+                      <a:r>
+                        <a:rPr lang="en-US" sz="1200" u="none" strike="noStrike">
+                          <a:effectLst/>
+                        </a:rPr>
+                        <a:t>-3.18677</a:t>
+                      </a:r>
+                      <a:endParaRPr lang="en-US" sz="1200" b="0" i="0" u="none" strike="noStrike">
+                        <a:solidFill>
+                          <a:srgbClr val="000000"/>
+                        </a:solidFill>
+                        <a:effectLst/>
+                        <a:latin typeface="Calibri" panose="020F0502020204030204" pitchFamily="34" charset="0"/>
+                      </a:endParaRPr>
+                    </a:p>
+                  </a:txBody>
+                  <a:tcPr marL="9525" marR="9525" marT="9525" marB="0" anchor="b">
+                    <a:lnL w="3175" cap="flat" cmpd="sng" algn="ctr">
+                      <a:solidFill>
+                        <a:schemeClr val="bg1">
+                          <a:lumMod val="50000"/>
+                        </a:schemeClr>
+                      </a:solidFill>
+                      <a:prstDash val="solid"/>
+                      <a:round/>
+                      <a:headEnd type="none" w="med" len="med"/>
+                      <a:tailEnd type="none" w="med" len="med"/>
+                    </a:lnL>
+                    <a:lnR w="3175" cap="flat" cmpd="sng" algn="ctr">
+                      <a:solidFill>
+                        <a:schemeClr val="bg1">
+                          <a:lumMod val="50000"/>
+                        </a:schemeClr>
+                      </a:solidFill>
+                      <a:prstDash val="solid"/>
+                      <a:round/>
+                      <a:headEnd type="none" w="med" len="med"/>
+                      <a:tailEnd type="none" w="med" len="med"/>
+                    </a:lnR>
+                    <a:lnT w="3175" cap="flat" cmpd="sng" algn="ctr">
+                      <a:solidFill>
+                        <a:schemeClr val="bg1">
+                          <a:lumMod val="50000"/>
+                        </a:schemeClr>
+                      </a:solidFill>
+                      <a:prstDash val="solid"/>
+                      <a:round/>
+                      <a:headEnd type="none" w="med" len="med"/>
+                      <a:tailEnd type="none" w="med" len="med"/>
+                    </a:lnT>
+                    <a:lnB w="3175" cap="flat" cmpd="sng" algn="ctr">
+                      <a:solidFill>
+                        <a:schemeClr val="bg1">
+                          <a:lumMod val="50000"/>
+                        </a:schemeClr>
+                      </a:solidFill>
+                      <a:prstDash val="solid"/>
+                      <a:round/>
+                      <a:headEnd type="none" w="med" len="med"/>
+                      <a:tailEnd type="none" w="med" len="med"/>
+                    </a:lnB>
+                    <a:lnTlToBr w="12700" cmpd="sng">
+                      <a:noFill/>
+                      <a:prstDash val="solid"/>
+                    </a:lnTlToBr>
+                    <a:lnBlToTr w="12700" cmpd="sng">
+                      <a:noFill/>
+                      <a:prstDash val="solid"/>
+                    </a:lnBlToTr>
+                    <a:noFill/>
+                  </a:tcPr>
+                </a:tc>
+              </a:tr>
+              <a:tr h="190500">
+                <a:tc>
+                  <a:txBody>
+                    <a:bodyPr/>
+                    <a:lstStyle/>
+                    <a:p>
+                      <a:pPr algn="r" fontAlgn="b"/>
+                      <a:r>
+                        <a:rPr lang="en-US" sz="1200" u="none" strike="noStrike">
+                          <a:effectLst/>
+                        </a:rPr>
+                        <a:t>7.796119</a:t>
+                      </a:r>
+                      <a:endParaRPr lang="en-US" sz="1200" b="0" i="0" u="none" strike="noStrike">
+                        <a:solidFill>
+                          <a:srgbClr val="000000"/>
+                        </a:solidFill>
+                        <a:effectLst/>
+                        <a:latin typeface="Calibri" panose="020F0502020204030204" pitchFamily="34" charset="0"/>
+                      </a:endParaRPr>
+                    </a:p>
+                  </a:txBody>
+                  <a:tcPr marL="9525" marR="9525" marT="9525" marB="0" anchor="b">
+                    <a:lnL w="3175" cap="flat" cmpd="sng" algn="ctr">
+                      <a:solidFill>
+                        <a:schemeClr val="bg1">
+                          <a:lumMod val="50000"/>
+                        </a:schemeClr>
+                      </a:solidFill>
+                      <a:prstDash val="solid"/>
+                      <a:round/>
+                      <a:headEnd type="none" w="med" len="med"/>
+                      <a:tailEnd type="none" w="med" len="med"/>
+                    </a:lnL>
+                    <a:lnR w="3175" cap="flat" cmpd="sng" algn="ctr">
+                      <a:solidFill>
+                        <a:schemeClr val="bg1">
+                          <a:lumMod val="50000"/>
+                        </a:schemeClr>
+                      </a:solidFill>
+                      <a:prstDash val="solid"/>
+                      <a:round/>
+                      <a:headEnd type="none" w="med" len="med"/>
+                      <a:tailEnd type="none" w="med" len="med"/>
+                    </a:lnR>
+                    <a:lnT w="3175" cap="flat" cmpd="sng" algn="ctr">
+                      <a:solidFill>
+                        <a:schemeClr val="bg1">
+                          <a:lumMod val="50000"/>
+                        </a:schemeClr>
+                      </a:solidFill>
+                      <a:prstDash val="solid"/>
+                      <a:round/>
+                      <a:headEnd type="none" w="med" len="med"/>
+                      <a:tailEnd type="none" w="med" len="med"/>
+                    </a:lnT>
+                    <a:lnB w="3175" cap="flat" cmpd="sng" algn="ctr">
+                      <a:solidFill>
+                        <a:schemeClr val="bg1">
+                          <a:lumMod val="50000"/>
+                        </a:schemeClr>
+                      </a:solidFill>
+                      <a:prstDash val="solid"/>
+                      <a:round/>
+                      <a:headEnd type="none" w="med" len="med"/>
+                      <a:tailEnd type="none" w="med" len="med"/>
+                    </a:lnB>
+                    <a:lnTlToBr w="12700" cmpd="sng">
+                      <a:noFill/>
+                      <a:prstDash val="solid"/>
+                    </a:lnTlToBr>
+                    <a:lnBlToTr w="12700" cmpd="sng">
+                      <a:noFill/>
+                      <a:prstDash val="solid"/>
+                    </a:lnBlToTr>
+                    <a:noFill/>
+                  </a:tcPr>
+                </a:tc>
+                <a:tc>
+                  <a:txBody>
+                    <a:bodyPr/>
+                    <a:lstStyle/>
+                    <a:p>
+                      <a:pPr algn="r" fontAlgn="b"/>
+                      <a:r>
+                        <a:rPr lang="en-US" sz="1200" u="none" strike="noStrike">
+                          <a:effectLst/>
+                        </a:rPr>
+                        <a:t>16.73295</a:t>
+                      </a:r>
+                      <a:endParaRPr lang="en-US" sz="1200" b="0" i="0" u="none" strike="noStrike">
+                        <a:solidFill>
+                          <a:srgbClr val="000000"/>
+                        </a:solidFill>
+                        <a:effectLst/>
+                        <a:latin typeface="Calibri" panose="020F0502020204030204" pitchFamily="34" charset="0"/>
+                      </a:endParaRPr>
+                    </a:p>
+                  </a:txBody>
+                  <a:tcPr marL="9525" marR="9525" marT="9525" marB="0" anchor="b">
+                    <a:lnL w="3175" cap="flat" cmpd="sng" algn="ctr">
+                      <a:solidFill>
+                        <a:schemeClr val="bg1">
+                          <a:lumMod val="50000"/>
+                        </a:schemeClr>
+                      </a:solidFill>
+                      <a:prstDash val="solid"/>
+                      <a:round/>
+                      <a:headEnd type="none" w="med" len="med"/>
+                      <a:tailEnd type="none" w="med" len="med"/>
+                    </a:lnL>
+                    <a:lnR w="3175" cap="flat" cmpd="sng" algn="ctr">
+                      <a:solidFill>
+                        <a:schemeClr val="bg1">
+                          <a:lumMod val="50000"/>
+                        </a:schemeClr>
+                      </a:solidFill>
+                      <a:prstDash val="solid"/>
+                      <a:round/>
+                      <a:headEnd type="none" w="med" len="med"/>
+                      <a:tailEnd type="none" w="med" len="med"/>
+                    </a:lnR>
+                    <a:lnT w="3175" cap="flat" cmpd="sng" algn="ctr">
+                      <a:solidFill>
+                        <a:schemeClr val="bg1">
+                          <a:lumMod val="50000"/>
+                        </a:schemeClr>
+                      </a:solidFill>
+                      <a:prstDash val="solid"/>
+                      <a:round/>
+                      <a:headEnd type="none" w="med" len="med"/>
+                      <a:tailEnd type="none" w="med" len="med"/>
+                    </a:lnT>
+                    <a:lnB w="3175" cap="flat" cmpd="sng" algn="ctr">
+                      <a:solidFill>
+                        <a:schemeClr val="bg1">
+                          <a:lumMod val="50000"/>
+                        </a:schemeClr>
+                      </a:solidFill>
+                      <a:prstDash val="solid"/>
+                      <a:round/>
+                      <a:headEnd type="none" w="med" len="med"/>
+                      <a:tailEnd type="none" w="med" len="med"/>
+                    </a:lnB>
+                    <a:lnTlToBr w="12700" cmpd="sng">
+                      <a:noFill/>
+                      <a:prstDash val="solid"/>
+                    </a:lnTlToBr>
+                    <a:lnBlToTr w="12700" cmpd="sng">
+                      <a:noFill/>
+                      <a:prstDash val="solid"/>
+                    </a:lnBlToTr>
+                    <a:noFill/>
+                  </a:tcPr>
+                </a:tc>
+              </a:tr>
+              <a:tr h="190500">
+                <a:tc>
+                  <a:txBody>
+                    <a:bodyPr/>
+                    <a:lstStyle/>
+                    <a:p>
+                      <a:pPr algn="r" fontAlgn="b"/>
+                      <a:r>
+                        <a:rPr lang="en-US" sz="1200" u="none" strike="noStrike">
+                          <a:effectLst/>
+                        </a:rPr>
+                        <a:t>-11.9286</a:t>
+                      </a:r>
+                      <a:endParaRPr lang="en-US" sz="1200" b="0" i="0" u="none" strike="noStrike">
+                        <a:solidFill>
+                          <a:srgbClr val="000000"/>
+                        </a:solidFill>
+                        <a:effectLst/>
+                        <a:latin typeface="Calibri" panose="020F0502020204030204" pitchFamily="34" charset="0"/>
+                      </a:endParaRPr>
+                    </a:p>
+                  </a:txBody>
+                  <a:tcPr marL="9525" marR="9525" marT="9525" marB="0" anchor="b">
+                    <a:lnL w="3175" cap="flat" cmpd="sng" algn="ctr">
+                      <a:solidFill>
+                        <a:schemeClr val="bg1">
+                          <a:lumMod val="50000"/>
+                        </a:schemeClr>
+                      </a:solidFill>
+                      <a:prstDash val="solid"/>
+                      <a:round/>
+                      <a:headEnd type="none" w="med" len="med"/>
+                      <a:tailEnd type="none" w="med" len="med"/>
+                    </a:lnL>
+                    <a:lnR w="3175" cap="flat" cmpd="sng" algn="ctr">
+                      <a:solidFill>
+                        <a:schemeClr val="bg1">
+                          <a:lumMod val="50000"/>
+                        </a:schemeClr>
+                      </a:solidFill>
+                      <a:prstDash val="solid"/>
+                      <a:round/>
+                      <a:headEnd type="none" w="med" len="med"/>
+                      <a:tailEnd type="none" w="med" len="med"/>
+                    </a:lnR>
+                    <a:lnT w="3175" cap="flat" cmpd="sng" algn="ctr">
+                      <a:solidFill>
+                        <a:schemeClr val="bg1">
+                          <a:lumMod val="50000"/>
+                        </a:schemeClr>
+                      </a:solidFill>
+                      <a:prstDash val="solid"/>
+                      <a:round/>
+                      <a:headEnd type="none" w="med" len="med"/>
+                      <a:tailEnd type="none" w="med" len="med"/>
+                    </a:lnT>
+                    <a:lnB w="3175" cap="flat" cmpd="sng" algn="ctr">
+                      <a:solidFill>
+                        <a:schemeClr val="bg1">
+                          <a:lumMod val="50000"/>
+                        </a:schemeClr>
+                      </a:solidFill>
+                      <a:prstDash val="solid"/>
+                      <a:round/>
+                      <a:headEnd type="none" w="med" len="med"/>
+                      <a:tailEnd type="none" w="med" len="med"/>
+                    </a:lnB>
+                    <a:lnTlToBr w="12700" cmpd="sng">
+                      <a:noFill/>
+                      <a:prstDash val="solid"/>
+                    </a:lnTlToBr>
+                    <a:lnBlToTr w="12700" cmpd="sng">
+                      <a:noFill/>
+                      <a:prstDash val="solid"/>
+                    </a:lnBlToTr>
+                    <a:noFill/>
+                  </a:tcPr>
+                </a:tc>
+                <a:tc>
+                  <a:txBody>
+                    <a:bodyPr/>
+                    <a:lstStyle/>
+                    <a:p>
+                      <a:pPr algn="r" fontAlgn="b"/>
+                      <a:r>
+                        <a:rPr lang="en-US" sz="1200" u="none" strike="noStrike">
+                          <a:effectLst/>
+                        </a:rPr>
+                        <a:t>-43.9226</a:t>
+                      </a:r>
+                      <a:endParaRPr lang="en-US" sz="1200" b="0" i="0" u="none" strike="noStrike">
+                        <a:solidFill>
+                          <a:srgbClr val="000000"/>
+                        </a:solidFill>
+                        <a:effectLst/>
+                        <a:latin typeface="Calibri" panose="020F0502020204030204" pitchFamily="34" charset="0"/>
+                      </a:endParaRPr>
+                    </a:p>
+                  </a:txBody>
+                  <a:tcPr marL="9525" marR="9525" marT="9525" marB="0" anchor="b">
+                    <a:lnL w="3175" cap="flat" cmpd="sng" algn="ctr">
+                      <a:solidFill>
+                        <a:schemeClr val="bg1">
+                          <a:lumMod val="50000"/>
+                        </a:schemeClr>
+                      </a:solidFill>
+                      <a:prstDash val="solid"/>
+                      <a:round/>
+                      <a:headEnd type="none" w="med" len="med"/>
+                      <a:tailEnd type="none" w="med" len="med"/>
+                    </a:lnL>
+                    <a:lnR w="3175" cap="flat" cmpd="sng" algn="ctr">
+                      <a:solidFill>
+                        <a:schemeClr val="bg1">
+                          <a:lumMod val="50000"/>
+                        </a:schemeClr>
+                      </a:solidFill>
+                      <a:prstDash val="solid"/>
+                      <a:round/>
+                      <a:headEnd type="none" w="med" len="med"/>
+                      <a:tailEnd type="none" w="med" len="med"/>
+                    </a:lnR>
+                    <a:lnT w="3175" cap="flat" cmpd="sng" algn="ctr">
+                      <a:solidFill>
+                        <a:schemeClr val="bg1">
+                          <a:lumMod val="50000"/>
+                        </a:schemeClr>
+                      </a:solidFill>
+                      <a:prstDash val="solid"/>
+                      <a:round/>
+                      <a:headEnd type="none" w="med" len="med"/>
+                      <a:tailEnd type="none" w="med" len="med"/>
+                    </a:lnT>
+                    <a:lnB w="3175" cap="flat" cmpd="sng" algn="ctr">
+                      <a:solidFill>
+                        <a:schemeClr val="bg1">
+                          <a:lumMod val="50000"/>
+                        </a:schemeClr>
+                      </a:solidFill>
+                      <a:prstDash val="solid"/>
+                      <a:round/>
+                      <a:headEnd type="none" w="med" len="med"/>
+                      <a:tailEnd type="none" w="med" len="med"/>
+                    </a:lnB>
+                    <a:lnTlToBr w="12700" cmpd="sng">
+                      <a:noFill/>
+                      <a:prstDash val="solid"/>
+                    </a:lnTlToBr>
+                    <a:lnBlToTr w="12700" cmpd="sng">
+                      <a:noFill/>
+                      <a:prstDash val="solid"/>
+                    </a:lnBlToTr>
+                    <a:noFill/>
+                  </a:tcPr>
+                </a:tc>
+              </a:tr>
+              <a:tr h="190500">
+                <a:tc>
+                  <a:txBody>
+                    <a:bodyPr/>
+                    <a:lstStyle/>
+                    <a:p>
+                      <a:pPr algn="r" fontAlgn="b"/>
+                      <a:r>
+                        <a:rPr lang="en-US" sz="1200" u="none" strike="noStrike">
+                          <a:effectLst/>
+                        </a:rPr>
+                        <a:t>13.36518</a:t>
+                      </a:r>
+                      <a:endParaRPr lang="en-US" sz="1200" b="0" i="0" u="none" strike="noStrike">
+                        <a:solidFill>
+                          <a:srgbClr val="000000"/>
+                        </a:solidFill>
+                        <a:effectLst/>
+                        <a:latin typeface="Calibri" panose="020F0502020204030204" pitchFamily="34" charset="0"/>
+                      </a:endParaRPr>
+                    </a:p>
+                  </a:txBody>
+                  <a:tcPr marL="9525" marR="9525" marT="9525" marB="0" anchor="b">
+                    <a:lnL w="3175" cap="flat" cmpd="sng" algn="ctr">
+                      <a:solidFill>
+                        <a:schemeClr val="bg1">
+                          <a:lumMod val="50000"/>
+                        </a:schemeClr>
+                      </a:solidFill>
+                      <a:prstDash val="solid"/>
+                      <a:round/>
+                      <a:headEnd type="none" w="med" len="med"/>
+                      <a:tailEnd type="none" w="med" len="med"/>
+                    </a:lnL>
+                    <a:lnR w="3175" cap="flat" cmpd="sng" algn="ctr">
+                      <a:solidFill>
+                        <a:schemeClr val="bg1">
+                          <a:lumMod val="50000"/>
+                        </a:schemeClr>
+                      </a:solidFill>
+                      <a:prstDash val="solid"/>
+                      <a:round/>
+                      <a:headEnd type="none" w="med" len="med"/>
+                      <a:tailEnd type="none" w="med" len="med"/>
+                    </a:lnR>
+                    <a:lnT w="3175" cap="flat" cmpd="sng" algn="ctr">
+                      <a:solidFill>
+                        <a:schemeClr val="bg1">
+                          <a:lumMod val="50000"/>
+                        </a:schemeClr>
+                      </a:solidFill>
+                      <a:prstDash val="solid"/>
+                      <a:round/>
+                      <a:headEnd type="none" w="med" len="med"/>
+                      <a:tailEnd type="none" w="med" len="med"/>
+                    </a:lnT>
+                    <a:lnB w="3175" cap="flat" cmpd="sng" algn="ctr">
+                      <a:solidFill>
+                        <a:schemeClr val="bg1">
+                          <a:lumMod val="50000"/>
+                        </a:schemeClr>
+                      </a:solidFill>
+                      <a:prstDash val="solid"/>
+                      <a:round/>
+                      <a:headEnd type="none" w="med" len="med"/>
+                      <a:tailEnd type="none" w="med" len="med"/>
+                    </a:lnB>
+                    <a:lnTlToBr w="12700" cmpd="sng">
+                      <a:noFill/>
+                      <a:prstDash val="solid"/>
+                    </a:lnTlToBr>
+                    <a:lnBlToTr w="12700" cmpd="sng">
+                      <a:noFill/>
+                      <a:prstDash val="solid"/>
+                    </a:lnBlToTr>
+                    <a:noFill/>
+                  </a:tcPr>
+                </a:tc>
+                <a:tc>
+                  <a:txBody>
+                    <a:bodyPr/>
+                    <a:lstStyle/>
+                    <a:p>
+                      <a:pPr algn="r" fontAlgn="b"/>
+                      <a:r>
+                        <a:rPr lang="en-US" sz="1200" u="none" strike="noStrike" dirty="0">
+                          <a:effectLst/>
+                        </a:rPr>
+                        <a:t>28.79474</a:t>
+                      </a:r>
+                      <a:endParaRPr lang="en-US" sz="1200" b="0" i="0" u="none" strike="noStrike" dirty="0">
+                        <a:solidFill>
+                          <a:srgbClr val="000000"/>
+                        </a:solidFill>
+                        <a:effectLst/>
+                        <a:latin typeface="Calibri" panose="020F0502020204030204" pitchFamily="34" charset="0"/>
+                      </a:endParaRPr>
+                    </a:p>
+                  </a:txBody>
+                  <a:tcPr marL="9525" marR="9525" marT="9525" marB="0" anchor="b">
+                    <a:lnL w="3175" cap="flat" cmpd="sng" algn="ctr">
+                      <a:solidFill>
+                        <a:schemeClr val="bg1">
+                          <a:lumMod val="50000"/>
+                        </a:schemeClr>
+                      </a:solidFill>
+                      <a:prstDash val="solid"/>
+                      <a:round/>
+                      <a:headEnd type="none" w="med" len="med"/>
+                      <a:tailEnd type="none" w="med" len="med"/>
+                    </a:lnL>
+                    <a:lnR w="3175" cap="flat" cmpd="sng" algn="ctr">
+                      <a:solidFill>
+                        <a:schemeClr val="bg1">
+                          <a:lumMod val="50000"/>
+                        </a:schemeClr>
+                      </a:solidFill>
+                      <a:prstDash val="solid"/>
+                      <a:round/>
+                      <a:headEnd type="none" w="med" len="med"/>
+                      <a:tailEnd type="none" w="med" len="med"/>
+                    </a:lnR>
+                    <a:lnT w="3175" cap="flat" cmpd="sng" algn="ctr">
+                      <a:solidFill>
+                        <a:schemeClr val="bg1">
+                          <a:lumMod val="50000"/>
+                        </a:schemeClr>
+                      </a:solidFill>
+                      <a:prstDash val="solid"/>
+                      <a:round/>
+                      <a:headEnd type="none" w="med" len="med"/>
+                      <a:tailEnd type="none" w="med" len="med"/>
+                    </a:lnT>
+                    <a:lnB w="3175" cap="flat" cmpd="sng" algn="ctr">
+                      <a:solidFill>
+                        <a:schemeClr val="bg1">
+                          <a:lumMod val="50000"/>
+                        </a:schemeClr>
+                      </a:solidFill>
+                      <a:prstDash val="solid"/>
+                      <a:round/>
+                      <a:headEnd type="none" w="med" len="med"/>
+                      <a:tailEnd type="none" w="med" len="med"/>
+                    </a:lnB>
+                    <a:lnTlToBr w="12700" cmpd="sng">
+                      <a:noFill/>
+                      <a:prstDash val="solid"/>
+                    </a:lnTlToBr>
+                    <a:lnBlToTr w="12700" cmpd="sng">
+                      <a:noFill/>
+                      <a:prstDash val="solid"/>
+                    </a:lnBlToTr>
+                    <a:noFill/>
+                  </a:tcPr>
+                </a:tc>
+              </a:tr>
+            </a:tbl>
+          </a:graphicData>
+        </a:graphic>
+      </p:graphicFrame>
+      <p:graphicFrame>
+        <p:nvGraphicFramePr>
+          <p:cNvPr id="5" name="Chart 4"/>
+          <p:cNvGraphicFramePr>
+            <a:graphicFrameLocks/>
+          </p:cNvGraphicFramePr>
+          <p:nvPr>
+            <p:extLst>
+              <p:ext uri="{D42A27DB-BD31-4B8C-83A1-F6EECF244321}">
+                <p14:modId xmlns:p14="http://schemas.microsoft.com/office/powerpoint/2010/main" val="2477372634"/>
+              </p:ext>
+            </p:extLst>
+          </p:nvPr>
+        </p:nvGraphicFramePr>
+        <p:xfrm>
+          <a:off x="3810000" y="2057400"/>
+          <a:ext cx="4572000" cy="2743200"/>
+        </p:xfrm>
+        <a:graphic>
+          <a:graphicData uri="http://schemas.openxmlformats.org/drawingml/2006/chart">
+            <c:chart xmlns:c="http://schemas.openxmlformats.org/drawingml/2006/chart" xmlns:r="http://schemas.openxmlformats.org/officeDocument/2006/relationships" r:id="rId2"/>
+          </a:graphicData>
+        </a:graphic>
+      </p:graphicFrame>
+    </p:spTree>
+    <p:extLst>
+      <p:ext uri="{BB962C8B-B14F-4D97-AF65-F5344CB8AC3E}">
+        <p14:creationId xmlns:p14="http://schemas.microsoft.com/office/powerpoint/2010/main" val="2084181444"/>
+      </p:ext>
+    </p:extLst>
+  </p:cSld>
+  <p:clrMapOvr>
+    <a:masterClrMapping/>
+  </p:clrMapOvr>
+</p:sld>
+</file>
+
 <file path=ppt/theme/theme1.xml><?xml version="1.0" encoding="utf-8"?>
 <a:theme xmlns:a="http://schemas.openxmlformats.org/drawingml/2006/main" name="Office Theme">
   <a:themeElements>

--- a/sphinx-book/source/supervised/supervised/figures/figures.pptx
+++ b/sphinx-book/source/supervised/supervised/figures/figures.pptx
@@ -9,6 +9,8 @@
     <p:sldId id="257" r:id="rId3"/>
     <p:sldId id="258" r:id="rId4"/>
     <p:sldId id="259" r:id="rId5"/>
+    <p:sldId id="260" r:id="rId6"/>
+    <p:sldId id="261" r:id="rId7"/>
   </p:sldIdLst>
   <p:sldSz cx="12192000" cy="6858000"/>
   <p:notesSz cx="6858000" cy="9144000"/>
@@ -1718,37 +1720,37 @@
                 <c:formatCode>General</c:formatCode>
                 <c:ptCount val="11"/>
                 <c:pt idx="0">
-                  <c:v>13.252876555727781</c:v>
+                  <c:v>-10.48391440634488</c:v>
                 </c:pt>
                 <c:pt idx="1">
-                  <c:v>-14.86016997602003</c:v>
+                  <c:v>-8.1399657524351987</c:v>
                 </c:pt>
                 <c:pt idx="2">
-                  <c:v>-5.6859424435578276</c:v>
+                  <c:v>-0.6804708220566269</c:v>
                 </c:pt>
                 <c:pt idx="3">
-                  <c:v>18.028149899589124</c:v>
+                  <c:v>13.455013185212316</c:v>
                 </c:pt>
                 <c:pt idx="4">
-                  <c:v>-10.929366096983664</c:v>
+                  <c:v>-7.8426444231051065</c:v>
                 </c:pt>
                 <c:pt idx="5">
-                  <c:v>-19.585719069075758</c:v>
+                  <c:v>-19.868306120996703</c:v>
                 </c:pt>
                 <c:pt idx="6">
-                  <c:v>-6.9369714147063899</c:v>
+                  <c:v>-3.7426211867974928</c:v>
                 </c:pt>
                 <c:pt idx="7">
-                  <c:v>-1.0707211680082125</c:v>
+                  <c:v>2.7367512966011134</c:v>
                 </c:pt>
                 <c:pt idx="8">
-                  <c:v>7.7961189091998193</c:v>
+                  <c:v>-11.066254871635159</c:v>
                 </c:pt>
                 <c:pt idx="9">
-                  <c:v>-11.928550088625371</c:v>
+                  <c:v>3.6190557744776761</c:v>
                 </c:pt>
                 <c:pt idx="10">
-                  <c:v>13.365180519622598</c:v>
+                  <c:v>14.453992954179455</c:v>
                 </c:pt>
               </c:numCache>
             </c:numRef>
@@ -1760,37 +1762,37 @@
                 <c:formatCode>General</c:formatCode>
                 <c:ptCount val="11"/>
                 <c:pt idx="0">
-                  <c:v>40.892772941453991</c:v>
+                  <c:v>-38.492007006117518</c:v>
                 </c:pt>
                 <c:pt idx="1">
-                  <c:v>-45.390614008409372</c:v>
+                  <c:v>-24.907421028116435</c:v>
                 </c:pt>
                 <c:pt idx="2">
-                  <c:v>-22.805992953798295</c:v>
+                  <c:v>-4.3157042497321054</c:v>
                 </c:pt>
                 <c:pt idx="3">
-                  <c:v>50.832118452475449</c:v>
+                  <c:v>41.437826078626266</c:v>
                 </c:pt>
                 <c:pt idx="4">
-                  <c:v>-30.879551173313487</c:v>
+                  <c:v>-24.909936695106765</c:v>
                 </c:pt>
                 <c:pt idx="5">
-                  <c:v>-60.713038290978012</c:v>
+                  <c:v>-57.4595988731758</c:v>
                 </c:pt>
                 <c:pt idx="6">
-                  <c:v>-32.676894035786589</c:v>
+                  <c:v>-10.701118000669283</c:v>
                 </c:pt>
                 <c:pt idx="7">
-                  <c:v>-3.1867703107329337</c:v>
+                  <c:v>-2.793722329049956</c:v>
                 </c:pt>
                 <c:pt idx="8">
-                  <c:v>16.732948495556933</c:v>
+                  <c:v>-37.679332080767026</c:v>
                 </c:pt>
                 <c:pt idx="9">
-                  <c:v>-43.922563512114813</c:v>
+                  <c:v>6.7520516650514484</c:v>
                 </c:pt>
                 <c:pt idx="10">
-                  <c:v>28.794742995300382</c:v>
+                  <c:v>43.726985702435258</c:v>
                 </c:pt>
               </c:numCache>
             </c:numRef>
@@ -1945,6 +1947,2035 @@
     <a:ln w="9525" cap="flat" cmpd="sng" algn="ctr">
       <a:noFill/>
       <a:round/>
+    </a:ln>
+    <a:effectLst/>
+  </c:spPr>
+  <c:txPr>
+    <a:bodyPr/>
+    <a:lstStyle/>
+    <a:p>
+      <a:pPr>
+        <a:defRPr/>
+      </a:pPr>
+      <a:endParaRPr lang="en-US"/>
+    </a:p>
+  </c:txPr>
+  <c:externalData r:id="rId3">
+    <c:autoUpdate val="0"/>
+  </c:externalData>
+</c:chartSpace>
+</file>
+
+<file path=ppt/charts/chart5.xml><?xml version="1.0" encoding="utf-8"?>
+<c:chartSpace xmlns:c="http://schemas.openxmlformats.org/drawingml/2006/chart" xmlns:a="http://schemas.openxmlformats.org/drawingml/2006/main" xmlns:r="http://schemas.openxmlformats.org/officeDocument/2006/relationships">
+  <c:date1904 val="0"/>
+  <c:lang val="en-US"/>
+  <c:roundedCorners val="0"/>
+  <mc:AlternateContent xmlns:mc="http://schemas.openxmlformats.org/markup-compatibility/2006">
+    <mc:Choice xmlns:c14="http://schemas.microsoft.com/office/drawing/2007/8/2/chart" Requires="c14">
+      <c14:style val="102"/>
+    </mc:Choice>
+    <mc:Fallback>
+      <c:style val="2"/>
+    </mc:Fallback>
+  </mc:AlternateContent>
+  <c:chart>
+    <c:autoTitleDeleted val="1"/>
+    <c:plotArea>
+      <c:layout/>
+      <c:scatterChart>
+        <c:scatterStyle val="lineMarker"/>
+        <c:varyColors val="0"/>
+        <c:ser>
+          <c:idx val="0"/>
+          <c:order val="0"/>
+          <c:spPr>
+            <a:ln w="28575" cap="rnd">
+              <a:noFill/>
+              <a:round/>
+            </a:ln>
+            <a:effectLst/>
+          </c:spPr>
+          <c:marker>
+            <c:symbol val="diamond"/>
+            <c:size val="6"/>
+            <c:spPr>
+              <a:noFill/>
+              <a:ln w="12700">
+                <a:solidFill>
+                  <a:schemeClr val="tx1"/>
+                </a:solidFill>
+              </a:ln>
+              <a:effectLst/>
+            </c:spPr>
+          </c:marker>
+          <c:xVal>
+            <c:numRef>
+              <c:f>Sheet1!$C$58:$C$68</c:f>
+              <c:numCache>
+                <c:formatCode>General</c:formatCode>
+                <c:ptCount val="11"/>
+                <c:pt idx="0">
+                  <c:v>13.252876555727781</c:v>
+                </c:pt>
+                <c:pt idx="1">
+                  <c:v>-14.86016997602003</c:v>
+                </c:pt>
+                <c:pt idx="2">
+                  <c:v>-5.6859424435578276</c:v>
+                </c:pt>
+                <c:pt idx="3">
+                  <c:v>18.028149899589124</c:v>
+                </c:pt>
+                <c:pt idx="4">
+                  <c:v>-10.929366096983664</c:v>
+                </c:pt>
+                <c:pt idx="5">
+                  <c:v>-19.585719069075758</c:v>
+                </c:pt>
+                <c:pt idx="6">
+                  <c:v>-6.9369714147063899</c:v>
+                </c:pt>
+                <c:pt idx="7">
+                  <c:v>-1.0707211680082125</c:v>
+                </c:pt>
+                <c:pt idx="8">
+                  <c:v>7.7961189091998193</c:v>
+                </c:pt>
+                <c:pt idx="9">
+                  <c:v>-11.928550088625371</c:v>
+                </c:pt>
+                <c:pt idx="10">
+                  <c:v>13.365180519622598</c:v>
+                </c:pt>
+              </c:numCache>
+            </c:numRef>
+          </c:xVal>
+          <c:yVal>
+            <c:numRef>
+              <c:f>Sheet1!$D$58:$D$68</c:f>
+              <c:numCache>
+                <c:formatCode>General</c:formatCode>
+                <c:ptCount val="11"/>
+                <c:pt idx="0">
+                  <c:v>40.892772941453991</c:v>
+                </c:pt>
+                <c:pt idx="1">
+                  <c:v>-45.390614008409372</c:v>
+                </c:pt>
+                <c:pt idx="2">
+                  <c:v>-22.805992953798295</c:v>
+                </c:pt>
+                <c:pt idx="3">
+                  <c:v>50.832118452475449</c:v>
+                </c:pt>
+                <c:pt idx="4">
+                  <c:v>-30.879551173313487</c:v>
+                </c:pt>
+                <c:pt idx="5">
+                  <c:v>-60.713038290978012</c:v>
+                </c:pt>
+                <c:pt idx="6">
+                  <c:v>-32.676894035786589</c:v>
+                </c:pt>
+                <c:pt idx="7">
+                  <c:v>-3.1867703107329337</c:v>
+                </c:pt>
+                <c:pt idx="8">
+                  <c:v>16.732948495556933</c:v>
+                </c:pt>
+                <c:pt idx="9">
+                  <c:v>-43.922563512114813</c:v>
+                </c:pt>
+                <c:pt idx="10">
+                  <c:v>28.794742995300382</c:v>
+                </c:pt>
+              </c:numCache>
+            </c:numRef>
+          </c:yVal>
+          <c:smooth val="0"/>
+        </c:ser>
+        <c:ser>
+          <c:idx val="1"/>
+          <c:order val="1"/>
+          <c:spPr>
+            <a:ln w="15875" cap="rnd">
+              <a:solidFill>
+                <a:schemeClr val="tx1"/>
+              </a:solidFill>
+              <a:round/>
+            </a:ln>
+            <a:effectLst/>
+          </c:spPr>
+          <c:marker>
+            <c:symbol val="none"/>
+          </c:marker>
+          <c:xVal>
+            <c:numRef>
+              <c:f>Sheet1!$C$58:$C$68</c:f>
+              <c:numCache>
+                <c:formatCode>General</c:formatCode>
+                <c:ptCount val="11"/>
+                <c:pt idx="0">
+                  <c:v>13.252876555727781</c:v>
+                </c:pt>
+                <c:pt idx="1">
+                  <c:v>-14.86016997602003</c:v>
+                </c:pt>
+                <c:pt idx="2">
+                  <c:v>-5.6859424435578276</c:v>
+                </c:pt>
+                <c:pt idx="3">
+                  <c:v>18.028149899589124</c:v>
+                </c:pt>
+                <c:pt idx="4">
+                  <c:v>-10.929366096983664</c:v>
+                </c:pt>
+                <c:pt idx="5">
+                  <c:v>-19.585719069075758</c:v>
+                </c:pt>
+                <c:pt idx="6">
+                  <c:v>-6.9369714147063899</c:v>
+                </c:pt>
+                <c:pt idx="7">
+                  <c:v>-1.0707211680082125</c:v>
+                </c:pt>
+                <c:pt idx="8">
+                  <c:v>7.7961189091998193</c:v>
+                </c:pt>
+                <c:pt idx="9">
+                  <c:v>-11.928550088625371</c:v>
+                </c:pt>
+                <c:pt idx="10">
+                  <c:v>13.365180519622598</c:v>
+                </c:pt>
+              </c:numCache>
+            </c:numRef>
+          </c:xVal>
+          <c:yVal>
+            <c:numRef>
+              <c:f>Sheet1!$E$58:$E$68</c:f>
+              <c:numCache>
+                <c:formatCode>General</c:formatCode>
+                <c:ptCount val="11"/>
+                <c:pt idx="0">
+                  <c:v>34.758629667183342</c:v>
+                </c:pt>
+                <c:pt idx="1">
+                  <c:v>-49.580509928060088</c:v>
+                </c:pt>
+                <c:pt idx="2">
+                  <c:v>-22.057827330673483</c:v>
+                </c:pt>
+                <c:pt idx="3">
+                  <c:v>49.084449698767372</c:v>
+                </c:pt>
+                <c:pt idx="4">
+                  <c:v>-37.788098290950991</c:v>
+                </c:pt>
+                <c:pt idx="5">
+                  <c:v>-63.757157207227273</c:v>
+                </c:pt>
+                <c:pt idx="6">
+                  <c:v>-25.810914244119168</c:v>
+                </c:pt>
+                <c:pt idx="7">
+                  <c:v>-8.2121635040246375</c:v>
+                </c:pt>
+                <c:pt idx="8">
+                  <c:v>18.388356727599458</c:v>
+                </c:pt>
+                <c:pt idx="9">
+                  <c:v>-40.785650265876114</c:v>
+                </c:pt>
+                <c:pt idx="10">
+                  <c:v>35.095541558867794</c:v>
+                </c:pt>
+              </c:numCache>
+            </c:numRef>
+          </c:yVal>
+          <c:smooth val="0"/>
+        </c:ser>
+        <c:dLbls>
+          <c:showLegendKey val="0"/>
+          <c:showVal val="0"/>
+          <c:showCatName val="0"/>
+          <c:showSerName val="0"/>
+          <c:showPercent val="0"/>
+          <c:showBubbleSize val="0"/>
+        </c:dLbls>
+        <c:axId val="289279216"/>
+        <c:axId val="289285936"/>
+      </c:scatterChart>
+      <c:valAx>
+        <c:axId val="289279216"/>
+        <c:scaling>
+          <c:orientation val="minMax"/>
+        </c:scaling>
+        <c:delete val="0"/>
+        <c:axPos val="b"/>
+        <c:majorGridlines>
+          <c:spPr>
+            <a:ln w="9525" cap="flat" cmpd="sng" algn="ctr">
+              <a:solidFill>
+                <a:schemeClr val="tx1">
+                  <a:lumMod val="15000"/>
+                  <a:lumOff val="85000"/>
+                </a:schemeClr>
+              </a:solidFill>
+              <a:round/>
+            </a:ln>
+            <a:effectLst/>
+          </c:spPr>
+        </c:majorGridlines>
+        <c:numFmt formatCode="General" sourceLinked="1"/>
+        <c:majorTickMark val="none"/>
+        <c:minorTickMark val="none"/>
+        <c:tickLblPos val="low"/>
+        <c:spPr>
+          <a:noFill/>
+          <a:ln w="9525" cap="flat" cmpd="sng" algn="ctr">
+            <a:solidFill>
+              <a:schemeClr val="tx1">
+                <a:lumMod val="25000"/>
+                <a:lumOff val="75000"/>
+              </a:schemeClr>
+            </a:solidFill>
+            <a:round/>
+          </a:ln>
+          <a:effectLst/>
+        </c:spPr>
+        <c:txPr>
+          <a:bodyPr rot="-60000000" spcFirstLastPara="1" vertOverflow="ellipsis" vert="horz" wrap="square" anchor="ctr" anchorCtr="1"/>
+          <a:lstStyle/>
+          <a:p>
+            <a:pPr>
+              <a:defRPr sz="1400" b="0" i="0" u="none" strike="noStrike" kern="1200" baseline="0">
+                <a:solidFill>
+                  <a:sysClr val="windowText" lastClr="000000"/>
+                </a:solidFill>
+                <a:latin typeface="+mn-lt"/>
+                <a:ea typeface="+mn-ea"/>
+                <a:cs typeface="+mn-cs"/>
+              </a:defRPr>
+            </a:pPr>
+            <a:endParaRPr lang="en-US"/>
+          </a:p>
+        </c:txPr>
+        <c:crossAx val="289285936"/>
+        <c:crosses val="autoZero"/>
+        <c:crossBetween val="midCat"/>
+      </c:valAx>
+      <c:valAx>
+        <c:axId val="289285936"/>
+        <c:scaling>
+          <c:orientation val="minMax"/>
+        </c:scaling>
+        <c:delete val="0"/>
+        <c:axPos val="l"/>
+        <c:majorGridlines>
+          <c:spPr>
+            <a:ln w="9525" cap="flat" cmpd="sng" algn="ctr">
+              <a:solidFill>
+                <a:schemeClr val="tx1">
+                  <a:lumMod val="15000"/>
+                  <a:lumOff val="85000"/>
+                </a:schemeClr>
+              </a:solidFill>
+              <a:round/>
+            </a:ln>
+            <a:effectLst/>
+          </c:spPr>
+        </c:majorGridlines>
+        <c:numFmt formatCode="General" sourceLinked="1"/>
+        <c:majorTickMark val="none"/>
+        <c:minorTickMark val="none"/>
+        <c:tickLblPos val="low"/>
+        <c:spPr>
+          <a:noFill/>
+          <a:ln w="9525" cap="flat" cmpd="sng" algn="ctr">
+            <a:solidFill>
+              <a:schemeClr val="tx1">
+                <a:lumMod val="25000"/>
+                <a:lumOff val="75000"/>
+              </a:schemeClr>
+            </a:solidFill>
+            <a:round/>
+          </a:ln>
+          <a:effectLst/>
+        </c:spPr>
+        <c:txPr>
+          <a:bodyPr rot="-60000000" spcFirstLastPara="1" vertOverflow="ellipsis" vert="horz" wrap="square" anchor="ctr" anchorCtr="1"/>
+          <a:lstStyle/>
+          <a:p>
+            <a:pPr>
+              <a:defRPr sz="1400" b="0" i="0" u="none" strike="noStrike" kern="1200" baseline="0">
+                <a:solidFill>
+                  <a:sysClr val="windowText" lastClr="000000"/>
+                </a:solidFill>
+                <a:latin typeface="+mn-lt"/>
+                <a:ea typeface="+mn-ea"/>
+                <a:cs typeface="+mn-cs"/>
+              </a:defRPr>
+            </a:pPr>
+            <a:endParaRPr lang="en-US"/>
+          </a:p>
+        </c:txPr>
+        <c:crossAx val="289279216"/>
+        <c:crosses val="autoZero"/>
+        <c:crossBetween val="midCat"/>
+      </c:valAx>
+      <c:spPr>
+        <a:noFill/>
+        <a:ln>
+          <a:noFill/>
+        </a:ln>
+        <a:effectLst/>
+      </c:spPr>
+    </c:plotArea>
+    <c:plotVisOnly val="1"/>
+    <c:dispBlanksAs val="gap"/>
+    <c:showDLblsOverMax val="0"/>
+  </c:chart>
+  <c:spPr>
+    <a:solidFill>
+      <a:schemeClr val="bg1"/>
+    </a:solidFill>
+    <a:ln w="9525" cap="flat" cmpd="sng" algn="ctr">
+      <a:noFill/>
+      <a:round/>
+    </a:ln>
+    <a:effectLst/>
+  </c:spPr>
+  <c:txPr>
+    <a:bodyPr/>
+    <a:lstStyle/>
+    <a:p>
+      <a:pPr>
+        <a:defRPr/>
+      </a:pPr>
+      <a:endParaRPr lang="en-US"/>
+    </a:p>
+  </c:txPr>
+  <c:externalData r:id="rId3">
+    <c:autoUpdate val="0"/>
+  </c:externalData>
+</c:chartSpace>
+</file>
+
+<file path=ppt/charts/chart6.xml><?xml version="1.0" encoding="utf-8"?>
+<c:chartSpace xmlns:c="http://schemas.openxmlformats.org/drawingml/2006/chart" xmlns:a="http://schemas.openxmlformats.org/drawingml/2006/main" xmlns:r="http://schemas.openxmlformats.org/officeDocument/2006/relationships">
+  <c:date1904 val="0"/>
+  <c:lang val="en-US"/>
+  <c:roundedCorners val="0"/>
+  <mc:AlternateContent xmlns:mc="http://schemas.openxmlformats.org/markup-compatibility/2006">
+    <mc:Choice xmlns:c14="http://schemas.microsoft.com/office/drawing/2007/8/2/chart" Requires="c14">
+      <c14:style val="102"/>
+    </mc:Choice>
+    <mc:Fallback>
+      <c:style val="2"/>
+    </mc:Fallback>
+  </mc:AlternateContent>
+  <c:chart>
+    <c:autoTitleDeleted val="1"/>
+    <c:plotArea>
+      <c:layout/>
+      <c:scatterChart>
+        <c:scatterStyle val="lineMarker"/>
+        <c:varyColors val="0"/>
+        <c:ser>
+          <c:idx val="0"/>
+          <c:order val="0"/>
+          <c:spPr>
+            <a:ln w="28575" cap="rnd">
+              <a:noFill/>
+              <a:round/>
+            </a:ln>
+            <a:effectLst/>
+          </c:spPr>
+          <c:marker>
+            <c:symbol val="diamond"/>
+            <c:size val="6"/>
+            <c:spPr>
+              <a:noFill/>
+              <a:ln w="12700">
+                <a:solidFill>
+                  <a:schemeClr val="tx1"/>
+                </a:solidFill>
+              </a:ln>
+              <a:effectLst/>
+            </c:spPr>
+          </c:marker>
+          <c:xVal>
+            <c:numRef>
+              <c:f>Sheet1!$C$73:$C$83</c:f>
+              <c:numCache>
+                <c:formatCode>General</c:formatCode>
+                <c:ptCount val="11"/>
+                <c:pt idx="0">
+                  <c:v>13.252876555727781</c:v>
+                </c:pt>
+                <c:pt idx="1">
+                  <c:v>-14.86016997602003</c:v>
+                </c:pt>
+                <c:pt idx="2">
+                  <c:v>-5.6859424435578276</c:v>
+                </c:pt>
+                <c:pt idx="3">
+                  <c:v>18.028149899589124</c:v>
+                </c:pt>
+                <c:pt idx="4">
+                  <c:v>-10.929366096983664</c:v>
+                </c:pt>
+                <c:pt idx="5">
+                  <c:v>-19.585719069075758</c:v>
+                </c:pt>
+                <c:pt idx="6">
+                  <c:v>-6.9369714147063899</c:v>
+                </c:pt>
+                <c:pt idx="7">
+                  <c:v>-1.0707211680082125</c:v>
+                </c:pt>
+                <c:pt idx="8">
+                  <c:v>7.7961189091998193</c:v>
+                </c:pt>
+                <c:pt idx="9">
+                  <c:v>-11.928550088625371</c:v>
+                </c:pt>
+                <c:pt idx="10">
+                  <c:v>13.365180519622598</c:v>
+                </c:pt>
+              </c:numCache>
+            </c:numRef>
+          </c:xVal>
+          <c:yVal>
+            <c:numRef>
+              <c:f>Sheet1!$D$73:$D$83</c:f>
+              <c:numCache>
+                <c:formatCode>General</c:formatCode>
+                <c:ptCount val="11"/>
+                <c:pt idx="0">
+                  <c:v>40.892772941453991</c:v>
+                </c:pt>
+                <c:pt idx="1">
+                  <c:v>-45.390614008409372</c:v>
+                </c:pt>
+                <c:pt idx="2">
+                  <c:v>-22.805992953798295</c:v>
+                </c:pt>
+                <c:pt idx="3">
+                  <c:v>50.832118452475449</c:v>
+                </c:pt>
+                <c:pt idx="4">
+                  <c:v>-30.879551173313487</c:v>
+                </c:pt>
+                <c:pt idx="5">
+                  <c:v>-60.713038290978012</c:v>
+                </c:pt>
+                <c:pt idx="6">
+                  <c:v>-32.676894035786589</c:v>
+                </c:pt>
+                <c:pt idx="7">
+                  <c:v>-3.1867703107329337</c:v>
+                </c:pt>
+                <c:pt idx="8">
+                  <c:v>16.732948495556933</c:v>
+                </c:pt>
+                <c:pt idx="9">
+                  <c:v>-43.922563512114813</c:v>
+                </c:pt>
+                <c:pt idx="10">
+                  <c:v>28.794742995300382</c:v>
+                </c:pt>
+              </c:numCache>
+            </c:numRef>
+          </c:yVal>
+          <c:smooth val="0"/>
+        </c:ser>
+        <c:ser>
+          <c:idx val="1"/>
+          <c:order val="1"/>
+          <c:spPr>
+            <a:ln w="12700" cap="rnd">
+              <a:solidFill>
+                <a:srgbClr val="00B050"/>
+              </a:solidFill>
+              <a:round/>
+            </a:ln>
+            <a:effectLst/>
+          </c:spPr>
+          <c:marker>
+            <c:symbol val="none"/>
+          </c:marker>
+          <c:xVal>
+            <c:numRef>
+              <c:f>Sheet1!$C$86:$C$166</c:f>
+              <c:numCache>
+                <c:formatCode>General</c:formatCode>
+                <c:ptCount val="81"/>
+                <c:pt idx="0">
+                  <c:v>-20</c:v>
+                </c:pt>
+                <c:pt idx="1">
+                  <c:v>-19.5</c:v>
+                </c:pt>
+                <c:pt idx="2">
+                  <c:v>-19</c:v>
+                </c:pt>
+                <c:pt idx="3">
+                  <c:v>-18.5</c:v>
+                </c:pt>
+                <c:pt idx="4">
+                  <c:v>-18</c:v>
+                </c:pt>
+                <c:pt idx="5">
+                  <c:v>-17.5</c:v>
+                </c:pt>
+                <c:pt idx="6">
+                  <c:v>-17</c:v>
+                </c:pt>
+                <c:pt idx="7">
+                  <c:v>-16.5</c:v>
+                </c:pt>
+                <c:pt idx="8">
+                  <c:v>-16</c:v>
+                </c:pt>
+                <c:pt idx="9">
+                  <c:v>-15.5</c:v>
+                </c:pt>
+                <c:pt idx="10">
+                  <c:v>-15</c:v>
+                </c:pt>
+                <c:pt idx="11">
+                  <c:v>-14.5</c:v>
+                </c:pt>
+                <c:pt idx="12">
+                  <c:v>-14</c:v>
+                </c:pt>
+                <c:pt idx="13">
+                  <c:v>-13.5</c:v>
+                </c:pt>
+                <c:pt idx="14">
+                  <c:v>-13</c:v>
+                </c:pt>
+                <c:pt idx="15">
+                  <c:v>-12.5</c:v>
+                </c:pt>
+                <c:pt idx="16">
+                  <c:v>-12</c:v>
+                </c:pt>
+                <c:pt idx="17">
+                  <c:v>-11.5</c:v>
+                </c:pt>
+                <c:pt idx="18">
+                  <c:v>-11</c:v>
+                </c:pt>
+                <c:pt idx="19">
+                  <c:v>-10.5</c:v>
+                </c:pt>
+                <c:pt idx="20">
+                  <c:v>-10</c:v>
+                </c:pt>
+                <c:pt idx="21">
+                  <c:v>-9.5</c:v>
+                </c:pt>
+                <c:pt idx="22">
+                  <c:v>-9</c:v>
+                </c:pt>
+                <c:pt idx="23">
+                  <c:v>-8.5</c:v>
+                </c:pt>
+                <c:pt idx="24">
+                  <c:v>-8</c:v>
+                </c:pt>
+                <c:pt idx="25">
+                  <c:v>-7.5</c:v>
+                </c:pt>
+                <c:pt idx="26">
+                  <c:v>-7</c:v>
+                </c:pt>
+                <c:pt idx="27">
+                  <c:v>-6.5</c:v>
+                </c:pt>
+                <c:pt idx="28">
+                  <c:v>-6</c:v>
+                </c:pt>
+                <c:pt idx="29">
+                  <c:v>-5.5</c:v>
+                </c:pt>
+                <c:pt idx="30">
+                  <c:v>-5</c:v>
+                </c:pt>
+                <c:pt idx="31">
+                  <c:v>-4.5</c:v>
+                </c:pt>
+                <c:pt idx="32">
+                  <c:v>-4</c:v>
+                </c:pt>
+                <c:pt idx="33">
+                  <c:v>-3.5</c:v>
+                </c:pt>
+                <c:pt idx="34">
+                  <c:v>-3</c:v>
+                </c:pt>
+                <c:pt idx="35">
+                  <c:v>-2.5</c:v>
+                </c:pt>
+                <c:pt idx="36">
+                  <c:v>-2</c:v>
+                </c:pt>
+                <c:pt idx="37">
+                  <c:v>-1.5</c:v>
+                </c:pt>
+                <c:pt idx="38">
+                  <c:v>-1</c:v>
+                </c:pt>
+                <c:pt idx="39">
+                  <c:v>-0.5</c:v>
+                </c:pt>
+                <c:pt idx="40">
+                  <c:v>0</c:v>
+                </c:pt>
+                <c:pt idx="41">
+                  <c:v>0.5</c:v>
+                </c:pt>
+                <c:pt idx="42">
+                  <c:v>1</c:v>
+                </c:pt>
+                <c:pt idx="43">
+                  <c:v>1.5</c:v>
+                </c:pt>
+                <c:pt idx="44">
+                  <c:v>2</c:v>
+                </c:pt>
+                <c:pt idx="45">
+                  <c:v>2.5</c:v>
+                </c:pt>
+                <c:pt idx="46">
+                  <c:v>3</c:v>
+                </c:pt>
+                <c:pt idx="47">
+                  <c:v>3.5</c:v>
+                </c:pt>
+                <c:pt idx="48">
+                  <c:v>4</c:v>
+                </c:pt>
+                <c:pt idx="49">
+                  <c:v>4.5</c:v>
+                </c:pt>
+                <c:pt idx="50">
+                  <c:v>5</c:v>
+                </c:pt>
+                <c:pt idx="51">
+                  <c:v>5.5</c:v>
+                </c:pt>
+                <c:pt idx="52">
+                  <c:v>6</c:v>
+                </c:pt>
+                <c:pt idx="53">
+                  <c:v>6.5</c:v>
+                </c:pt>
+                <c:pt idx="54">
+                  <c:v>7</c:v>
+                </c:pt>
+                <c:pt idx="55">
+                  <c:v>7.5</c:v>
+                </c:pt>
+                <c:pt idx="56">
+                  <c:v>8</c:v>
+                </c:pt>
+                <c:pt idx="57">
+                  <c:v>8.5</c:v>
+                </c:pt>
+                <c:pt idx="58">
+                  <c:v>9</c:v>
+                </c:pt>
+                <c:pt idx="59">
+                  <c:v>9.5</c:v>
+                </c:pt>
+                <c:pt idx="60">
+                  <c:v>10</c:v>
+                </c:pt>
+                <c:pt idx="61">
+                  <c:v>10.5</c:v>
+                </c:pt>
+                <c:pt idx="62">
+                  <c:v>11</c:v>
+                </c:pt>
+                <c:pt idx="63">
+                  <c:v>11.5</c:v>
+                </c:pt>
+                <c:pt idx="64">
+                  <c:v>12</c:v>
+                </c:pt>
+                <c:pt idx="65">
+                  <c:v>12.5</c:v>
+                </c:pt>
+                <c:pt idx="66">
+                  <c:v>13</c:v>
+                </c:pt>
+                <c:pt idx="67">
+                  <c:v>13.5</c:v>
+                </c:pt>
+                <c:pt idx="68">
+                  <c:v>14</c:v>
+                </c:pt>
+                <c:pt idx="69">
+                  <c:v>14.5</c:v>
+                </c:pt>
+                <c:pt idx="70">
+                  <c:v>15</c:v>
+                </c:pt>
+                <c:pt idx="71">
+                  <c:v>15.5</c:v>
+                </c:pt>
+                <c:pt idx="72">
+                  <c:v>16</c:v>
+                </c:pt>
+                <c:pt idx="73">
+                  <c:v>16.5</c:v>
+                </c:pt>
+                <c:pt idx="74">
+                  <c:v>17</c:v>
+                </c:pt>
+                <c:pt idx="75">
+                  <c:v>17.5</c:v>
+                </c:pt>
+                <c:pt idx="76">
+                  <c:v>18</c:v>
+                </c:pt>
+                <c:pt idx="77">
+                  <c:v>18.5</c:v>
+                </c:pt>
+                <c:pt idx="78">
+                  <c:v>19</c:v>
+                </c:pt>
+                <c:pt idx="79">
+                  <c:v>19.5</c:v>
+                </c:pt>
+                <c:pt idx="80">
+                  <c:v>20</c:v>
+                </c:pt>
+              </c:numCache>
+            </c:numRef>
+          </c:xVal>
+          <c:yVal>
+            <c:numRef>
+              <c:f>Sheet1!$E$86:$E$166</c:f>
+              <c:numCache>
+                <c:formatCode>General</c:formatCode>
+                <c:ptCount val="81"/>
+                <c:pt idx="0">
+                  <c:v>-494.14412424157905</c:v>
+                </c:pt>
+                <c:pt idx="1">
+                  <c:v>3.867708878771559</c:v>
+                </c:pt>
+                <c:pt idx="2">
+                  <c:v>250.9137977076719</c:v>
+                </c:pt>
+                <c:pt idx="3">
+                  <c:v>337.64037839607153</c:v>
+                </c:pt>
+                <c:pt idx="4">
+                  <c:v>329.30226158135457</c:v>
+                </c:pt>
+                <c:pt idx="5">
+                  <c:v>271.36499857059306</c:v>
+                </c:pt>
+                <c:pt idx="6">
+                  <c:v>194.14379200944785</c:v>
+                </c:pt>
+                <c:pt idx="7">
+                  <c:v>116.60438541753871</c:v>
+                </c:pt>
+                <c:pt idx="8">
+                  <c:v>49.439532371762361</c:v>
+                </c:pt>
+                <c:pt idx="9">
+                  <c:v>-2.4762964598871307</c:v>
+                </c:pt>
+                <c:pt idx="10">
+                  <c:v>-38.161581591846307</c:v>
+                </c:pt>
+                <c:pt idx="11">
+                  <c:v>-59.049031406030515</c:v>
+                </c:pt>
+                <c:pt idx="12">
+                  <c:v>-67.879688687719351</c:v>
+                </c:pt>
+                <c:pt idx="13">
+                  <c:v>-67.904464978979888</c:v>
+                </c:pt>
+                <c:pt idx="14">
+                  <c:v>-62.335485240185115</c:v>
+                </c:pt>
+                <c:pt idx="15">
+                  <c:v>-53.996837632813602</c:v>
+                </c:pt>
+                <c:pt idx="16">
+                  <c:v>-45.130983162650928</c:v>
+                </c:pt>
+                <c:pt idx="17">
+                  <c:v>-37.323207254538325</c:v>
+                </c:pt>
+                <c:pt idx="18">
+                  <c:v>-31.512109871743014</c:v>
+                </c:pt>
+                <c:pt idx="19">
+                  <c:v>-28.059252348127536</c:v>
+                </c:pt>
+                <c:pt idx="20">
+                  <c:v>-26.855727473227155</c:v>
+                </c:pt>
+                <c:pt idx="21">
+                  <c:v>-27.447614362349107</c:v>
+                </c:pt>
+                <c:pt idx="22">
+                  <c:v>-29.166041059592722</c:v>
+                </c:pt>
+                <c:pt idx="23">
+                  <c:v>-31.250925464506459</c:v>
+                </c:pt>
+                <c:pt idx="24">
+                  <c:v>-32.960418846570242</c:v>
+                </c:pt>
+                <c:pt idx="25">
+                  <c:v>-33.660655719206382</c:v>
+                </c:pt>
+                <c:pt idx="26">
+                  <c:v>-32.892638990056589</c:v>
+                </c:pt>
+                <c:pt idx="27">
+                  <c:v>-30.41497989031857</c:v>
+                </c:pt>
+                <c:pt idx="28">
+                  <c:v>-26.222788016432254</c:v>
+                </c:pt>
+                <c:pt idx="29">
+                  <c:v>-20.544287695851615</c:v>
+                </c:pt>
+                <c:pt idx="30">
+                  <c:v>-13.817742618472273</c:v>
+                </c:pt>
+                <c:pt idx="31">
+                  <c:v>-6.6520210599890461</c:v>
+                </c:pt>
+                <c:pt idx="32">
+                  <c:v>0.22535113350178193</c:v>
+                </c:pt>
+                <c:pt idx="33">
+                  <c:v>6.0285035255063733</c:v>
+                </c:pt>
+                <c:pt idx="34">
+                  <c:v>9.977650589484746</c:v>
+                </c:pt>
+                <c:pt idx="35">
+                  <c:v>11.363461246451642</c:v>
+                </c:pt>
+                <c:pt idx="36">
+                  <c:v>9.6074212456832058</c:v>
+                </c:pt>
+                <c:pt idx="37">
+                  <c:v>4.3146070076734446</c:v>
+                </c:pt>
+                <c:pt idx="38">
+                  <c:v>-4.6842279173675152</c:v>
+                </c:pt>
+                <c:pt idx="39">
+                  <c:v>-17.303773170635697</c:v>
+                </c:pt>
+                <c:pt idx="40">
+                  <c:v>-33.190351515164998</c:v>
+                </c:pt>
+                <c:pt idx="41">
+                  <c:v>-51.724327329322733</c:v>
+                </c:pt>
+                <c:pt idx="42">
+                  <c:v>-72.0391312341944</c:v>
+                </c:pt>
+                <c:pt idx="43">
+                  <c:v>-93.056529339227637</c:v>
+                </c:pt>
+                <c:pt idx="44">
+                  <c:v>-113.53699860399033</c:v>
+                </c:pt>
+                <c:pt idx="45">
+                  <c:v>-132.14332473079037</c:v>
+                </c:pt>
+                <c:pt idx="46">
+                  <c:v>-147.51483562667258</c:v>
+                </c:pt>
+                <c:pt idx="47">
+                  <c:v>-158.34904160741806</c:v>
+                </c:pt>
+                <c:pt idx="48">
+                  <c:v>-163.48689296409032</c:v>
+                </c:pt>
+                <c:pt idx="49">
+                  <c:v>-161.9974060778695</c:v>
+                </c:pt>
+                <c:pt idx="50">
+                  <c:v>-153.25707075485573</c:v>
+                </c:pt>
+                <c:pt idx="51">
+                  <c:v>-137.01925366267344</c:v>
+                </c:pt>
+                <c:pt idx="52">
+                  <c:v>-113.4687754885399</c:v>
+                </c:pt>
+                <c:pt idx="53">
+                  <c:v>-83.256982507435254</c:v>
+                </c:pt>
+                <c:pt idx="54">
+                  <c:v>-47.512976452600931</c:v>
+                </c:pt>
+                <c:pt idx="55">
+                  <c:v>-7.8272297222622527</c:v>
+                </c:pt>
+                <c:pt idx="56">
+                  <c:v>33.795384160314477</c:v>
+                </c:pt>
+                <c:pt idx="57">
+                  <c:v>75.015052488084336</c:v>
+                </c:pt>
+                <c:pt idx="58">
+                  <c:v>113.26954359075302</c:v>
+                </c:pt>
+                <c:pt idx="59">
+                  <c:v>145.91871028385208</c:v>
+                </c:pt>
+                <c:pt idx="60">
+                  <c:v>170.41794161156486</c:v>
+                </c:pt>
+                <c:pt idx="61">
+                  <c:v>184.51522930554222</c:v>
+                </c:pt>
+                <c:pt idx="62">
+                  <c:v>186.46385817663162</c:v>
+                </c:pt>
+                <c:pt idx="63">
+                  <c:v>175.23969408532508</c:v>
+                </c:pt>
+                <c:pt idx="64">
+                  <c:v>150.74860939628724</c:v>
+                </c:pt>
+                <c:pt idx="65">
+                  <c:v>114.00573410918662</c:v>
+                </c:pt>
+                <c:pt idx="66">
+                  <c:v>67.26393136863669</c:v>
+                </c:pt>
+                <c:pt idx="67">
+                  <c:v>14.064148987000571</c:v>
+                </c:pt>
+                <c:pt idx="68">
+                  <c:v>-40.824925838463919</c:v>
+                </c:pt>
+                <c:pt idx="69">
+                  <c:v>-91.616203071413679</c:v>
+                </c:pt>
+                <c:pt idx="70">
+                  <c:v>-131.90705073151167</c:v>
+                </c:pt>
+                <c:pt idx="71">
+                  <c:v>-155.3269886475727</c:v>
+                </c:pt>
+                <c:pt idx="72">
+                  <c:v>-156.48885559711476</c:v>
+                </c:pt>
+                <c:pt idx="73">
+                  <c:v>-132.30999878047982</c:v>
+                </c:pt>
+                <c:pt idx="74">
+                  <c:v>-83.778539202076956</c:v>
+                </c:pt>
+                <c:pt idx="75">
+                  <c:v>-18.248887162202728</c:v>
+                </c:pt>
+                <c:pt idx="76">
+                  <c:v>47.639561494477952</c:v>
+                </c:pt>
+                <c:pt idx="77">
+                  <c:v>84.316205671155274</c:v>
+                </c:pt>
+                <c:pt idx="78">
+                  <c:v>44.790065674792281</c:v>
+                </c:pt>
+                <c:pt idx="79">
+                  <c:v>-140.80955663734875</c:v>
+                </c:pt>
+                <c:pt idx="80">
+                  <c:v>-571.8022948135266</c:v>
+                </c:pt>
+              </c:numCache>
+            </c:numRef>
+          </c:yVal>
+          <c:smooth val="0"/>
+        </c:ser>
+        <c:dLbls>
+          <c:showLegendKey val="0"/>
+          <c:showVal val="0"/>
+          <c:showCatName val="0"/>
+          <c:showSerName val="0"/>
+          <c:showPercent val="0"/>
+          <c:showBubbleSize val="0"/>
+        </c:dLbls>
+        <c:axId val="284712096"/>
+        <c:axId val="284712656"/>
+      </c:scatterChart>
+      <c:valAx>
+        <c:axId val="284712096"/>
+        <c:scaling>
+          <c:orientation val="minMax"/>
+        </c:scaling>
+        <c:delete val="0"/>
+        <c:axPos val="b"/>
+        <c:majorGridlines>
+          <c:spPr>
+            <a:ln w="9525" cap="flat" cmpd="sng" algn="ctr">
+              <a:solidFill>
+                <a:schemeClr val="tx1">
+                  <a:lumMod val="15000"/>
+                  <a:lumOff val="85000"/>
+                </a:schemeClr>
+              </a:solidFill>
+              <a:round/>
+            </a:ln>
+            <a:effectLst/>
+          </c:spPr>
+        </c:majorGridlines>
+        <c:numFmt formatCode="General" sourceLinked="1"/>
+        <c:majorTickMark val="none"/>
+        <c:minorTickMark val="none"/>
+        <c:tickLblPos val="low"/>
+        <c:spPr>
+          <a:noFill/>
+          <a:ln w="9525" cap="flat" cmpd="sng" algn="ctr">
+            <a:solidFill>
+              <a:schemeClr val="tx1">
+                <a:lumMod val="25000"/>
+                <a:lumOff val="75000"/>
+              </a:schemeClr>
+            </a:solidFill>
+            <a:round/>
+          </a:ln>
+          <a:effectLst/>
+        </c:spPr>
+        <c:txPr>
+          <a:bodyPr rot="-60000000" spcFirstLastPara="1" vertOverflow="ellipsis" vert="horz" wrap="square" anchor="ctr" anchorCtr="1"/>
+          <a:lstStyle/>
+          <a:p>
+            <a:pPr>
+              <a:defRPr sz="1400" b="0" i="0" u="none" strike="noStrike" kern="1200" baseline="0">
+                <a:solidFill>
+                  <a:sysClr val="windowText" lastClr="000000"/>
+                </a:solidFill>
+                <a:latin typeface="+mn-lt"/>
+                <a:ea typeface="+mn-ea"/>
+                <a:cs typeface="+mn-cs"/>
+              </a:defRPr>
+            </a:pPr>
+            <a:endParaRPr lang="en-US"/>
+          </a:p>
+        </c:txPr>
+        <c:crossAx val="284712656"/>
+        <c:crosses val="autoZero"/>
+        <c:crossBetween val="midCat"/>
+      </c:valAx>
+      <c:valAx>
+        <c:axId val="284712656"/>
+        <c:scaling>
+          <c:orientation val="minMax"/>
+          <c:max val="60"/>
+          <c:min val="-80"/>
+        </c:scaling>
+        <c:delete val="0"/>
+        <c:axPos val="l"/>
+        <c:majorGridlines>
+          <c:spPr>
+            <a:ln w="9525" cap="flat" cmpd="sng" algn="ctr">
+              <a:solidFill>
+                <a:schemeClr val="tx1">
+                  <a:lumMod val="15000"/>
+                  <a:lumOff val="85000"/>
+                </a:schemeClr>
+              </a:solidFill>
+              <a:round/>
+            </a:ln>
+            <a:effectLst/>
+          </c:spPr>
+        </c:majorGridlines>
+        <c:numFmt formatCode="General" sourceLinked="1"/>
+        <c:majorTickMark val="none"/>
+        <c:minorTickMark val="none"/>
+        <c:tickLblPos val="low"/>
+        <c:spPr>
+          <a:noFill/>
+          <a:ln w="9525" cap="flat" cmpd="sng" algn="ctr">
+            <a:solidFill>
+              <a:schemeClr val="tx1">
+                <a:lumMod val="25000"/>
+                <a:lumOff val="75000"/>
+              </a:schemeClr>
+            </a:solidFill>
+            <a:round/>
+          </a:ln>
+          <a:effectLst/>
+        </c:spPr>
+        <c:txPr>
+          <a:bodyPr rot="-60000000" spcFirstLastPara="1" vertOverflow="ellipsis" vert="horz" wrap="square" anchor="ctr" anchorCtr="1"/>
+          <a:lstStyle/>
+          <a:p>
+            <a:pPr>
+              <a:defRPr sz="1400" b="0" i="0" u="none" strike="noStrike" kern="1200" baseline="0">
+                <a:solidFill>
+                  <a:sysClr val="windowText" lastClr="000000"/>
+                </a:solidFill>
+                <a:latin typeface="+mn-lt"/>
+                <a:ea typeface="+mn-ea"/>
+                <a:cs typeface="+mn-cs"/>
+              </a:defRPr>
+            </a:pPr>
+            <a:endParaRPr lang="en-US"/>
+          </a:p>
+        </c:txPr>
+        <c:crossAx val="284712096"/>
+        <c:crosses val="autoZero"/>
+        <c:crossBetween val="midCat"/>
+      </c:valAx>
+      <c:spPr>
+        <a:noFill/>
+        <a:ln>
+          <a:noFill/>
+        </a:ln>
+        <a:effectLst/>
+      </c:spPr>
+    </c:plotArea>
+    <c:plotVisOnly val="1"/>
+    <c:dispBlanksAs val="gap"/>
+    <c:showDLblsOverMax val="0"/>
+  </c:chart>
+  <c:spPr>
+    <a:noFill/>
+    <a:ln>
+      <a:noFill/>
+    </a:ln>
+    <a:effectLst/>
+  </c:spPr>
+  <c:txPr>
+    <a:bodyPr/>
+    <a:lstStyle/>
+    <a:p>
+      <a:pPr>
+        <a:defRPr/>
+      </a:pPr>
+      <a:endParaRPr lang="en-US"/>
+    </a:p>
+  </c:txPr>
+  <c:externalData r:id="rId3">
+    <c:autoUpdate val="0"/>
+  </c:externalData>
+</c:chartSpace>
+</file>
+
+<file path=ppt/charts/chart7.xml><?xml version="1.0" encoding="utf-8"?>
+<c:chartSpace xmlns:c="http://schemas.openxmlformats.org/drawingml/2006/chart" xmlns:a="http://schemas.openxmlformats.org/drawingml/2006/main" xmlns:r="http://schemas.openxmlformats.org/officeDocument/2006/relationships">
+  <c:date1904 val="0"/>
+  <c:lang val="en-US"/>
+  <c:roundedCorners val="0"/>
+  <mc:AlternateContent xmlns:mc="http://schemas.openxmlformats.org/markup-compatibility/2006">
+    <mc:Choice xmlns:c14="http://schemas.microsoft.com/office/drawing/2007/8/2/chart" Requires="c14">
+      <c14:style val="102"/>
+    </mc:Choice>
+    <mc:Fallback>
+      <c:style val="2"/>
+    </mc:Fallback>
+  </mc:AlternateContent>
+  <c:chart>
+    <c:autoTitleDeleted val="1"/>
+    <c:plotArea>
+      <c:layout/>
+      <c:scatterChart>
+        <c:scatterStyle val="lineMarker"/>
+        <c:varyColors val="0"/>
+        <c:ser>
+          <c:idx val="0"/>
+          <c:order val="0"/>
+          <c:spPr>
+            <a:ln w="28575" cap="rnd">
+              <a:noFill/>
+              <a:round/>
+            </a:ln>
+            <a:effectLst/>
+          </c:spPr>
+          <c:marker>
+            <c:symbol val="diamond"/>
+            <c:size val="6"/>
+            <c:spPr>
+              <a:noFill/>
+              <a:ln w="12700">
+                <a:solidFill>
+                  <a:schemeClr val="tx1"/>
+                </a:solidFill>
+              </a:ln>
+              <a:effectLst/>
+            </c:spPr>
+          </c:marker>
+          <c:xVal>
+            <c:numRef>
+              <c:f>Sheet1!$C$73:$C$83</c:f>
+              <c:numCache>
+                <c:formatCode>General</c:formatCode>
+                <c:ptCount val="11"/>
+                <c:pt idx="0">
+                  <c:v>13.252876555727781</c:v>
+                </c:pt>
+                <c:pt idx="1">
+                  <c:v>-14.86016997602003</c:v>
+                </c:pt>
+                <c:pt idx="2">
+                  <c:v>-5.6859424435578276</c:v>
+                </c:pt>
+                <c:pt idx="3">
+                  <c:v>18.028149899589124</c:v>
+                </c:pt>
+                <c:pt idx="4">
+                  <c:v>-10.929366096983664</c:v>
+                </c:pt>
+                <c:pt idx="5">
+                  <c:v>-19.585719069075758</c:v>
+                </c:pt>
+                <c:pt idx="6">
+                  <c:v>-6.9369714147063899</c:v>
+                </c:pt>
+                <c:pt idx="7">
+                  <c:v>-1.0707211680082125</c:v>
+                </c:pt>
+                <c:pt idx="8">
+                  <c:v>7.7961189091998193</c:v>
+                </c:pt>
+                <c:pt idx="9">
+                  <c:v>-11.928550088625371</c:v>
+                </c:pt>
+                <c:pt idx="10">
+                  <c:v>13.365180519622598</c:v>
+                </c:pt>
+              </c:numCache>
+            </c:numRef>
+          </c:xVal>
+          <c:yVal>
+            <c:numRef>
+              <c:f>Sheet1!$D$73:$D$83</c:f>
+              <c:numCache>
+                <c:formatCode>General</c:formatCode>
+                <c:ptCount val="11"/>
+                <c:pt idx="0">
+                  <c:v>40.892772941453991</c:v>
+                </c:pt>
+                <c:pt idx="1">
+                  <c:v>-45.390614008409372</c:v>
+                </c:pt>
+                <c:pt idx="2">
+                  <c:v>-22.805992953798295</c:v>
+                </c:pt>
+                <c:pt idx="3">
+                  <c:v>50.832118452475449</c:v>
+                </c:pt>
+                <c:pt idx="4">
+                  <c:v>-30.879551173313487</c:v>
+                </c:pt>
+                <c:pt idx="5">
+                  <c:v>-60.713038290978012</c:v>
+                </c:pt>
+                <c:pt idx="6">
+                  <c:v>-32.676894035786589</c:v>
+                </c:pt>
+                <c:pt idx="7">
+                  <c:v>-3.1867703107329337</c:v>
+                </c:pt>
+                <c:pt idx="8">
+                  <c:v>16.732948495556933</c:v>
+                </c:pt>
+                <c:pt idx="9">
+                  <c:v>-43.922563512114813</c:v>
+                </c:pt>
+                <c:pt idx="10">
+                  <c:v>28.794742995300382</c:v>
+                </c:pt>
+              </c:numCache>
+            </c:numRef>
+          </c:yVal>
+          <c:smooth val="0"/>
+        </c:ser>
+        <c:ser>
+          <c:idx val="1"/>
+          <c:order val="1"/>
+          <c:spPr>
+            <a:ln w="12700" cap="rnd">
+              <a:solidFill>
+                <a:srgbClr val="00B050"/>
+              </a:solidFill>
+              <a:round/>
+            </a:ln>
+            <a:effectLst/>
+          </c:spPr>
+          <c:marker>
+            <c:symbol val="none"/>
+          </c:marker>
+          <c:xVal>
+            <c:numRef>
+              <c:f>Sheet1!$C$86:$C$166</c:f>
+              <c:numCache>
+                <c:formatCode>General</c:formatCode>
+                <c:ptCount val="81"/>
+                <c:pt idx="0">
+                  <c:v>-20</c:v>
+                </c:pt>
+                <c:pt idx="1">
+                  <c:v>-19.5</c:v>
+                </c:pt>
+                <c:pt idx="2">
+                  <c:v>-19</c:v>
+                </c:pt>
+                <c:pt idx="3">
+                  <c:v>-18.5</c:v>
+                </c:pt>
+                <c:pt idx="4">
+                  <c:v>-18</c:v>
+                </c:pt>
+                <c:pt idx="5">
+                  <c:v>-17.5</c:v>
+                </c:pt>
+                <c:pt idx="6">
+                  <c:v>-17</c:v>
+                </c:pt>
+                <c:pt idx="7">
+                  <c:v>-16.5</c:v>
+                </c:pt>
+                <c:pt idx="8">
+                  <c:v>-16</c:v>
+                </c:pt>
+                <c:pt idx="9">
+                  <c:v>-15.5</c:v>
+                </c:pt>
+                <c:pt idx="10">
+                  <c:v>-15</c:v>
+                </c:pt>
+                <c:pt idx="11">
+                  <c:v>-14.5</c:v>
+                </c:pt>
+                <c:pt idx="12">
+                  <c:v>-14</c:v>
+                </c:pt>
+                <c:pt idx="13">
+                  <c:v>-13.5</c:v>
+                </c:pt>
+                <c:pt idx="14">
+                  <c:v>-13</c:v>
+                </c:pt>
+                <c:pt idx="15">
+                  <c:v>-12.5</c:v>
+                </c:pt>
+                <c:pt idx="16">
+                  <c:v>-12</c:v>
+                </c:pt>
+                <c:pt idx="17">
+                  <c:v>-11.5</c:v>
+                </c:pt>
+                <c:pt idx="18">
+                  <c:v>-11</c:v>
+                </c:pt>
+                <c:pt idx="19">
+                  <c:v>-10.5</c:v>
+                </c:pt>
+                <c:pt idx="20">
+                  <c:v>-10</c:v>
+                </c:pt>
+                <c:pt idx="21">
+                  <c:v>-9.5</c:v>
+                </c:pt>
+                <c:pt idx="22">
+                  <c:v>-9</c:v>
+                </c:pt>
+                <c:pt idx="23">
+                  <c:v>-8.5</c:v>
+                </c:pt>
+                <c:pt idx="24">
+                  <c:v>-8</c:v>
+                </c:pt>
+                <c:pt idx="25">
+                  <c:v>-7.5</c:v>
+                </c:pt>
+                <c:pt idx="26">
+                  <c:v>-7</c:v>
+                </c:pt>
+                <c:pt idx="27">
+                  <c:v>-6.5</c:v>
+                </c:pt>
+                <c:pt idx="28">
+                  <c:v>-6</c:v>
+                </c:pt>
+                <c:pt idx="29">
+                  <c:v>-5.5</c:v>
+                </c:pt>
+                <c:pt idx="30">
+                  <c:v>-5</c:v>
+                </c:pt>
+                <c:pt idx="31">
+                  <c:v>-4.5</c:v>
+                </c:pt>
+                <c:pt idx="32">
+                  <c:v>-4</c:v>
+                </c:pt>
+                <c:pt idx="33">
+                  <c:v>-3.5</c:v>
+                </c:pt>
+                <c:pt idx="34">
+                  <c:v>-3</c:v>
+                </c:pt>
+                <c:pt idx="35">
+                  <c:v>-2.5</c:v>
+                </c:pt>
+                <c:pt idx="36">
+                  <c:v>-2</c:v>
+                </c:pt>
+                <c:pt idx="37">
+                  <c:v>-1.5</c:v>
+                </c:pt>
+                <c:pt idx="38">
+                  <c:v>-1</c:v>
+                </c:pt>
+                <c:pt idx="39">
+                  <c:v>-0.5</c:v>
+                </c:pt>
+                <c:pt idx="40">
+                  <c:v>0</c:v>
+                </c:pt>
+                <c:pt idx="41">
+                  <c:v>0.5</c:v>
+                </c:pt>
+                <c:pt idx="42">
+                  <c:v>1</c:v>
+                </c:pt>
+                <c:pt idx="43">
+                  <c:v>1.5</c:v>
+                </c:pt>
+                <c:pt idx="44">
+                  <c:v>2</c:v>
+                </c:pt>
+                <c:pt idx="45">
+                  <c:v>2.5</c:v>
+                </c:pt>
+                <c:pt idx="46">
+                  <c:v>3</c:v>
+                </c:pt>
+                <c:pt idx="47">
+                  <c:v>3.5</c:v>
+                </c:pt>
+                <c:pt idx="48">
+                  <c:v>4</c:v>
+                </c:pt>
+                <c:pt idx="49">
+                  <c:v>4.5</c:v>
+                </c:pt>
+                <c:pt idx="50">
+                  <c:v>5</c:v>
+                </c:pt>
+                <c:pt idx="51">
+                  <c:v>5.5</c:v>
+                </c:pt>
+                <c:pt idx="52">
+                  <c:v>6</c:v>
+                </c:pt>
+                <c:pt idx="53">
+                  <c:v>6.5</c:v>
+                </c:pt>
+                <c:pt idx="54">
+                  <c:v>7</c:v>
+                </c:pt>
+                <c:pt idx="55">
+                  <c:v>7.5</c:v>
+                </c:pt>
+                <c:pt idx="56">
+                  <c:v>8</c:v>
+                </c:pt>
+                <c:pt idx="57">
+                  <c:v>8.5</c:v>
+                </c:pt>
+                <c:pt idx="58">
+                  <c:v>9</c:v>
+                </c:pt>
+                <c:pt idx="59">
+                  <c:v>9.5</c:v>
+                </c:pt>
+                <c:pt idx="60">
+                  <c:v>10</c:v>
+                </c:pt>
+                <c:pt idx="61">
+                  <c:v>10.5</c:v>
+                </c:pt>
+                <c:pt idx="62">
+                  <c:v>11</c:v>
+                </c:pt>
+                <c:pt idx="63">
+                  <c:v>11.5</c:v>
+                </c:pt>
+                <c:pt idx="64">
+                  <c:v>12</c:v>
+                </c:pt>
+                <c:pt idx="65">
+                  <c:v>12.5</c:v>
+                </c:pt>
+                <c:pt idx="66">
+                  <c:v>13</c:v>
+                </c:pt>
+                <c:pt idx="67">
+                  <c:v>13.5</c:v>
+                </c:pt>
+                <c:pt idx="68">
+                  <c:v>14</c:v>
+                </c:pt>
+                <c:pt idx="69">
+                  <c:v>14.5</c:v>
+                </c:pt>
+                <c:pt idx="70">
+                  <c:v>15</c:v>
+                </c:pt>
+                <c:pt idx="71">
+                  <c:v>15.5</c:v>
+                </c:pt>
+                <c:pt idx="72">
+                  <c:v>16</c:v>
+                </c:pt>
+                <c:pt idx="73">
+                  <c:v>16.5</c:v>
+                </c:pt>
+                <c:pt idx="74">
+                  <c:v>17</c:v>
+                </c:pt>
+                <c:pt idx="75">
+                  <c:v>17.5</c:v>
+                </c:pt>
+                <c:pt idx="76">
+                  <c:v>18</c:v>
+                </c:pt>
+                <c:pt idx="77">
+                  <c:v>18.5</c:v>
+                </c:pt>
+                <c:pt idx="78">
+                  <c:v>19</c:v>
+                </c:pt>
+                <c:pt idx="79">
+                  <c:v>19.5</c:v>
+                </c:pt>
+                <c:pt idx="80">
+                  <c:v>20</c:v>
+                </c:pt>
+              </c:numCache>
+            </c:numRef>
+          </c:xVal>
+          <c:yVal>
+            <c:numRef>
+              <c:f>Sheet1!$E$86:$E$166</c:f>
+              <c:numCache>
+                <c:formatCode>General</c:formatCode>
+                <c:ptCount val="81"/>
+                <c:pt idx="0">
+                  <c:v>-494.14412424157905</c:v>
+                </c:pt>
+                <c:pt idx="1">
+                  <c:v>3.867708878771559</c:v>
+                </c:pt>
+                <c:pt idx="2">
+                  <c:v>250.9137977076719</c:v>
+                </c:pt>
+                <c:pt idx="3">
+                  <c:v>337.64037839607153</c:v>
+                </c:pt>
+                <c:pt idx="4">
+                  <c:v>329.30226158135457</c:v>
+                </c:pt>
+                <c:pt idx="5">
+                  <c:v>271.36499857059306</c:v>
+                </c:pt>
+                <c:pt idx="6">
+                  <c:v>194.14379200944785</c:v>
+                </c:pt>
+                <c:pt idx="7">
+                  <c:v>116.60438541753871</c:v>
+                </c:pt>
+                <c:pt idx="8">
+                  <c:v>49.439532371762361</c:v>
+                </c:pt>
+                <c:pt idx="9">
+                  <c:v>-2.4762964598871307</c:v>
+                </c:pt>
+                <c:pt idx="10">
+                  <c:v>-38.161581591846307</c:v>
+                </c:pt>
+                <c:pt idx="11">
+                  <c:v>-59.049031406030515</c:v>
+                </c:pt>
+                <c:pt idx="12">
+                  <c:v>-67.879688687719351</c:v>
+                </c:pt>
+                <c:pt idx="13">
+                  <c:v>-67.904464978979888</c:v>
+                </c:pt>
+                <c:pt idx="14">
+                  <c:v>-62.335485240185115</c:v>
+                </c:pt>
+                <c:pt idx="15">
+                  <c:v>-53.996837632813602</c:v>
+                </c:pt>
+                <c:pt idx="16">
+                  <c:v>-45.130983162650928</c:v>
+                </c:pt>
+                <c:pt idx="17">
+                  <c:v>-37.323207254538325</c:v>
+                </c:pt>
+                <c:pt idx="18">
+                  <c:v>-31.512109871743014</c:v>
+                </c:pt>
+                <c:pt idx="19">
+                  <c:v>-28.059252348127536</c:v>
+                </c:pt>
+                <c:pt idx="20">
+                  <c:v>-26.855727473227155</c:v>
+                </c:pt>
+                <c:pt idx="21">
+                  <c:v>-27.447614362349107</c:v>
+                </c:pt>
+                <c:pt idx="22">
+                  <c:v>-29.166041059592722</c:v>
+                </c:pt>
+                <c:pt idx="23">
+                  <c:v>-31.250925464506459</c:v>
+                </c:pt>
+                <c:pt idx="24">
+                  <c:v>-32.960418846570242</c:v>
+                </c:pt>
+                <c:pt idx="25">
+                  <c:v>-33.660655719206382</c:v>
+                </c:pt>
+                <c:pt idx="26">
+                  <c:v>-32.892638990056589</c:v>
+                </c:pt>
+                <c:pt idx="27">
+                  <c:v>-30.41497989031857</c:v>
+                </c:pt>
+                <c:pt idx="28">
+                  <c:v>-26.222788016432254</c:v>
+                </c:pt>
+                <c:pt idx="29">
+                  <c:v>-20.544287695851615</c:v>
+                </c:pt>
+                <c:pt idx="30">
+                  <c:v>-13.817742618472273</c:v>
+                </c:pt>
+                <c:pt idx="31">
+                  <c:v>-6.6520210599890461</c:v>
+                </c:pt>
+                <c:pt idx="32">
+                  <c:v>0.22535113350178193</c:v>
+                </c:pt>
+                <c:pt idx="33">
+                  <c:v>6.0285035255063733</c:v>
+                </c:pt>
+                <c:pt idx="34">
+                  <c:v>9.977650589484746</c:v>
+                </c:pt>
+                <c:pt idx="35">
+                  <c:v>11.363461246451642</c:v>
+                </c:pt>
+                <c:pt idx="36">
+                  <c:v>9.6074212456832058</c:v>
+                </c:pt>
+                <c:pt idx="37">
+                  <c:v>4.3146070076734446</c:v>
+                </c:pt>
+                <c:pt idx="38">
+                  <c:v>-4.6842279173675152</c:v>
+                </c:pt>
+                <c:pt idx="39">
+                  <c:v>-17.303773170635697</c:v>
+                </c:pt>
+                <c:pt idx="40">
+                  <c:v>-33.190351515164998</c:v>
+                </c:pt>
+                <c:pt idx="41">
+                  <c:v>-51.724327329322733</c:v>
+                </c:pt>
+                <c:pt idx="42">
+                  <c:v>-72.0391312341944</c:v>
+                </c:pt>
+                <c:pt idx="43">
+                  <c:v>-93.056529339227637</c:v>
+                </c:pt>
+                <c:pt idx="44">
+                  <c:v>-113.53699860399033</c:v>
+                </c:pt>
+                <c:pt idx="45">
+                  <c:v>-132.14332473079037</c:v>
+                </c:pt>
+                <c:pt idx="46">
+                  <c:v>-147.51483562667258</c:v>
+                </c:pt>
+                <c:pt idx="47">
+                  <c:v>-158.34904160741806</c:v>
+                </c:pt>
+                <c:pt idx="48">
+                  <c:v>-163.48689296409032</c:v>
+                </c:pt>
+                <c:pt idx="49">
+                  <c:v>-161.9974060778695</c:v>
+                </c:pt>
+                <c:pt idx="50">
+                  <c:v>-153.25707075485573</c:v>
+                </c:pt>
+                <c:pt idx="51">
+                  <c:v>-137.01925366267344</c:v>
+                </c:pt>
+                <c:pt idx="52">
+                  <c:v>-113.4687754885399</c:v>
+                </c:pt>
+                <c:pt idx="53">
+                  <c:v>-83.256982507435254</c:v>
+                </c:pt>
+                <c:pt idx="54">
+                  <c:v>-47.512976452600931</c:v>
+                </c:pt>
+                <c:pt idx="55">
+                  <c:v>-7.8272297222622527</c:v>
+                </c:pt>
+                <c:pt idx="56">
+                  <c:v>33.795384160314477</c:v>
+                </c:pt>
+                <c:pt idx="57">
+                  <c:v>75.015052488084336</c:v>
+                </c:pt>
+                <c:pt idx="58">
+                  <c:v>113.26954359075302</c:v>
+                </c:pt>
+                <c:pt idx="59">
+                  <c:v>145.91871028385208</c:v>
+                </c:pt>
+                <c:pt idx="60">
+                  <c:v>170.41794161156486</c:v>
+                </c:pt>
+                <c:pt idx="61">
+                  <c:v>184.51522930554222</c:v>
+                </c:pt>
+                <c:pt idx="62">
+                  <c:v>186.46385817663162</c:v>
+                </c:pt>
+                <c:pt idx="63">
+                  <c:v>175.23969408532508</c:v>
+                </c:pt>
+                <c:pt idx="64">
+                  <c:v>150.74860939628724</c:v>
+                </c:pt>
+                <c:pt idx="65">
+                  <c:v>114.00573410918662</c:v>
+                </c:pt>
+                <c:pt idx="66">
+                  <c:v>67.26393136863669</c:v>
+                </c:pt>
+                <c:pt idx="67">
+                  <c:v>14.064148987000571</c:v>
+                </c:pt>
+                <c:pt idx="68">
+                  <c:v>-40.824925838463919</c:v>
+                </c:pt>
+                <c:pt idx="69">
+                  <c:v>-91.616203071413679</c:v>
+                </c:pt>
+                <c:pt idx="70">
+                  <c:v>-131.90705073151167</c:v>
+                </c:pt>
+                <c:pt idx="71">
+                  <c:v>-155.3269886475727</c:v>
+                </c:pt>
+                <c:pt idx="72">
+                  <c:v>-156.48885559711476</c:v>
+                </c:pt>
+                <c:pt idx="73">
+                  <c:v>-132.30999878047982</c:v>
+                </c:pt>
+                <c:pt idx="74">
+                  <c:v>-83.778539202076956</c:v>
+                </c:pt>
+                <c:pt idx="75">
+                  <c:v>-18.248887162202728</c:v>
+                </c:pt>
+                <c:pt idx="76">
+                  <c:v>47.639561494477952</c:v>
+                </c:pt>
+                <c:pt idx="77">
+                  <c:v>84.316205671155274</c:v>
+                </c:pt>
+                <c:pt idx="78">
+                  <c:v>44.790065674792281</c:v>
+                </c:pt>
+                <c:pt idx="79">
+                  <c:v>-140.80955663734875</c:v>
+                </c:pt>
+                <c:pt idx="80">
+                  <c:v>-571.8022948135266</c:v>
+                </c:pt>
+              </c:numCache>
+            </c:numRef>
+          </c:yVal>
+          <c:smooth val="0"/>
+        </c:ser>
+        <c:dLbls>
+          <c:showLegendKey val="0"/>
+          <c:showVal val="0"/>
+          <c:showCatName val="0"/>
+          <c:showSerName val="0"/>
+          <c:showPercent val="0"/>
+          <c:showBubbleSize val="0"/>
+        </c:dLbls>
+        <c:axId val="240633152"/>
+        <c:axId val="289420928"/>
+      </c:scatterChart>
+      <c:valAx>
+        <c:axId val="240633152"/>
+        <c:scaling>
+          <c:orientation val="minMax"/>
+        </c:scaling>
+        <c:delete val="0"/>
+        <c:axPos val="b"/>
+        <c:majorGridlines>
+          <c:spPr>
+            <a:ln w="9525" cap="flat" cmpd="sng" algn="ctr">
+              <a:solidFill>
+                <a:schemeClr val="tx1">
+                  <a:lumMod val="15000"/>
+                  <a:lumOff val="85000"/>
+                </a:schemeClr>
+              </a:solidFill>
+              <a:round/>
+            </a:ln>
+            <a:effectLst/>
+          </c:spPr>
+        </c:majorGridlines>
+        <c:numFmt formatCode="General" sourceLinked="1"/>
+        <c:majorTickMark val="none"/>
+        <c:minorTickMark val="none"/>
+        <c:tickLblPos val="low"/>
+        <c:spPr>
+          <a:noFill/>
+          <a:ln w="9525" cap="flat" cmpd="sng" algn="ctr">
+            <a:solidFill>
+              <a:schemeClr val="tx1">
+                <a:lumMod val="25000"/>
+                <a:lumOff val="75000"/>
+              </a:schemeClr>
+            </a:solidFill>
+            <a:round/>
+          </a:ln>
+          <a:effectLst/>
+        </c:spPr>
+        <c:txPr>
+          <a:bodyPr rot="-60000000" spcFirstLastPara="1" vertOverflow="ellipsis" vert="horz" wrap="square" anchor="ctr" anchorCtr="1"/>
+          <a:lstStyle/>
+          <a:p>
+            <a:pPr>
+              <a:defRPr sz="1400" b="0" i="0" u="none" strike="noStrike" kern="1200" baseline="0">
+                <a:solidFill>
+                  <a:sysClr val="windowText" lastClr="000000"/>
+                </a:solidFill>
+                <a:latin typeface="+mn-lt"/>
+                <a:ea typeface="+mn-ea"/>
+                <a:cs typeface="+mn-cs"/>
+              </a:defRPr>
+            </a:pPr>
+            <a:endParaRPr lang="en-US"/>
+          </a:p>
+        </c:txPr>
+        <c:crossAx val="289420928"/>
+        <c:crosses val="autoZero"/>
+        <c:crossBetween val="midCat"/>
+      </c:valAx>
+      <c:valAx>
+        <c:axId val="289420928"/>
+        <c:scaling>
+          <c:orientation val="minMax"/>
+          <c:max val="400"/>
+          <c:min val="-600"/>
+        </c:scaling>
+        <c:delete val="0"/>
+        <c:axPos val="l"/>
+        <c:majorGridlines>
+          <c:spPr>
+            <a:ln w="9525" cap="flat" cmpd="sng" algn="ctr">
+              <a:solidFill>
+                <a:schemeClr val="tx1">
+                  <a:lumMod val="15000"/>
+                  <a:lumOff val="85000"/>
+                </a:schemeClr>
+              </a:solidFill>
+              <a:round/>
+            </a:ln>
+            <a:effectLst/>
+          </c:spPr>
+        </c:majorGridlines>
+        <c:numFmt formatCode="General" sourceLinked="1"/>
+        <c:majorTickMark val="none"/>
+        <c:minorTickMark val="none"/>
+        <c:tickLblPos val="low"/>
+        <c:spPr>
+          <a:noFill/>
+          <a:ln w="9525" cap="flat" cmpd="sng" algn="ctr">
+            <a:solidFill>
+              <a:schemeClr val="tx1">
+                <a:lumMod val="25000"/>
+                <a:lumOff val="75000"/>
+              </a:schemeClr>
+            </a:solidFill>
+            <a:round/>
+          </a:ln>
+          <a:effectLst/>
+        </c:spPr>
+        <c:txPr>
+          <a:bodyPr rot="-60000000" spcFirstLastPara="1" vertOverflow="ellipsis" vert="horz" wrap="square" anchor="ctr" anchorCtr="1"/>
+          <a:lstStyle/>
+          <a:p>
+            <a:pPr>
+              <a:defRPr sz="1400" b="0" i="0" u="none" strike="noStrike" kern="1200" baseline="0">
+                <a:solidFill>
+                  <a:sysClr val="windowText" lastClr="000000"/>
+                </a:solidFill>
+                <a:latin typeface="+mn-lt"/>
+                <a:ea typeface="+mn-ea"/>
+                <a:cs typeface="+mn-cs"/>
+              </a:defRPr>
+            </a:pPr>
+            <a:endParaRPr lang="en-US"/>
+          </a:p>
+        </c:txPr>
+        <c:crossAx val="240633152"/>
+        <c:crosses val="autoZero"/>
+        <c:crossBetween val="midCat"/>
+      </c:valAx>
+      <c:spPr>
+        <a:noFill/>
+        <a:ln>
+          <a:noFill/>
+        </a:ln>
+        <a:effectLst/>
+      </c:spPr>
+    </c:plotArea>
+    <c:plotVisOnly val="1"/>
+    <c:dispBlanksAs val="gap"/>
+    <c:showDLblsOverMax val="0"/>
+  </c:chart>
+  <c:spPr>
+    <a:noFill/>
+    <a:ln>
+      <a:noFill/>
     </a:ln>
     <a:effectLst/>
   </c:spPr>
@@ -2124,6 +4155,126 @@
 </cs:colorStyle>
 </file>
 
+<file path=ppt/charts/colors5.xml><?xml version="1.0" encoding="utf-8"?>
+<cs:colorStyle xmlns:cs="http://schemas.microsoft.com/office/drawing/2012/chartStyle" xmlns:a="http://schemas.openxmlformats.org/drawingml/2006/main" meth="cycle" id="10">
+  <a:schemeClr val="accent1"/>
+  <a:schemeClr val="accent2"/>
+  <a:schemeClr val="accent3"/>
+  <a:schemeClr val="accent4"/>
+  <a:schemeClr val="accent5"/>
+  <a:schemeClr val="accent6"/>
+  <cs:variation/>
+  <cs:variation>
+    <a:lumMod val="60000"/>
+  </cs:variation>
+  <cs:variation>
+    <a:lumMod val="80000"/>
+    <a:lumOff val="20000"/>
+  </cs:variation>
+  <cs:variation>
+    <a:lumMod val="80000"/>
+  </cs:variation>
+  <cs:variation>
+    <a:lumMod val="60000"/>
+    <a:lumOff val="40000"/>
+  </cs:variation>
+  <cs:variation>
+    <a:lumMod val="50000"/>
+  </cs:variation>
+  <cs:variation>
+    <a:lumMod val="70000"/>
+    <a:lumOff val="30000"/>
+  </cs:variation>
+  <cs:variation>
+    <a:lumMod val="70000"/>
+  </cs:variation>
+  <cs:variation>
+    <a:lumMod val="50000"/>
+    <a:lumOff val="50000"/>
+  </cs:variation>
+</cs:colorStyle>
+</file>
+
+<file path=ppt/charts/colors6.xml><?xml version="1.0" encoding="utf-8"?>
+<cs:colorStyle xmlns:cs="http://schemas.microsoft.com/office/drawing/2012/chartStyle" xmlns:a="http://schemas.openxmlformats.org/drawingml/2006/main" meth="cycle" id="10">
+  <a:schemeClr val="accent1"/>
+  <a:schemeClr val="accent2"/>
+  <a:schemeClr val="accent3"/>
+  <a:schemeClr val="accent4"/>
+  <a:schemeClr val="accent5"/>
+  <a:schemeClr val="accent6"/>
+  <cs:variation/>
+  <cs:variation>
+    <a:lumMod val="60000"/>
+  </cs:variation>
+  <cs:variation>
+    <a:lumMod val="80000"/>
+    <a:lumOff val="20000"/>
+  </cs:variation>
+  <cs:variation>
+    <a:lumMod val="80000"/>
+  </cs:variation>
+  <cs:variation>
+    <a:lumMod val="60000"/>
+    <a:lumOff val="40000"/>
+  </cs:variation>
+  <cs:variation>
+    <a:lumMod val="50000"/>
+  </cs:variation>
+  <cs:variation>
+    <a:lumMod val="70000"/>
+    <a:lumOff val="30000"/>
+  </cs:variation>
+  <cs:variation>
+    <a:lumMod val="70000"/>
+  </cs:variation>
+  <cs:variation>
+    <a:lumMod val="50000"/>
+    <a:lumOff val="50000"/>
+  </cs:variation>
+</cs:colorStyle>
+</file>
+
+<file path=ppt/charts/colors7.xml><?xml version="1.0" encoding="utf-8"?>
+<cs:colorStyle xmlns:cs="http://schemas.microsoft.com/office/drawing/2012/chartStyle" xmlns:a="http://schemas.openxmlformats.org/drawingml/2006/main" meth="cycle" id="10">
+  <a:schemeClr val="accent1"/>
+  <a:schemeClr val="accent2"/>
+  <a:schemeClr val="accent3"/>
+  <a:schemeClr val="accent4"/>
+  <a:schemeClr val="accent5"/>
+  <a:schemeClr val="accent6"/>
+  <cs:variation/>
+  <cs:variation>
+    <a:lumMod val="60000"/>
+  </cs:variation>
+  <cs:variation>
+    <a:lumMod val="80000"/>
+    <a:lumOff val="20000"/>
+  </cs:variation>
+  <cs:variation>
+    <a:lumMod val="80000"/>
+  </cs:variation>
+  <cs:variation>
+    <a:lumMod val="60000"/>
+    <a:lumOff val="40000"/>
+  </cs:variation>
+  <cs:variation>
+    <a:lumMod val="50000"/>
+  </cs:variation>
+  <cs:variation>
+    <a:lumMod val="70000"/>
+    <a:lumOff val="30000"/>
+  </cs:variation>
+  <cs:variation>
+    <a:lumMod val="70000"/>
+  </cs:variation>
+  <cs:variation>
+    <a:lumMod val="50000"/>
+    <a:lumOff val="50000"/>
+  </cs:variation>
+</cs:colorStyle>
+</file>
+
 <file path=ppt/charts/style1.xml><?xml version="1.0" encoding="utf-8"?>
 <cs:chartStyle xmlns:cs="http://schemas.microsoft.com/office/drawing/2012/chartStyle" xmlns:a="http://schemas.openxmlformats.org/drawingml/2006/main" id="240">
   <cs:axisTitle>
@@ -3673,6 +5824,1554 @@
 </file>
 
 <file path=ppt/charts/style4.xml><?xml version="1.0" encoding="utf-8"?>
+<cs:chartStyle xmlns:cs="http://schemas.microsoft.com/office/drawing/2012/chartStyle" xmlns:a="http://schemas.openxmlformats.org/drawingml/2006/main" id="240">
+  <cs:axisTitle>
+    <cs:lnRef idx="0"/>
+    <cs:fillRef idx="0"/>
+    <cs:effectRef idx="0"/>
+    <cs:fontRef idx="minor">
+      <a:schemeClr val="tx1">
+        <a:lumMod val="65000"/>
+        <a:lumOff val="35000"/>
+      </a:schemeClr>
+    </cs:fontRef>
+    <cs:defRPr sz="1000" kern="1200"/>
+  </cs:axisTitle>
+  <cs:categoryAxis>
+    <cs:lnRef idx="0"/>
+    <cs:fillRef idx="0"/>
+    <cs:effectRef idx="0"/>
+    <cs:fontRef idx="minor">
+      <a:schemeClr val="tx1">
+        <a:lumMod val="65000"/>
+        <a:lumOff val="35000"/>
+      </a:schemeClr>
+    </cs:fontRef>
+    <cs:spPr>
+      <a:ln w="9525" cap="flat" cmpd="sng" algn="ctr">
+        <a:solidFill>
+          <a:schemeClr val="tx1">
+            <a:lumMod val="25000"/>
+            <a:lumOff val="75000"/>
+          </a:schemeClr>
+        </a:solidFill>
+        <a:round/>
+      </a:ln>
+    </cs:spPr>
+    <cs:defRPr sz="900" kern="1200"/>
+  </cs:categoryAxis>
+  <cs:chartArea mods="allowNoFillOverride allowNoLineOverride">
+    <cs:lnRef idx="0"/>
+    <cs:fillRef idx="0"/>
+    <cs:effectRef idx="0"/>
+    <cs:fontRef idx="minor">
+      <a:schemeClr val="tx1"/>
+    </cs:fontRef>
+    <cs:spPr>
+      <a:solidFill>
+        <a:schemeClr val="bg1"/>
+      </a:solidFill>
+      <a:ln w="9525" cap="flat" cmpd="sng" algn="ctr">
+        <a:solidFill>
+          <a:schemeClr val="tx1">
+            <a:lumMod val="15000"/>
+            <a:lumOff val="85000"/>
+          </a:schemeClr>
+        </a:solidFill>
+        <a:round/>
+      </a:ln>
+    </cs:spPr>
+    <cs:defRPr sz="1000" kern="1200"/>
+  </cs:chartArea>
+  <cs:dataLabel>
+    <cs:lnRef idx="0"/>
+    <cs:fillRef idx="0"/>
+    <cs:effectRef idx="0"/>
+    <cs:fontRef idx="minor">
+      <a:schemeClr val="tx1">
+        <a:lumMod val="75000"/>
+        <a:lumOff val="25000"/>
+      </a:schemeClr>
+    </cs:fontRef>
+    <cs:defRPr sz="900" kern="1200"/>
+  </cs:dataLabel>
+  <cs:dataLabelCallout>
+    <cs:lnRef idx="0"/>
+    <cs:fillRef idx="0"/>
+    <cs:effectRef idx="0"/>
+    <cs:fontRef idx="minor">
+      <a:schemeClr val="dk1">
+        <a:lumMod val="65000"/>
+        <a:lumOff val="35000"/>
+      </a:schemeClr>
+    </cs:fontRef>
+    <cs:spPr>
+      <a:solidFill>
+        <a:schemeClr val="lt1"/>
+      </a:solidFill>
+      <a:ln>
+        <a:solidFill>
+          <a:schemeClr val="dk1">
+            <a:lumMod val="25000"/>
+            <a:lumOff val="75000"/>
+          </a:schemeClr>
+        </a:solidFill>
+      </a:ln>
+    </cs:spPr>
+    <cs:defRPr sz="900" kern="1200"/>
+    <cs:bodyPr rot="0" spcFirstLastPara="1" vertOverflow="clip" horzOverflow="clip" vert="horz" wrap="square" lIns="36576" tIns="18288" rIns="36576" bIns="18288" anchor="ctr" anchorCtr="1">
+      <a:spAutoFit/>
+    </cs:bodyPr>
+  </cs:dataLabelCallout>
+  <cs:dataPoint>
+    <cs:lnRef idx="0"/>
+    <cs:fillRef idx="1">
+      <cs:styleClr val="auto"/>
+    </cs:fillRef>
+    <cs:effectRef idx="0"/>
+    <cs:fontRef idx="minor">
+      <a:schemeClr val="tx1"/>
+    </cs:fontRef>
+  </cs:dataPoint>
+  <cs:dataPoint3D>
+    <cs:lnRef idx="0"/>
+    <cs:fillRef idx="1">
+      <cs:styleClr val="auto"/>
+    </cs:fillRef>
+    <cs:effectRef idx="0"/>
+    <cs:fontRef idx="minor">
+      <a:schemeClr val="tx1"/>
+    </cs:fontRef>
+  </cs:dataPoint3D>
+  <cs:dataPointLine>
+    <cs:lnRef idx="0">
+      <cs:styleClr val="auto"/>
+    </cs:lnRef>
+    <cs:fillRef idx="1"/>
+    <cs:effectRef idx="0"/>
+    <cs:fontRef idx="minor">
+      <a:schemeClr val="tx1"/>
+    </cs:fontRef>
+    <cs:spPr>
+      <a:ln w="19050" cap="rnd">
+        <a:solidFill>
+          <a:schemeClr val="phClr"/>
+        </a:solidFill>
+        <a:round/>
+      </a:ln>
+    </cs:spPr>
+  </cs:dataPointLine>
+  <cs:dataPointMarker>
+    <cs:lnRef idx="0">
+      <cs:styleClr val="auto"/>
+    </cs:lnRef>
+    <cs:fillRef idx="1">
+      <cs:styleClr val="auto"/>
+    </cs:fillRef>
+    <cs:effectRef idx="0"/>
+    <cs:fontRef idx="minor">
+      <a:schemeClr val="tx1"/>
+    </cs:fontRef>
+    <cs:spPr>
+      <a:ln w="9525">
+        <a:solidFill>
+          <a:schemeClr val="phClr"/>
+        </a:solidFill>
+      </a:ln>
+    </cs:spPr>
+  </cs:dataPointMarker>
+  <cs:dataPointMarkerLayout symbol="circle" size="5"/>
+  <cs:dataPointWireframe>
+    <cs:lnRef idx="0">
+      <cs:styleClr val="auto"/>
+    </cs:lnRef>
+    <cs:fillRef idx="0"/>
+    <cs:effectRef idx="0"/>
+    <cs:fontRef idx="minor">
+      <a:schemeClr val="dk1"/>
+    </cs:fontRef>
+    <cs:spPr>
+      <a:ln w="9525" cap="rnd">
+        <a:solidFill>
+          <a:schemeClr val="phClr"/>
+        </a:solidFill>
+        <a:round/>
+      </a:ln>
+    </cs:spPr>
+  </cs:dataPointWireframe>
+  <cs:dataTable>
+    <cs:lnRef idx="0"/>
+    <cs:fillRef idx="0"/>
+    <cs:effectRef idx="0"/>
+    <cs:fontRef idx="minor">
+      <a:schemeClr val="tx1">
+        <a:lumMod val="65000"/>
+        <a:lumOff val="35000"/>
+      </a:schemeClr>
+    </cs:fontRef>
+    <cs:spPr>
+      <a:noFill/>
+      <a:ln w="9525" cap="flat" cmpd="sng" algn="ctr">
+        <a:solidFill>
+          <a:schemeClr val="tx1">
+            <a:lumMod val="15000"/>
+            <a:lumOff val="85000"/>
+          </a:schemeClr>
+        </a:solidFill>
+        <a:round/>
+      </a:ln>
+    </cs:spPr>
+    <cs:defRPr sz="900" kern="1200"/>
+  </cs:dataTable>
+  <cs:downBar>
+    <cs:lnRef idx="0"/>
+    <cs:fillRef idx="0"/>
+    <cs:effectRef idx="0"/>
+    <cs:fontRef idx="minor">
+      <a:schemeClr val="tx1"/>
+    </cs:fontRef>
+    <cs:spPr>
+      <a:solidFill>
+        <a:schemeClr val="dk1">
+          <a:lumMod val="75000"/>
+          <a:lumOff val="25000"/>
+        </a:schemeClr>
+      </a:solidFill>
+      <a:ln w="9525" cap="flat" cmpd="sng" algn="ctr">
+        <a:solidFill>
+          <a:schemeClr val="tx1">
+            <a:lumMod val="65000"/>
+            <a:lumOff val="35000"/>
+          </a:schemeClr>
+        </a:solidFill>
+        <a:round/>
+      </a:ln>
+    </cs:spPr>
+  </cs:downBar>
+  <cs:dropLine>
+    <cs:lnRef idx="0"/>
+    <cs:fillRef idx="0"/>
+    <cs:effectRef idx="0"/>
+    <cs:fontRef idx="minor">
+      <a:schemeClr val="tx1"/>
+    </cs:fontRef>
+    <cs:spPr>
+      <a:ln w="9525" cap="flat" cmpd="sng" algn="ctr">
+        <a:solidFill>
+          <a:schemeClr val="tx1">
+            <a:lumMod val="35000"/>
+            <a:lumOff val="65000"/>
+          </a:schemeClr>
+        </a:solidFill>
+        <a:round/>
+      </a:ln>
+    </cs:spPr>
+  </cs:dropLine>
+  <cs:errorBar>
+    <cs:lnRef idx="0"/>
+    <cs:fillRef idx="0"/>
+    <cs:effectRef idx="0"/>
+    <cs:fontRef idx="minor">
+      <a:schemeClr val="tx1"/>
+    </cs:fontRef>
+    <cs:spPr>
+      <a:ln w="9525" cap="flat" cmpd="sng" algn="ctr">
+        <a:solidFill>
+          <a:schemeClr val="tx1">
+            <a:lumMod val="65000"/>
+            <a:lumOff val="35000"/>
+          </a:schemeClr>
+        </a:solidFill>
+        <a:round/>
+      </a:ln>
+    </cs:spPr>
+  </cs:errorBar>
+  <cs:floor>
+    <cs:lnRef idx="0"/>
+    <cs:fillRef idx="0"/>
+    <cs:effectRef idx="0"/>
+    <cs:fontRef idx="minor">
+      <a:schemeClr val="tx1"/>
+    </cs:fontRef>
+    <cs:spPr>
+      <a:noFill/>
+      <a:ln>
+        <a:noFill/>
+      </a:ln>
+    </cs:spPr>
+  </cs:floor>
+  <cs:gridlineMajor>
+    <cs:lnRef idx="0"/>
+    <cs:fillRef idx="0"/>
+    <cs:effectRef idx="0"/>
+    <cs:fontRef idx="minor">
+      <a:schemeClr val="tx1"/>
+    </cs:fontRef>
+    <cs:spPr>
+      <a:ln w="9525" cap="flat" cmpd="sng" algn="ctr">
+        <a:solidFill>
+          <a:schemeClr val="tx1">
+            <a:lumMod val="15000"/>
+            <a:lumOff val="85000"/>
+          </a:schemeClr>
+        </a:solidFill>
+        <a:round/>
+      </a:ln>
+    </cs:spPr>
+  </cs:gridlineMajor>
+  <cs:gridlineMinor>
+    <cs:lnRef idx="0"/>
+    <cs:fillRef idx="0"/>
+    <cs:effectRef idx="0"/>
+    <cs:fontRef idx="minor">
+      <a:schemeClr val="tx1"/>
+    </cs:fontRef>
+    <cs:spPr>
+      <a:ln w="9525" cap="flat" cmpd="sng" algn="ctr">
+        <a:solidFill>
+          <a:schemeClr val="tx1">
+            <a:lumMod val="5000"/>
+            <a:lumOff val="95000"/>
+          </a:schemeClr>
+        </a:solidFill>
+        <a:round/>
+      </a:ln>
+    </cs:spPr>
+  </cs:gridlineMinor>
+  <cs:hiLoLine>
+    <cs:lnRef idx="0"/>
+    <cs:fillRef idx="0"/>
+    <cs:effectRef idx="0"/>
+    <cs:fontRef idx="minor">
+      <a:schemeClr val="tx1"/>
+    </cs:fontRef>
+    <cs:spPr>
+      <a:ln w="9525" cap="flat" cmpd="sng" algn="ctr">
+        <a:solidFill>
+          <a:schemeClr val="tx1">
+            <a:lumMod val="50000"/>
+            <a:lumOff val="50000"/>
+          </a:schemeClr>
+        </a:solidFill>
+        <a:round/>
+      </a:ln>
+    </cs:spPr>
+  </cs:hiLoLine>
+  <cs:leaderLine>
+    <cs:lnRef idx="0"/>
+    <cs:fillRef idx="0"/>
+    <cs:effectRef idx="0"/>
+    <cs:fontRef idx="minor">
+      <a:schemeClr val="tx1"/>
+    </cs:fontRef>
+    <cs:spPr>
+      <a:ln w="9525" cap="flat" cmpd="sng" algn="ctr">
+        <a:solidFill>
+          <a:schemeClr val="tx1">
+            <a:lumMod val="35000"/>
+            <a:lumOff val="65000"/>
+          </a:schemeClr>
+        </a:solidFill>
+        <a:round/>
+      </a:ln>
+    </cs:spPr>
+  </cs:leaderLine>
+  <cs:legend>
+    <cs:lnRef idx="0"/>
+    <cs:fillRef idx="0"/>
+    <cs:effectRef idx="0"/>
+    <cs:fontRef idx="minor">
+      <a:schemeClr val="tx1">
+        <a:lumMod val="65000"/>
+        <a:lumOff val="35000"/>
+      </a:schemeClr>
+    </cs:fontRef>
+    <cs:defRPr sz="900" kern="1200"/>
+  </cs:legend>
+  <cs:plotArea mods="allowNoFillOverride allowNoLineOverride">
+    <cs:lnRef idx="0"/>
+    <cs:fillRef idx="0"/>
+    <cs:effectRef idx="0"/>
+    <cs:fontRef idx="minor">
+      <a:schemeClr val="tx1"/>
+    </cs:fontRef>
+  </cs:plotArea>
+  <cs:plotArea3D mods="allowNoFillOverride allowNoLineOverride">
+    <cs:lnRef idx="0"/>
+    <cs:fillRef idx="0"/>
+    <cs:effectRef idx="0"/>
+    <cs:fontRef idx="minor">
+      <a:schemeClr val="tx1"/>
+    </cs:fontRef>
+  </cs:plotArea3D>
+  <cs:seriesAxis>
+    <cs:lnRef idx="0"/>
+    <cs:fillRef idx="0"/>
+    <cs:effectRef idx="0"/>
+    <cs:fontRef idx="minor">
+      <a:schemeClr val="tx1">
+        <a:lumMod val="65000"/>
+        <a:lumOff val="35000"/>
+      </a:schemeClr>
+    </cs:fontRef>
+    <cs:defRPr sz="900" kern="1200"/>
+  </cs:seriesAxis>
+  <cs:seriesLine>
+    <cs:lnRef idx="0"/>
+    <cs:fillRef idx="0"/>
+    <cs:effectRef idx="0"/>
+    <cs:fontRef idx="minor">
+      <a:schemeClr val="tx1"/>
+    </cs:fontRef>
+    <cs:spPr>
+      <a:ln w="9525" cap="flat" cmpd="sng" algn="ctr">
+        <a:solidFill>
+          <a:schemeClr val="tx1">
+            <a:lumMod val="35000"/>
+            <a:lumOff val="65000"/>
+          </a:schemeClr>
+        </a:solidFill>
+        <a:round/>
+      </a:ln>
+    </cs:spPr>
+  </cs:seriesLine>
+  <cs:title>
+    <cs:lnRef idx="0"/>
+    <cs:fillRef idx="0"/>
+    <cs:effectRef idx="0"/>
+    <cs:fontRef idx="minor">
+      <a:schemeClr val="tx1">
+        <a:lumMod val="65000"/>
+        <a:lumOff val="35000"/>
+      </a:schemeClr>
+    </cs:fontRef>
+    <cs:defRPr sz="1400" b="0" kern="1200" spc="0" baseline="0"/>
+  </cs:title>
+  <cs:trendline>
+    <cs:lnRef idx="0">
+      <cs:styleClr val="auto"/>
+    </cs:lnRef>
+    <cs:fillRef idx="0"/>
+    <cs:effectRef idx="0"/>
+    <cs:fontRef idx="minor">
+      <a:schemeClr val="tx1"/>
+    </cs:fontRef>
+    <cs:spPr>
+      <a:ln w="19050" cap="rnd">
+        <a:solidFill>
+          <a:schemeClr val="phClr"/>
+        </a:solidFill>
+        <a:prstDash val="sysDot"/>
+      </a:ln>
+    </cs:spPr>
+  </cs:trendline>
+  <cs:trendlineLabel>
+    <cs:lnRef idx="0"/>
+    <cs:fillRef idx="0"/>
+    <cs:effectRef idx="0"/>
+    <cs:fontRef idx="minor">
+      <a:schemeClr val="tx1">
+        <a:lumMod val="65000"/>
+        <a:lumOff val="35000"/>
+      </a:schemeClr>
+    </cs:fontRef>
+    <cs:defRPr sz="900" kern="1200"/>
+  </cs:trendlineLabel>
+  <cs:upBar>
+    <cs:lnRef idx="0"/>
+    <cs:fillRef idx="0"/>
+    <cs:effectRef idx="0"/>
+    <cs:fontRef idx="minor">
+      <a:schemeClr val="tx1"/>
+    </cs:fontRef>
+    <cs:spPr>
+      <a:solidFill>
+        <a:schemeClr val="lt1"/>
+      </a:solidFill>
+      <a:ln w="9525" cap="flat" cmpd="sng" algn="ctr">
+        <a:solidFill>
+          <a:schemeClr val="tx1">
+            <a:lumMod val="65000"/>
+            <a:lumOff val="35000"/>
+          </a:schemeClr>
+        </a:solidFill>
+        <a:round/>
+      </a:ln>
+    </cs:spPr>
+  </cs:upBar>
+  <cs:valueAxis>
+    <cs:lnRef idx="0"/>
+    <cs:fillRef idx="0"/>
+    <cs:effectRef idx="0"/>
+    <cs:fontRef idx="minor">
+      <a:schemeClr val="tx1">
+        <a:lumMod val="65000"/>
+        <a:lumOff val="35000"/>
+      </a:schemeClr>
+    </cs:fontRef>
+    <cs:spPr>
+      <a:ln w="9525" cap="flat" cmpd="sng" algn="ctr">
+        <a:solidFill>
+          <a:schemeClr val="tx1">
+            <a:lumMod val="25000"/>
+            <a:lumOff val="75000"/>
+          </a:schemeClr>
+        </a:solidFill>
+        <a:round/>
+      </a:ln>
+    </cs:spPr>
+    <cs:defRPr sz="900" kern="1200"/>
+  </cs:valueAxis>
+  <cs:wall>
+    <cs:lnRef idx="0"/>
+    <cs:fillRef idx="0"/>
+    <cs:effectRef idx="0"/>
+    <cs:fontRef idx="minor">
+      <a:schemeClr val="tx1"/>
+    </cs:fontRef>
+    <cs:spPr>
+      <a:noFill/>
+      <a:ln>
+        <a:noFill/>
+      </a:ln>
+    </cs:spPr>
+  </cs:wall>
+</cs:chartStyle>
+</file>
+
+<file path=ppt/charts/style5.xml><?xml version="1.0" encoding="utf-8"?>
+<cs:chartStyle xmlns:cs="http://schemas.microsoft.com/office/drawing/2012/chartStyle" xmlns:a="http://schemas.openxmlformats.org/drawingml/2006/main" id="240">
+  <cs:axisTitle>
+    <cs:lnRef idx="0"/>
+    <cs:fillRef idx="0"/>
+    <cs:effectRef idx="0"/>
+    <cs:fontRef idx="minor">
+      <a:schemeClr val="tx1">
+        <a:lumMod val="65000"/>
+        <a:lumOff val="35000"/>
+      </a:schemeClr>
+    </cs:fontRef>
+    <cs:defRPr sz="1000" kern="1200"/>
+  </cs:axisTitle>
+  <cs:categoryAxis>
+    <cs:lnRef idx="0"/>
+    <cs:fillRef idx="0"/>
+    <cs:effectRef idx="0"/>
+    <cs:fontRef idx="minor">
+      <a:schemeClr val="tx1">
+        <a:lumMod val="65000"/>
+        <a:lumOff val="35000"/>
+      </a:schemeClr>
+    </cs:fontRef>
+    <cs:spPr>
+      <a:ln w="9525" cap="flat" cmpd="sng" algn="ctr">
+        <a:solidFill>
+          <a:schemeClr val="tx1">
+            <a:lumMod val="25000"/>
+            <a:lumOff val="75000"/>
+          </a:schemeClr>
+        </a:solidFill>
+        <a:round/>
+      </a:ln>
+    </cs:spPr>
+    <cs:defRPr sz="900" kern="1200"/>
+  </cs:categoryAxis>
+  <cs:chartArea mods="allowNoFillOverride allowNoLineOverride">
+    <cs:lnRef idx="0"/>
+    <cs:fillRef idx="0"/>
+    <cs:effectRef idx="0"/>
+    <cs:fontRef idx="minor">
+      <a:schemeClr val="tx1"/>
+    </cs:fontRef>
+    <cs:spPr>
+      <a:solidFill>
+        <a:schemeClr val="bg1"/>
+      </a:solidFill>
+      <a:ln w="9525" cap="flat" cmpd="sng" algn="ctr">
+        <a:solidFill>
+          <a:schemeClr val="tx1">
+            <a:lumMod val="15000"/>
+            <a:lumOff val="85000"/>
+          </a:schemeClr>
+        </a:solidFill>
+        <a:round/>
+      </a:ln>
+    </cs:spPr>
+    <cs:defRPr sz="1000" kern="1200"/>
+  </cs:chartArea>
+  <cs:dataLabel>
+    <cs:lnRef idx="0"/>
+    <cs:fillRef idx="0"/>
+    <cs:effectRef idx="0"/>
+    <cs:fontRef idx="minor">
+      <a:schemeClr val="tx1">
+        <a:lumMod val="75000"/>
+        <a:lumOff val="25000"/>
+      </a:schemeClr>
+    </cs:fontRef>
+    <cs:defRPr sz="900" kern="1200"/>
+  </cs:dataLabel>
+  <cs:dataLabelCallout>
+    <cs:lnRef idx="0"/>
+    <cs:fillRef idx="0"/>
+    <cs:effectRef idx="0"/>
+    <cs:fontRef idx="minor">
+      <a:schemeClr val="dk1">
+        <a:lumMod val="65000"/>
+        <a:lumOff val="35000"/>
+      </a:schemeClr>
+    </cs:fontRef>
+    <cs:spPr>
+      <a:solidFill>
+        <a:schemeClr val="lt1"/>
+      </a:solidFill>
+      <a:ln>
+        <a:solidFill>
+          <a:schemeClr val="dk1">
+            <a:lumMod val="25000"/>
+            <a:lumOff val="75000"/>
+          </a:schemeClr>
+        </a:solidFill>
+      </a:ln>
+    </cs:spPr>
+    <cs:defRPr sz="900" kern="1200"/>
+    <cs:bodyPr rot="0" spcFirstLastPara="1" vertOverflow="clip" horzOverflow="clip" vert="horz" wrap="square" lIns="36576" tIns="18288" rIns="36576" bIns="18288" anchor="ctr" anchorCtr="1">
+      <a:spAutoFit/>
+    </cs:bodyPr>
+  </cs:dataLabelCallout>
+  <cs:dataPoint>
+    <cs:lnRef idx="0"/>
+    <cs:fillRef idx="1">
+      <cs:styleClr val="auto"/>
+    </cs:fillRef>
+    <cs:effectRef idx="0"/>
+    <cs:fontRef idx="minor">
+      <a:schemeClr val="tx1"/>
+    </cs:fontRef>
+  </cs:dataPoint>
+  <cs:dataPoint3D>
+    <cs:lnRef idx="0"/>
+    <cs:fillRef idx="1">
+      <cs:styleClr val="auto"/>
+    </cs:fillRef>
+    <cs:effectRef idx="0"/>
+    <cs:fontRef idx="minor">
+      <a:schemeClr val="tx1"/>
+    </cs:fontRef>
+  </cs:dataPoint3D>
+  <cs:dataPointLine>
+    <cs:lnRef idx="0">
+      <cs:styleClr val="auto"/>
+    </cs:lnRef>
+    <cs:fillRef idx="1"/>
+    <cs:effectRef idx="0"/>
+    <cs:fontRef idx="minor">
+      <a:schemeClr val="tx1"/>
+    </cs:fontRef>
+    <cs:spPr>
+      <a:ln w="19050" cap="rnd">
+        <a:solidFill>
+          <a:schemeClr val="phClr"/>
+        </a:solidFill>
+        <a:round/>
+      </a:ln>
+    </cs:spPr>
+  </cs:dataPointLine>
+  <cs:dataPointMarker>
+    <cs:lnRef idx="0">
+      <cs:styleClr val="auto"/>
+    </cs:lnRef>
+    <cs:fillRef idx="1">
+      <cs:styleClr val="auto"/>
+    </cs:fillRef>
+    <cs:effectRef idx="0"/>
+    <cs:fontRef idx="minor">
+      <a:schemeClr val="tx1"/>
+    </cs:fontRef>
+    <cs:spPr>
+      <a:ln w="9525">
+        <a:solidFill>
+          <a:schemeClr val="phClr"/>
+        </a:solidFill>
+      </a:ln>
+    </cs:spPr>
+  </cs:dataPointMarker>
+  <cs:dataPointMarkerLayout symbol="circle" size="5"/>
+  <cs:dataPointWireframe>
+    <cs:lnRef idx="0">
+      <cs:styleClr val="auto"/>
+    </cs:lnRef>
+    <cs:fillRef idx="0"/>
+    <cs:effectRef idx="0"/>
+    <cs:fontRef idx="minor">
+      <a:schemeClr val="dk1"/>
+    </cs:fontRef>
+    <cs:spPr>
+      <a:ln w="9525" cap="rnd">
+        <a:solidFill>
+          <a:schemeClr val="phClr"/>
+        </a:solidFill>
+        <a:round/>
+      </a:ln>
+    </cs:spPr>
+  </cs:dataPointWireframe>
+  <cs:dataTable>
+    <cs:lnRef idx="0"/>
+    <cs:fillRef idx="0"/>
+    <cs:effectRef idx="0"/>
+    <cs:fontRef idx="minor">
+      <a:schemeClr val="tx1">
+        <a:lumMod val="65000"/>
+        <a:lumOff val="35000"/>
+      </a:schemeClr>
+    </cs:fontRef>
+    <cs:spPr>
+      <a:noFill/>
+      <a:ln w="9525" cap="flat" cmpd="sng" algn="ctr">
+        <a:solidFill>
+          <a:schemeClr val="tx1">
+            <a:lumMod val="15000"/>
+            <a:lumOff val="85000"/>
+          </a:schemeClr>
+        </a:solidFill>
+        <a:round/>
+      </a:ln>
+    </cs:spPr>
+    <cs:defRPr sz="900" kern="1200"/>
+  </cs:dataTable>
+  <cs:downBar>
+    <cs:lnRef idx="0"/>
+    <cs:fillRef idx="0"/>
+    <cs:effectRef idx="0"/>
+    <cs:fontRef idx="minor">
+      <a:schemeClr val="tx1"/>
+    </cs:fontRef>
+    <cs:spPr>
+      <a:solidFill>
+        <a:schemeClr val="dk1">
+          <a:lumMod val="75000"/>
+          <a:lumOff val="25000"/>
+        </a:schemeClr>
+      </a:solidFill>
+      <a:ln w="9525" cap="flat" cmpd="sng" algn="ctr">
+        <a:solidFill>
+          <a:schemeClr val="tx1">
+            <a:lumMod val="65000"/>
+            <a:lumOff val="35000"/>
+          </a:schemeClr>
+        </a:solidFill>
+        <a:round/>
+      </a:ln>
+    </cs:spPr>
+  </cs:downBar>
+  <cs:dropLine>
+    <cs:lnRef idx="0"/>
+    <cs:fillRef idx="0"/>
+    <cs:effectRef idx="0"/>
+    <cs:fontRef idx="minor">
+      <a:schemeClr val="tx1"/>
+    </cs:fontRef>
+    <cs:spPr>
+      <a:ln w="9525" cap="flat" cmpd="sng" algn="ctr">
+        <a:solidFill>
+          <a:schemeClr val="tx1">
+            <a:lumMod val="35000"/>
+            <a:lumOff val="65000"/>
+          </a:schemeClr>
+        </a:solidFill>
+        <a:round/>
+      </a:ln>
+    </cs:spPr>
+  </cs:dropLine>
+  <cs:errorBar>
+    <cs:lnRef idx="0"/>
+    <cs:fillRef idx="0"/>
+    <cs:effectRef idx="0"/>
+    <cs:fontRef idx="minor">
+      <a:schemeClr val="tx1"/>
+    </cs:fontRef>
+    <cs:spPr>
+      <a:ln w="9525" cap="flat" cmpd="sng" algn="ctr">
+        <a:solidFill>
+          <a:schemeClr val="tx1">
+            <a:lumMod val="65000"/>
+            <a:lumOff val="35000"/>
+          </a:schemeClr>
+        </a:solidFill>
+        <a:round/>
+      </a:ln>
+    </cs:spPr>
+  </cs:errorBar>
+  <cs:floor>
+    <cs:lnRef idx="0"/>
+    <cs:fillRef idx="0"/>
+    <cs:effectRef idx="0"/>
+    <cs:fontRef idx="minor">
+      <a:schemeClr val="tx1"/>
+    </cs:fontRef>
+    <cs:spPr>
+      <a:noFill/>
+      <a:ln>
+        <a:noFill/>
+      </a:ln>
+    </cs:spPr>
+  </cs:floor>
+  <cs:gridlineMajor>
+    <cs:lnRef idx="0"/>
+    <cs:fillRef idx="0"/>
+    <cs:effectRef idx="0"/>
+    <cs:fontRef idx="minor">
+      <a:schemeClr val="tx1"/>
+    </cs:fontRef>
+    <cs:spPr>
+      <a:ln w="9525" cap="flat" cmpd="sng" algn="ctr">
+        <a:solidFill>
+          <a:schemeClr val="tx1">
+            <a:lumMod val="15000"/>
+            <a:lumOff val="85000"/>
+          </a:schemeClr>
+        </a:solidFill>
+        <a:round/>
+      </a:ln>
+    </cs:spPr>
+  </cs:gridlineMajor>
+  <cs:gridlineMinor>
+    <cs:lnRef idx="0"/>
+    <cs:fillRef idx="0"/>
+    <cs:effectRef idx="0"/>
+    <cs:fontRef idx="minor">
+      <a:schemeClr val="tx1"/>
+    </cs:fontRef>
+    <cs:spPr>
+      <a:ln w="9525" cap="flat" cmpd="sng" algn="ctr">
+        <a:solidFill>
+          <a:schemeClr val="tx1">
+            <a:lumMod val="5000"/>
+            <a:lumOff val="95000"/>
+          </a:schemeClr>
+        </a:solidFill>
+        <a:round/>
+      </a:ln>
+    </cs:spPr>
+  </cs:gridlineMinor>
+  <cs:hiLoLine>
+    <cs:lnRef idx="0"/>
+    <cs:fillRef idx="0"/>
+    <cs:effectRef idx="0"/>
+    <cs:fontRef idx="minor">
+      <a:schemeClr val="tx1"/>
+    </cs:fontRef>
+    <cs:spPr>
+      <a:ln w="9525" cap="flat" cmpd="sng" algn="ctr">
+        <a:solidFill>
+          <a:schemeClr val="tx1">
+            <a:lumMod val="50000"/>
+            <a:lumOff val="50000"/>
+          </a:schemeClr>
+        </a:solidFill>
+        <a:round/>
+      </a:ln>
+    </cs:spPr>
+  </cs:hiLoLine>
+  <cs:leaderLine>
+    <cs:lnRef idx="0"/>
+    <cs:fillRef idx="0"/>
+    <cs:effectRef idx="0"/>
+    <cs:fontRef idx="minor">
+      <a:schemeClr val="tx1"/>
+    </cs:fontRef>
+    <cs:spPr>
+      <a:ln w="9525" cap="flat" cmpd="sng" algn="ctr">
+        <a:solidFill>
+          <a:schemeClr val="tx1">
+            <a:lumMod val="35000"/>
+            <a:lumOff val="65000"/>
+          </a:schemeClr>
+        </a:solidFill>
+        <a:round/>
+      </a:ln>
+    </cs:spPr>
+  </cs:leaderLine>
+  <cs:legend>
+    <cs:lnRef idx="0"/>
+    <cs:fillRef idx="0"/>
+    <cs:effectRef idx="0"/>
+    <cs:fontRef idx="minor">
+      <a:schemeClr val="tx1">
+        <a:lumMod val="65000"/>
+        <a:lumOff val="35000"/>
+      </a:schemeClr>
+    </cs:fontRef>
+    <cs:defRPr sz="900" kern="1200"/>
+  </cs:legend>
+  <cs:plotArea mods="allowNoFillOverride allowNoLineOverride">
+    <cs:lnRef idx="0"/>
+    <cs:fillRef idx="0"/>
+    <cs:effectRef idx="0"/>
+    <cs:fontRef idx="minor">
+      <a:schemeClr val="tx1"/>
+    </cs:fontRef>
+  </cs:plotArea>
+  <cs:plotArea3D mods="allowNoFillOverride allowNoLineOverride">
+    <cs:lnRef idx="0"/>
+    <cs:fillRef idx="0"/>
+    <cs:effectRef idx="0"/>
+    <cs:fontRef idx="minor">
+      <a:schemeClr val="tx1"/>
+    </cs:fontRef>
+  </cs:plotArea3D>
+  <cs:seriesAxis>
+    <cs:lnRef idx="0"/>
+    <cs:fillRef idx="0"/>
+    <cs:effectRef idx="0"/>
+    <cs:fontRef idx="minor">
+      <a:schemeClr val="tx1">
+        <a:lumMod val="65000"/>
+        <a:lumOff val="35000"/>
+      </a:schemeClr>
+    </cs:fontRef>
+    <cs:defRPr sz="900" kern="1200"/>
+  </cs:seriesAxis>
+  <cs:seriesLine>
+    <cs:lnRef idx="0"/>
+    <cs:fillRef idx="0"/>
+    <cs:effectRef idx="0"/>
+    <cs:fontRef idx="minor">
+      <a:schemeClr val="tx1"/>
+    </cs:fontRef>
+    <cs:spPr>
+      <a:ln w="9525" cap="flat" cmpd="sng" algn="ctr">
+        <a:solidFill>
+          <a:schemeClr val="tx1">
+            <a:lumMod val="35000"/>
+            <a:lumOff val="65000"/>
+          </a:schemeClr>
+        </a:solidFill>
+        <a:round/>
+      </a:ln>
+    </cs:spPr>
+  </cs:seriesLine>
+  <cs:title>
+    <cs:lnRef idx="0"/>
+    <cs:fillRef idx="0"/>
+    <cs:effectRef idx="0"/>
+    <cs:fontRef idx="minor">
+      <a:schemeClr val="tx1">
+        <a:lumMod val="65000"/>
+        <a:lumOff val="35000"/>
+      </a:schemeClr>
+    </cs:fontRef>
+    <cs:defRPr sz="1400" b="0" kern="1200" spc="0" baseline="0"/>
+  </cs:title>
+  <cs:trendline>
+    <cs:lnRef idx="0">
+      <cs:styleClr val="auto"/>
+    </cs:lnRef>
+    <cs:fillRef idx="0"/>
+    <cs:effectRef idx="0"/>
+    <cs:fontRef idx="minor">
+      <a:schemeClr val="tx1"/>
+    </cs:fontRef>
+    <cs:spPr>
+      <a:ln w="19050" cap="rnd">
+        <a:solidFill>
+          <a:schemeClr val="phClr"/>
+        </a:solidFill>
+        <a:prstDash val="sysDot"/>
+      </a:ln>
+    </cs:spPr>
+  </cs:trendline>
+  <cs:trendlineLabel>
+    <cs:lnRef idx="0"/>
+    <cs:fillRef idx="0"/>
+    <cs:effectRef idx="0"/>
+    <cs:fontRef idx="minor">
+      <a:schemeClr val="tx1">
+        <a:lumMod val="65000"/>
+        <a:lumOff val="35000"/>
+      </a:schemeClr>
+    </cs:fontRef>
+    <cs:defRPr sz="900" kern="1200"/>
+  </cs:trendlineLabel>
+  <cs:upBar>
+    <cs:lnRef idx="0"/>
+    <cs:fillRef idx="0"/>
+    <cs:effectRef idx="0"/>
+    <cs:fontRef idx="minor">
+      <a:schemeClr val="tx1"/>
+    </cs:fontRef>
+    <cs:spPr>
+      <a:solidFill>
+        <a:schemeClr val="lt1"/>
+      </a:solidFill>
+      <a:ln w="9525" cap="flat" cmpd="sng" algn="ctr">
+        <a:solidFill>
+          <a:schemeClr val="tx1">
+            <a:lumMod val="65000"/>
+            <a:lumOff val="35000"/>
+          </a:schemeClr>
+        </a:solidFill>
+        <a:round/>
+      </a:ln>
+    </cs:spPr>
+  </cs:upBar>
+  <cs:valueAxis>
+    <cs:lnRef idx="0"/>
+    <cs:fillRef idx="0"/>
+    <cs:effectRef idx="0"/>
+    <cs:fontRef idx="minor">
+      <a:schemeClr val="tx1">
+        <a:lumMod val="65000"/>
+        <a:lumOff val="35000"/>
+      </a:schemeClr>
+    </cs:fontRef>
+    <cs:spPr>
+      <a:ln w="9525" cap="flat" cmpd="sng" algn="ctr">
+        <a:solidFill>
+          <a:schemeClr val="tx1">
+            <a:lumMod val="25000"/>
+            <a:lumOff val="75000"/>
+          </a:schemeClr>
+        </a:solidFill>
+        <a:round/>
+      </a:ln>
+    </cs:spPr>
+    <cs:defRPr sz="900" kern="1200"/>
+  </cs:valueAxis>
+  <cs:wall>
+    <cs:lnRef idx="0"/>
+    <cs:fillRef idx="0"/>
+    <cs:effectRef idx="0"/>
+    <cs:fontRef idx="minor">
+      <a:schemeClr val="tx1"/>
+    </cs:fontRef>
+    <cs:spPr>
+      <a:noFill/>
+      <a:ln>
+        <a:noFill/>
+      </a:ln>
+    </cs:spPr>
+  </cs:wall>
+</cs:chartStyle>
+</file>
+
+<file path=ppt/charts/style6.xml><?xml version="1.0" encoding="utf-8"?>
+<cs:chartStyle xmlns:cs="http://schemas.microsoft.com/office/drawing/2012/chartStyle" xmlns:a="http://schemas.openxmlformats.org/drawingml/2006/main" id="240">
+  <cs:axisTitle>
+    <cs:lnRef idx="0"/>
+    <cs:fillRef idx="0"/>
+    <cs:effectRef idx="0"/>
+    <cs:fontRef idx="minor">
+      <a:schemeClr val="tx1">
+        <a:lumMod val="65000"/>
+        <a:lumOff val="35000"/>
+      </a:schemeClr>
+    </cs:fontRef>
+    <cs:defRPr sz="1000" kern="1200"/>
+  </cs:axisTitle>
+  <cs:categoryAxis>
+    <cs:lnRef idx="0"/>
+    <cs:fillRef idx="0"/>
+    <cs:effectRef idx="0"/>
+    <cs:fontRef idx="minor">
+      <a:schemeClr val="tx1">
+        <a:lumMod val="65000"/>
+        <a:lumOff val="35000"/>
+      </a:schemeClr>
+    </cs:fontRef>
+    <cs:spPr>
+      <a:ln w="9525" cap="flat" cmpd="sng" algn="ctr">
+        <a:solidFill>
+          <a:schemeClr val="tx1">
+            <a:lumMod val="25000"/>
+            <a:lumOff val="75000"/>
+          </a:schemeClr>
+        </a:solidFill>
+        <a:round/>
+      </a:ln>
+    </cs:spPr>
+    <cs:defRPr sz="900" kern="1200"/>
+  </cs:categoryAxis>
+  <cs:chartArea mods="allowNoFillOverride allowNoLineOverride">
+    <cs:lnRef idx="0"/>
+    <cs:fillRef idx="0"/>
+    <cs:effectRef idx="0"/>
+    <cs:fontRef idx="minor">
+      <a:schemeClr val="tx1"/>
+    </cs:fontRef>
+    <cs:spPr>
+      <a:solidFill>
+        <a:schemeClr val="bg1"/>
+      </a:solidFill>
+      <a:ln w="9525" cap="flat" cmpd="sng" algn="ctr">
+        <a:solidFill>
+          <a:schemeClr val="tx1">
+            <a:lumMod val="15000"/>
+            <a:lumOff val="85000"/>
+          </a:schemeClr>
+        </a:solidFill>
+        <a:round/>
+      </a:ln>
+    </cs:spPr>
+    <cs:defRPr sz="1000" kern="1200"/>
+  </cs:chartArea>
+  <cs:dataLabel>
+    <cs:lnRef idx="0"/>
+    <cs:fillRef idx="0"/>
+    <cs:effectRef idx="0"/>
+    <cs:fontRef idx="minor">
+      <a:schemeClr val="tx1">
+        <a:lumMod val="75000"/>
+        <a:lumOff val="25000"/>
+      </a:schemeClr>
+    </cs:fontRef>
+    <cs:defRPr sz="900" kern="1200"/>
+  </cs:dataLabel>
+  <cs:dataLabelCallout>
+    <cs:lnRef idx="0"/>
+    <cs:fillRef idx="0"/>
+    <cs:effectRef idx="0"/>
+    <cs:fontRef idx="minor">
+      <a:schemeClr val="dk1">
+        <a:lumMod val="65000"/>
+        <a:lumOff val="35000"/>
+      </a:schemeClr>
+    </cs:fontRef>
+    <cs:spPr>
+      <a:solidFill>
+        <a:schemeClr val="lt1"/>
+      </a:solidFill>
+      <a:ln>
+        <a:solidFill>
+          <a:schemeClr val="dk1">
+            <a:lumMod val="25000"/>
+            <a:lumOff val="75000"/>
+          </a:schemeClr>
+        </a:solidFill>
+      </a:ln>
+    </cs:spPr>
+    <cs:defRPr sz="900" kern="1200"/>
+    <cs:bodyPr rot="0" spcFirstLastPara="1" vertOverflow="clip" horzOverflow="clip" vert="horz" wrap="square" lIns="36576" tIns="18288" rIns="36576" bIns="18288" anchor="ctr" anchorCtr="1">
+      <a:spAutoFit/>
+    </cs:bodyPr>
+  </cs:dataLabelCallout>
+  <cs:dataPoint>
+    <cs:lnRef idx="0"/>
+    <cs:fillRef idx="1">
+      <cs:styleClr val="auto"/>
+    </cs:fillRef>
+    <cs:effectRef idx="0"/>
+    <cs:fontRef idx="minor">
+      <a:schemeClr val="tx1"/>
+    </cs:fontRef>
+  </cs:dataPoint>
+  <cs:dataPoint3D>
+    <cs:lnRef idx="0"/>
+    <cs:fillRef idx="1">
+      <cs:styleClr val="auto"/>
+    </cs:fillRef>
+    <cs:effectRef idx="0"/>
+    <cs:fontRef idx="minor">
+      <a:schemeClr val="tx1"/>
+    </cs:fontRef>
+  </cs:dataPoint3D>
+  <cs:dataPointLine>
+    <cs:lnRef idx="0">
+      <cs:styleClr val="auto"/>
+    </cs:lnRef>
+    <cs:fillRef idx="1"/>
+    <cs:effectRef idx="0"/>
+    <cs:fontRef idx="minor">
+      <a:schemeClr val="tx1"/>
+    </cs:fontRef>
+    <cs:spPr>
+      <a:ln w="19050" cap="rnd">
+        <a:solidFill>
+          <a:schemeClr val="phClr"/>
+        </a:solidFill>
+        <a:round/>
+      </a:ln>
+    </cs:spPr>
+  </cs:dataPointLine>
+  <cs:dataPointMarker>
+    <cs:lnRef idx="0">
+      <cs:styleClr val="auto"/>
+    </cs:lnRef>
+    <cs:fillRef idx="1">
+      <cs:styleClr val="auto"/>
+    </cs:fillRef>
+    <cs:effectRef idx="0"/>
+    <cs:fontRef idx="minor">
+      <a:schemeClr val="tx1"/>
+    </cs:fontRef>
+    <cs:spPr>
+      <a:ln w="9525">
+        <a:solidFill>
+          <a:schemeClr val="phClr"/>
+        </a:solidFill>
+      </a:ln>
+    </cs:spPr>
+  </cs:dataPointMarker>
+  <cs:dataPointMarkerLayout symbol="circle" size="5"/>
+  <cs:dataPointWireframe>
+    <cs:lnRef idx="0">
+      <cs:styleClr val="auto"/>
+    </cs:lnRef>
+    <cs:fillRef idx="0"/>
+    <cs:effectRef idx="0"/>
+    <cs:fontRef idx="minor">
+      <a:schemeClr val="dk1"/>
+    </cs:fontRef>
+    <cs:spPr>
+      <a:ln w="9525" cap="rnd">
+        <a:solidFill>
+          <a:schemeClr val="phClr"/>
+        </a:solidFill>
+        <a:round/>
+      </a:ln>
+    </cs:spPr>
+  </cs:dataPointWireframe>
+  <cs:dataTable>
+    <cs:lnRef idx="0"/>
+    <cs:fillRef idx="0"/>
+    <cs:effectRef idx="0"/>
+    <cs:fontRef idx="minor">
+      <a:schemeClr val="tx1">
+        <a:lumMod val="65000"/>
+        <a:lumOff val="35000"/>
+      </a:schemeClr>
+    </cs:fontRef>
+    <cs:spPr>
+      <a:noFill/>
+      <a:ln w="9525" cap="flat" cmpd="sng" algn="ctr">
+        <a:solidFill>
+          <a:schemeClr val="tx1">
+            <a:lumMod val="15000"/>
+            <a:lumOff val="85000"/>
+          </a:schemeClr>
+        </a:solidFill>
+        <a:round/>
+      </a:ln>
+    </cs:spPr>
+    <cs:defRPr sz="900" kern="1200"/>
+  </cs:dataTable>
+  <cs:downBar>
+    <cs:lnRef idx="0"/>
+    <cs:fillRef idx="0"/>
+    <cs:effectRef idx="0"/>
+    <cs:fontRef idx="minor">
+      <a:schemeClr val="tx1"/>
+    </cs:fontRef>
+    <cs:spPr>
+      <a:solidFill>
+        <a:schemeClr val="dk1">
+          <a:lumMod val="75000"/>
+          <a:lumOff val="25000"/>
+        </a:schemeClr>
+      </a:solidFill>
+      <a:ln w="9525" cap="flat" cmpd="sng" algn="ctr">
+        <a:solidFill>
+          <a:schemeClr val="tx1">
+            <a:lumMod val="65000"/>
+            <a:lumOff val="35000"/>
+          </a:schemeClr>
+        </a:solidFill>
+        <a:round/>
+      </a:ln>
+    </cs:spPr>
+  </cs:downBar>
+  <cs:dropLine>
+    <cs:lnRef idx="0"/>
+    <cs:fillRef idx="0"/>
+    <cs:effectRef idx="0"/>
+    <cs:fontRef idx="minor">
+      <a:schemeClr val="tx1"/>
+    </cs:fontRef>
+    <cs:spPr>
+      <a:ln w="9525" cap="flat" cmpd="sng" algn="ctr">
+        <a:solidFill>
+          <a:schemeClr val="tx1">
+            <a:lumMod val="35000"/>
+            <a:lumOff val="65000"/>
+          </a:schemeClr>
+        </a:solidFill>
+        <a:round/>
+      </a:ln>
+    </cs:spPr>
+  </cs:dropLine>
+  <cs:errorBar>
+    <cs:lnRef idx="0"/>
+    <cs:fillRef idx="0"/>
+    <cs:effectRef idx="0"/>
+    <cs:fontRef idx="minor">
+      <a:schemeClr val="tx1"/>
+    </cs:fontRef>
+    <cs:spPr>
+      <a:ln w="9525" cap="flat" cmpd="sng" algn="ctr">
+        <a:solidFill>
+          <a:schemeClr val="tx1">
+            <a:lumMod val="65000"/>
+            <a:lumOff val="35000"/>
+          </a:schemeClr>
+        </a:solidFill>
+        <a:round/>
+      </a:ln>
+    </cs:spPr>
+  </cs:errorBar>
+  <cs:floor>
+    <cs:lnRef idx="0"/>
+    <cs:fillRef idx="0"/>
+    <cs:effectRef idx="0"/>
+    <cs:fontRef idx="minor">
+      <a:schemeClr val="tx1"/>
+    </cs:fontRef>
+    <cs:spPr>
+      <a:noFill/>
+      <a:ln>
+        <a:noFill/>
+      </a:ln>
+    </cs:spPr>
+  </cs:floor>
+  <cs:gridlineMajor>
+    <cs:lnRef idx="0"/>
+    <cs:fillRef idx="0"/>
+    <cs:effectRef idx="0"/>
+    <cs:fontRef idx="minor">
+      <a:schemeClr val="tx1"/>
+    </cs:fontRef>
+    <cs:spPr>
+      <a:ln w="9525" cap="flat" cmpd="sng" algn="ctr">
+        <a:solidFill>
+          <a:schemeClr val="tx1">
+            <a:lumMod val="15000"/>
+            <a:lumOff val="85000"/>
+          </a:schemeClr>
+        </a:solidFill>
+        <a:round/>
+      </a:ln>
+    </cs:spPr>
+  </cs:gridlineMajor>
+  <cs:gridlineMinor>
+    <cs:lnRef idx="0"/>
+    <cs:fillRef idx="0"/>
+    <cs:effectRef idx="0"/>
+    <cs:fontRef idx="minor">
+      <a:schemeClr val="tx1"/>
+    </cs:fontRef>
+    <cs:spPr>
+      <a:ln w="9525" cap="flat" cmpd="sng" algn="ctr">
+        <a:solidFill>
+          <a:schemeClr val="tx1">
+            <a:lumMod val="5000"/>
+            <a:lumOff val="95000"/>
+          </a:schemeClr>
+        </a:solidFill>
+        <a:round/>
+      </a:ln>
+    </cs:spPr>
+  </cs:gridlineMinor>
+  <cs:hiLoLine>
+    <cs:lnRef idx="0"/>
+    <cs:fillRef idx="0"/>
+    <cs:effectRef idx="0"/>
+    <cs:fontRef idx="minor">
+      <a:schemeClr val="tx1"/>
+    </cs:fontRef>
+    <cs:spPr>
+      <a:ln w="9525" cap="flat" cmpd="sng" algn="ctr">
+        <a:solidFill>
+          <a:schemeClr val="tx1">
+            <a:lumMod val="50000"/>
+            <a:lumOff val="50000"/>
+          </a:schemeClr>
+        </a:solidFill>
+        <a:round/>
+      </a:ln>
+    </cs:spPr>
+  </cs:hiLoLine>
+  <cs:leaderLine>
+    <cs:lnRef idx="0"/>
+    <cs:fillRef idx="0"/>
+    <cs:effectRef idx="0"/>
+    <cs:fontRef idx="minor">
+      <a:schemeClr val="tx1"/>
+    </cs:fontRef>
+    <cs:spPr>
+      <a:ln w="9525" cap="flat" cmpd="sng" algn="ctr">
+        <a:solidFill>
+          <a:schemeClr val="tx1">
+            <a:lumMod val="35000"/>
+            <a:lumOff val="65000"/>
+          </a:schemeClr>
+        </a:solidFill>
+        <a:round/>
+      </a:ln>
+    </cs:spPr>
+  </cs:leaderLine>
+  <cs:legend>
+    <cs:lnRef idx="0"/>
+    <cs:fillRef idx="0"/>
+    <cs:effectRef idx="0"/>
+    <cs:fontRef idx="minor">
+      <a:schemeClr val="tx1">
+        <a:lumMod val="65000"/>
+        <a:lumOff val="35000"/>
+      </a:schemeClr>
+    </cs:fontRef>
+    <cs:defRPr sz="900" kern="1200"/>
+  </cs:legend>
+  <cs:plotArea mods="allowNoFillOverride allowNoLineOverride">
+    <cs:lnRef idx="0"/>
+    <cs:fillRef idx="0"/>
+    <cs:effectRef idx="0"/>
+    <cs:fontRef idx="minor">
+      <a:schemeClr val="tx1"/>
+    </cs:fontRef>
+  </cs:plotArea>
+  <cs:plotArea3D mods="allowNoFillOverride allowNoLineOverride">
+    <cs:lnRef idx="0"/>
+    <cs:fillRef idx="0"/>
+    <cs:effectRef idx="0"/>
+    <cs:fontRef idx="minor">
+      <a:schemeClr val="tx1"/>
+    </cs:fontRef>
+  </cs:plotArea3D>
+  <cs:seriesAxis>
+    <cs:lnRef idx="0"/>
+    <cs:fillRef idx="0"/>
+    <cs:effectRef idx="0"/>
+    <cs:fontRef idx="minor">
+      <a:schemeClr val="tx1">
+        <a:lumMod val="65000"/>
+        <a:lumOff val="35000"/>
+      </a:schemeClr>
+    </cs:fontRef>
+    <cs:defRPr sz="900" kern="1200"/>
+  </cs:seriesAxis>
+  <cs:seriesLine>
+    <cs:lnRef idx="0"/>
+    <cs:fillRef idx="0"/>
+    <cs:effectRef idx="0"/>
+    <cs:fontRef idx="minor">
+      <a:schemeClr val="tx1"/>
+    </cs:fontRef>
+    <cs:spPr>
+      <a:ln w="9525" cap="flat" cmpd="sng" algn="ctr">
+        <a:solidFill>
+          <a:schemeClr val="tx1">
+            <a:lumMod val="35000"/>
+            <a:lumOff val="65000"/>
+          </a:schemeClr>
+        </a:solidFill>
+        <a:round/>
+      </a:ln>
+    </cs:spPr>
+  </cs:seriesLine>
+  <cs:title>
+    <cs:lnRef idx="0"/>
+    <cs:fillRef idx="0"/>
+    <cs:effectRef idx="0"/>
+    <cs:fontRef idx="minor">
+      <a:schemeClr val="tx1">
+        <a:lumMod val="65000"/>
+        <a:lumOff val="35000"/>
+      </a:schemeClr>
+    </cs:fontRef>
+    <cs:defRPr sz="1400" b="0" kern="1200" spc="0" baseline="0"/>
+  </cs:title>
+  <cs:trendline>
+    <cs:lnRef idx="0">
+      <cs:styleClr val="auto"/>
+    </cs:lnRef>
+    <cs:fillRef idx="0"/>
+    <cs:effectRef idx="0"/>
+    <cs:fontRef idx="minor">
+      <a:schemeClr val="tx1"/>
+    </cs:fontRef>
+    <cs:spPr>
+      <a:ln w="19050" cap="rnd">
+        <a:solidFill>
+          <a:schemeClr val="phClr"/>
+        </a:solidFill>
+        <a:prstDash val="sysDot"/>
+      </a:ln>
+    </cs:spPr>
+  </cs:trendline>
+  <cs:trendlineLabel>
+    <cs:lnRef idx="0"/>
+    <cs:fillRef idx="0"/>
+    <cs:effectRef idx="0"/>
+    <cs:fontRef idx="minor">
+      <a:schemeClr val="tx1">
+        <a:lumMod val="65000"/>
+        <a:lumOff val="35000"/>
+      </a:schemeClr>
+    </cs:fontRef>
+    <cs:defRPr sz="900" kern="1200"/>
+  </cs:trendlineLabel>
+  <cs:upBar>
+    <cs:lnRef idx="0"/>
+    <cs:fillRef idx="0"/>
+    <cs:effectRef idx="0"/>
+    <cs:fontRef idx="minor">
+      <a:schemeClr val="tx1"/>
+    </cs:fontRef>
+    <cs:spPr>
+      <a:solidFill>
+        <a:schemeClr val="lt1"/>
+      </a:solidFill>
+      <a:ln w="9525" cap="flat" cmpd="sng" algn="ctr">
+        <a:solidFill>
+          <a:schemeClr val="tx1">
+            <a:lumMod val="65000"/>
+            <a:lumOff val="35000"/>
+          </a:schemeClr>
+        </a:solidFill>
+        <a:round/>
+      </a:ln>
+    </cs:spPr>
+  </cs:upBar>
+  <cs:valueAxis>
+    <cs:lnRef idx="0"/>
+    <cs:fillRef idx="0"/>
+    <cs:effectRef idx="0"/>
+    <cs:fontRef idx="minor">
+      <a:schemeClr val="tx1">
+        <a:lumMod val="65000"/>
+        <a:lumOff val="35000"/>
+      </a:schemeClr>
+    </cs:fontRef>
+    <cs:spPr>
+      <a:ln w="9525" cap="flat" cmpd="sng" algn="ctr">
+        <a:solidFill>
+          <a:schemeClr val="tx1">
+            <a:lumMod val="25000"/>
+            <a:lumOff val="75000"/>
+          </a:schemeClr>
+        </a:solidFill>
+        <a:round/>
+      </a:ln>
+    </cs:spPr>
+    <cs:defRPr sz="900" kern="1200"/>
+  </cs:valueAxis>
+  <cs:wall>
+    <cs:lnRef idx="0"/>
+    <cs:fillRef idx="0"/>
+    <cs:effectRef idx="0"/>
+    <cs:fontRef idx="minor">
+      <a:schemeClr val="tx1"/>
+    </cs:fontRef>
+    <cs:spPr>
+      <a:noFill/>
+      <a:ln>
+        <a:noFill/>
+      </a:ln>
+    </cs:spPr>
+  </cs:wall>
+</cs:chartStyle>
+</file>
+
+<file path=ppt/charts/style7.xml><?xml version="1.0" encoding="utf-8"?>
 <cs:chartStyle xmlns:cs="http://schemas.microsoft.com/office/drawing/2012/chartStyle" xmlns:a="http://schemas.openxmlformats.org/drawingml/2006/main" id="240">
   <cs:axisTitle>
     <cs:lnRef idx="0"/>
@@ -7553,12 +11252,12 @@
                     <a:p>
                       <a:pPr algn="r" fontAlgn="b"/>
                       <a:r>
-                        <a:rPr lang="en-US" sz="1200" u="none" strike="noStrike">
+                        <a:rPr lang="en-US" sz="1200" u="none" strike="noStrike" dirty="0">
                           <a:effectLst/>
                         </a:rPr>
                         <a:t>-45.3906</a:t>
                       </a:r>
-                      <a:endParaRPr lang="en-US" sz="1200" b="0" i="0" u="none" strike="noStrike">
+                      <a:endParaRPr lang="en-US" sz="1200" b="0" i="0" u="none" strike="noStrike" dirty="0">
                         <a:solidFill>
                           <a:srgbClr val="000000"/>
                         </a:solidFill>
@@ -7709,12 +11408,12 @@
                     <a:p>
                       <a:pPr algn="r" fontAlgn="b"/>
                       <a:r>
-                        <a:rPr lang="en-US" sz="1200" u="none" strike="noStrike">
+                        <a:rPr lang="en-US" sz="1200" u="none" strike="noStrike" dirty="0">
                           <a:effectLst/>
                         </a:rPr>
                         <a:t>-22.806</a:t>
                       </a:r>
-                      <a:endParaRPr lang="en-US" sz="1200" b="0" i="0" u="none" strike="noStrike">
+                      <a:endParaRPr lang="en-US" sz="1200" b="0" i="0" u="none" strike="noStrike" dirty="0">
                         <a:solidFill>
                           <a:srgbClr val="000000"/>
                         </a:solidFill>
@@ -7865,12 +11564,12 @@
                     <a:p>
                       <a:pPr algn="r" fontAlgn="b"/>
                       <a:r>
-                        <a:rPr lang="en-US" sz="1200" u="none" strike="noStrike">
+                        <a:rPr lang="en-US" sz="1200" u="none" strike="noStrike" dirty="0">
                           <a:effectLst/>
                         </a:rPr>
                         <a:t>50.83212</a:t>
                       </a:r>
-                      <a:endParaRPr lang="en-US" sz="1200" b="0" i="0" u="none" strike="noStrike">
+                      <a:endParaRPr lang="en-US" sz="1200" b="0" i="0" u="none" strike="noStrike" dirty="0">
                         <a:solidFill>
                           <a:srgbClr val="000000"/>
                         </a:solidFill>
@@ -8021,12 +11720,12 @@
                     <a:p>
                       <a:pPr algn="r" fontAlgn="b"/>
                       <a:r>
-                        <a:rPr lang="en-US" sz="1200" u="none" strike="noStrike">
+                        <a:rPr lang="en-US" sz="1200" u="none" strike="noStrike" dirty="0">
                           <a:effectLst/>
                         </a:rPr>
                         <a:t>-30.8796</a:t>
                       </a:r>
-                      <a:endParaRPr lang="en-US" sz="1200" b="0" i="0" u="none" strike="noStrike">
+                      <a:endParaRPr lang="en-US" sz="1200" b="0" i="0" u="none" strike="noStrike" dirty="0">
                         <a:solidFill>
                           <a:srgbClr val="000000"/>
                         </a:solidFill>
@@ -8177,12 +11876,12 @@
                     <a:p>
                       <a:pPr algn="r" fontAlgn="b"/>
                       <a:r>
-                        <a:rPr lang="en-US" sz="1200" u="none" strike="noStrike">
+                        <a:rPr lang="en-US" sz="1200" u="none" strike="noStrike" dirty="0">
                           <a:effectLst/>
                         </a:rPr>
                         <a:t>-60.713</a:t>
                       </a:r>
-                      <a:endParaRPr lang="en-US" sz="1200" b="0" i="0" u="none" strike="noStrike">
+                      <a:endParaRPr lang="en-US" sz="1200" b="0" i="0" u="none" strike="noStrike" dirty="0">
                         <a:solidFill>
                           <a:srgbClr val="000000"/>
                         </a:solidFill>
@@ -8333,12 +12032,12 @@
                     <a:p>
                       <a:pPr algn="r" fontAlgn="b"/>
                       <a:r>
-                        <a:rPr lang="en-US" sz="1200" u="none" strike="noStrike">
+                        <a:rPr lang="en-US" sz="1200" u="none" strike="noStrike" dirty="0">
                           <a:effectLst/>
                         </a:rPr>
                         <a:t>-32.6769</a:t>
                       </a:r>
-                      <a:endParaRPr lang="en-US" sz="1200" b="0" i="0" u="none" strike="noStrike">
+                      <a:endParaRPr lang="en-US" sz="1200" b="0" i="0" u="none" strike="noStrike" dirty="0">
                         <a:solidFill>
                           <a:srgbClr val="000000"/>
                         </a:solidFill>
@@ -8489,12 +12188,12 @@
                     <a:p>
                       <a:pPr algn="r" fontAlgn="b"/>
                       <a:r>
-                        <a:rPr lang="en-US" sz="1200" u="none" strike="noStrike">
+                        <a:rPr lang="en-US" sz="1200" u="none" strike="noStrike" dirty="0">
                           <a:effectLst/>
                         </a:rPr>
                         <a:t>-3.18677</a:t>
                       </a:r>
-                      <a:endParaRPr lang="en-US" sz="1200" b="0" i="0" u="none" strike="noStrike">
+                      <a:endParaRPr lang="en-US" sz="1200" b="0" i="0" u="none" strike="noStrike" dirty="0">
                         <a:solidFill>
                           <a:srgbClr val="000000"/>
                         </a:solidFill>
@@ -8645,12 +12344,12 @@
                     <a:p>
                       <a:pPr algn="r" fontAlgn="b"/>
                       <a:r>
-                        <a:rPr lang="en-US" sz="1200" u="none" strike="noStrike">
+                        <a:rPr lang="en-US" sz="1200" u="none" strike="noStrike" dirty="0">
                           <a:effectLst/>
                         </a:rPr>
                         <a:t>16.73295</a:t>
                       </a:r>
-                      <a:endParaRPr lang="en-US" sz="1200" b="0" i="0" u="none" strike="noStrike">
+                      <a:endParaRPr lang="en-US" sz="1200" b="0" i="0" u="none" strike="noStrike" dirty="0">
                         <a:solidFill>
                           <a:srgbClr val="000000"/>
                         </a:solidFill>
@@ -8801,12 +12500,12 @@
                     <a:p>
                       <a:pPr algn="r" fontAlgn="b"/>
                       <a:r>
-                        <a:rPr lang="en-US" sz="1200" u="none" strike="noStrike">
+                        <a:rPr lang="en-US" sz="1200" u="none" strike="noStrike" dirty="0">
                           <a:effectLst/>
                         </a:rPr>
                         <a:t>-43.9226</a:t>
                       </a:r>
-                      <a:endParaRPr lang="en-US" sz="1200" b="0" i="0" u="none" strike="noStrike">
+                      <a:endParaRPr lang="en-US" sz="1200" b="0" i="0" u="none" strike="noStrike" dirty="0">
                         <a:solidFill>
                           <a:srgbClr val="000000"/>
                         </a:solidFill>
@@ -9041,7 +12740,7 @@
           <p:nvPr>
             <p:extLst>
               <p:ext uri="{D42A27DB-BD31-4B8C-83A1-F6EECF244321}">
-                <p14:modId xmlns:p14="http://schemas.microsoft.com/office/powerpoint/2010/main" val="2477372634"/>
+                <p14:modId xmlns:p14="http://schemas.microsoft.com/office/powerpoint/2010/main" val="1319911510"/>
               </p:ext>
             </p:extLst>
           </p:nvPr>
@@ -9060,6 +12759,138 @@
     <p:extLst>
       <p:ext uri="{BB962C8B-B14F-4D97-AF65-F5344CB8AC3E}">
         <p14:creationId xmlns:p14="http://schemas.microsoft.com/office/powerpoint/2010/main" val="2084181444"/>
+      </p:ext>
+    </p:extLst>
+  </p:cSld>
+  <p:clrMapOvr>
+    <a:masterClrMapping/>
+  </p:clrMapOvr>
+</p:sld>
+</file>
+
+<file path=ppt/slides/slide5.xml><?xml version="1.0" encoding="utf-8"?>
+<p:sld xmlns:a="http://schemas.openxmlformats.org/drawingml/2006/main" xmlns:r="http://schemas.openxmlformats.org/officeDocument/2006/relationships" xmlns:p="http://schemas.openxmlformats.org/presentationml/2006/main">
+  <p:cSld>
+    <p:spTree>
+      <p:nvGrpSpPr>
+        <p:cNvPr id="1" name=""/>
+        <p:cNvGrpSpPr/>
+        <p:nvPr/>
+      </p:nvGrpSpPr>
+      <p:grpSpPr>
+        <a:xfrm>
+          <a:off x="0" y="0"/>
+          <a:ext cx="0" cy="0"/>
+          <a:chOff x="0" y="0"/>
+          <a:chExt cx="0" cy="0"/>
+        </a:xfrm>
+      </p:grpSpPr>
+      <p:graphicFrame>
+        <p:nvGraphicFramePr>
+          <p:cNvPr id="4" name="Chart 3"/>
+          <p:cNvGraphicFramePr>
+            <a:graphicFrameLocks/>
+          </p:cNvGraphicFramePr>
+          <p:nvPr>
+            <p:extLst>
+              <p:ext uri="{D42A27DB-BD31-4B8C-83A1-F6EECF244321}">
+                <p14:modId xmlns:p14="http://schemas.microsoft.com/office/powerpoint/2010/main" val="3261295450"/>
+              </p:ext>
+            </p:extLst>
+          </p:nvPr>
+        </p:nvGraphicFramePr>
+        <p:xfrm>
+          <a:off x="3810000" y="2057400"/>
+          <a:ext cx="4572000" cy="2743200"/>
+        </p:xfrm>
+        <a:graphic>
+          <a:graphicData uri="http://schemas.openxmlformats.org/drawingml/2006/chart">
+            <c:chart xmlns:c="http://schemas.openxmlformats.org/drawingml/2006/chart" xmlns:r="http://schemas.openxmlformats.org/officeDocument/2006/relationships" r:id="rId2"/>
+          </a:graphicData>
+        </a:graphic>
+      </p:graphicFrame>
+    </p:spTree>
+    <p:extLst>
+      <p:ext uri="{BB962C8B-B14F-4D97-AF65-F5344CB8AC3E}">
+        <p14:creationId xmlns:p14="http://schemas.microsoft.com/office/powerpoint/2010/main" val="2704748767"/>
+      </p:ext>
+    </p:extLst>
+  </p:cSld>
+  <p:clrMapOvr>
+    <a:masterClrMapping/>
+  </p:clrMapOvr>
+</p:sld>
+</file>
+
+<file path=ppt/slides/slide6.xml><?xml version="1.0" encoding="utf-8"?>
+<p:sld xmlns:a="http://schemas.openxmlformats.org/drawingml/2006/main" xmlns:r="http://schemas.openxmlformats.org/officeDocument/2006/relationships" xmlns:p="http://schemas.openxmlformats.org/presentationml/2006/main">
+  <p:cSld>
+    <p:spTree>
+      <p:nvGrpSpPr>
+        <p:cNvPr id="1" name=""/>
+        <p:cNvGrpSpPr/>
+        <p:nvPr/>
+      </p:nvGrpSpPr>
+      <p:grpSpPr>
+        <a:xfrm>
+          <a:off x="0" y="0"/>
+          <a:ext cx="0" cy="0"/>
+          <a:chOff x="0" y="0"/>
+          <a:chExt cx="0" cy="0"/>
+        </a:xfrm>
+      </p:grpSpPr>
+      <p:graphicFrame>
+        <p:nvGraphicFramePr>
+          <p:cNvPr id="5" name="Chart 4"/>
+          <p:cNvGraphicFramePr>
+            <a:graphicFrameLocks/>
+          </p:cNvGraphicFramePr>
+          <p:nvPr>
+            <p:extLst>
+              <p:ext uri="{D42A27DB-BD31-4B8C-83A1-F6EECF244321}">
+                <p14:modId xmlns:p14="http://schemas.microsoft.com/office/powerpoint/2010/main" val="2006203501"/>
+              </p:ext>
+            </p:extLst>
+          </p:nvPr>
+        </p:nvGraphicFramePr>
+        <p:xfrm>
+          <a:off x="6349093" y="1812471"/>
+          <a:ext cx="4572000" cy="2743200"/>
+        </p:xfrm>
+        <a:graphic>
+          <a:graphicData uri="http://schemas.openxmlformats.org/drawingml/2006/chart">
+            <c:chart xmlns:c="http://schemas.openxmlformats.org/drawingml/2006/chart" xmlns:r="http://schemas.openxmlformats.org/officeDocument/2006/relationships" r:id="rId2"/>
+          </a:graphicData>
+        </a:graphic>
+      </p:graphicFrame>
+      <p:graphicFrame>
+        <p:nvGraphicFramePr>
+          <p:cNvPr id="6" name="Chart 5"/>
+          <p:cNvGraphicFramePr>
+            <a:graphicFrameLocks/>
+          </p:cNvGraphicFramePr>
+          <p:nvPr>
+            <p:extLst>
+              <p:ext uri="{D42A27DB-BD31-4B8C-83A1-F6EECF244321}">
+                <p14:modId xmlns:p14="http://schemas.microsoft.com/office/powerpoint/2010/main" val="3845393876"/>
+              </p:ext>
+            </p:extLst>
+          </p:nvPr>
+        </p:nvGraphicFramePr>
+        <p:xfrm>
+          <a:off x="982435" y="2438400"/>
+          <a:ext cx="4572000" cy="2743200"/>
+        </p:xfrm>
+        <a:graphic>
+          <a:graphicData uri="http://schemas.openxmlformats.org/drawingml/2006/chart">
+            <c:chart xmlns:c="http://schemas.openxmlformats.org/drawingml/2006/chart" xmlns:r="http://schemas.openxmlformats.org/officeDocument/2006/relationships" r:id="rId3"/>
+          </a:graphicData>
+        </a:graphic>
+      </p:graphicFrame>
+    </p:spTree>
+    <p:extLst>
+      <p:ext uri="{BB962C8B-B14F-4D97-AF65-F5344CB8AC3E}">
+        <p14:creationId xmlns:p14="http://schemas.microsoft.com/office/powerpoint/2010/main" val="1508865771"/>
       </p:ext>
     </p:extLst>
   </p:cSld>
